--- a/assets/slides/02-Python3-review2.pptx
+++ b/assets/slides/02-Python3-review2.pptx
@@ -5,10 +5,10 @@
     <p:sldMasterId id="2147483650" r:id="rId1"/>
   </p:sldMasterIdLst>
   <p:notesMasterIdLst>
-    <p:notesMasterId r:id="rId45"/>
+    <p:notesMasterId r:id="rId46"/>
   </p:notesMasterIdLst>
   <p:handoutMasterIdLst>
-    <p:handoutMasterId r:id="rId46"/>
+    <p:handoutMasterId r:id="rId47"/>
   </p:handoutMasterIdLst>
   <p:sldIdLst>
     <p:sldId id="738" r:id="rId2"/>
@@ -44,16 +44,17 @@
     <p:sldId id="727" r:id="rId32"/>
     <p:sldId id="686" r:id="rId33"/>
     <p:sldId id="736" r:id="rId34"/>
-    <p:sldId id="687" r:id="rId35"/>
-    <p:sldId id="688" r:id="rId36"/>
-    <p:sldId id="699" r:id="rId37"/>
-    <p:sldId id="700" r:id="rId38"/>
-    <p:sldId id="701" r:id="rId39"/>
-    <p:sldId id="702" r:id="rId40"/>
-    <p:sldId id="728" r:id="rId41"/>
-    <p:sldId id="729" r:id="rId42"/>
-    <p:sldId id="730" r:id="rId43"/>
-    <p:sldId id="731" r:id="rId44"/>
+    <p:sldId id="748" r:id="rId35"/>
+    <p:sldId id="687" r:id="rId36"/>
+    <p:sldId id="688" r:id="rId37"/>
+    <p:sldId id="699" r:id="rId38"/>
+    <p:sldId id="700" r:id="rId39"/>
+    <p:sldId id="701" r:id="rId40"/>
+    <p:sldId id="702" r:id="rId41"/>
+    <p:sldId id="728" r:id="rId42"/>
+    <p:sldId id="729" r:id="rId43"/>
+    <p:sldId id="730" r:id="rId44"/>
+    <p:sldId id="731" r:id="rId45"/>
   </p:sldIdLst>
   <p:sldSz cx="9144000" cy="6858000" type="screen4x3"/>
   <p:notesSz cx="6997700" cy="9283700"/>
@@ -4722,7 +4723,133 @@
           <a:lstStyle/>
           <a:p>
             <a:pPr eaLnBrk="1" hangingPunct="1"/>
-            <a:endParaRPr lang="en-US"/>
+            <a:r>
+              <a:rPr lang="en-US" sz="1200" b="1" i="0" u="none" strike="noStrike" kern="1200" dirty="0" smtClean="0">
+                <a:solidFill>
+                  <a:schemeClr val="tx1"/>
+                </a:solidFill>
+                <a:effectLst/>
+                <a:latin typeface="Times New Roman" pitchFamily="18" charset="0"/>
+                <a:ea typeface="+mn-ea"/>
+                <a:cs typeface="+mn-cs"/>
+              </a:rPr>
+              <a:t>Duck typing</a:t>
+            </a:r>
+            <a:r>
+              <a:rPr lang="en-US" sz="1200" b="0" i="0" u="none" strike="noStrike" kern="1200" dirty="0" smtClean="0">
+                <a:solidFill>
+                  <a:schemeClr val="tx1"/>
+                </a:solidFill>
+                <a:effectLst/>
+                <a:latin typeface="Times New Roman" pitchFamily="18" charset="0"/>
+                <a:ea typeface="+mn-ea"/>
+                <a:cs typeface="+mn-cs"/>
+              </a:rPr>
+              <a:t> in computer programming is an application of the </a:t>
+            </a:r>
+            <a:r>
+              <a:rPr lang="en-US" sz="1200" b="0" i="0" u="none" strike="noStrike" kern="1200" dirty="0" smtClean="0">
+                <a:solidFill>
+                  <a:schemeClr val="tx1"/>
+                </a:solidFill>
+                <a:effectLst/>
+                <a:latin typeface="Times New Roman" pitchFamily="18" charset="0"/>
+                <a:ea typeface="+mn-ea"/>
+                <a:cs typeface="+mn-cs"/>
+                <a:hlinkClick r:id="rId3" tooltip="Duck test"/>
+              </a:rPr>
+              <a:t>duck test</a:t>
+            </a:r>
+            <a:r>
+              <a:rPr lang="en-US" sz="1200" b="0" i="0" u="none" strike="noStrike" kern="1200" dirty="0" smtClean="0">
+                <a:solidFill>
+                  <a:schemeClr val="tx1"/>
+                </a:solidFill>
+                <a:effectLst/>
+                <a:latin typeface="Times New Roman" pitchFamily="18" charset="0"/>
+                <a:ea typeface="+mn-ea"/>
+                <a:cs typeface="+mn-cs"/>
+              </a:rPr>
+              <a:t>—"If it walks like a duck and it quacks like a duck, then it must be a duck"—to determine if an </a:t>
+            </a:r>
+            <a:r>
+              <a:rPr lang="en-US" sz="1200" b="0" i="0" u="none" strike="noStrike" kern="1200" dirty="0" smtClean="0">
+                <a:solidFill>
+                  <a:schemeClr val="tx1"/>
+                </a:solidFill>
+                <a:effectLst/>
+                <a:latin typeface="Times New Roman" pitchFamily="18" charset="0"/>
+                <a:ea typeface="+mn-ea"/>
+                <a:cs typeface="+mn-cs"/>
+                <a:hlinkClick r:id="rId4" tooltip="Object (computer science)"/>
+              </a:rPr>
+              <a:t>object</a:t>
+            </a:r>
+            <a:r>
+              <a:rPr lang="en-US" sz="1200" b="0" i="0" u="none" strike="noStrike" kern="1200" dirty="0" smtClean="0">
+                <a:solidFill>
+                  <a:schemeClr val="tx1"/>
+                </a:solidFill>
+                <a:effectLst/>
+                <a:latin typeface="Times New Roman" pitchFamily="18" charset="0"/>
+                <a:ea typeface="+mn-ea"/>
+                <a:cs typeface="+mn-cs"/>
+              </a:rPr>
+              <a:t> can be used for a particular purpose. With normal typing, suitability is determined by an object's type. In duck typing, an object's suitability is determined by the presence of certain </a:t>
+            </a:r>
+            <a:r>
+              <a:rPr lang="en-US" sz="1200" b="0" i="0" u="none" strike="noStrike" kern="1200" dirty="0" smtClean="0">
+                <a:solidFill>
+                  <a:schemeClr val="tx1"/>
+                </a:solidFill>
+                <a:effectLst/>
+                <a:latin typeface="Times New Roman" pitchFamily="18" charset="0"/>
+                <a:ea typeface="+mn-ea"/>
+                <a:cs typeface="+mn-cs"/>
+                <a:hlinkClick r:id="rId5" tooltip="Method (computer programming)"/>
+              </a:rPr>
+              <a:t>methods</a:t>
+            </a:r>
+            <a:r>
+              <a:rPr lang="en-US" sz="1200" b="0" i="0" u="none" strike="noStrike" kern="1200" dirty="0" smtClean="0">
+                <a:solidFill>
+                  <a:schemeClr val="tx1"/>
+                </a:solidFill>
+                <a:effectLst/>
+                <a:latin typeface="Times New Roman" pitchFamily="18" charset="0"/>
+                <a:ea typeface="+mn-ea"/>
+                <a:cs typeface="+mn-cs"/>
+              </a:rPr>
+              <a:t> and properties, rather than the type of the object itself.</a:t>
+            </a:r>
+          </a:p>
+          <a:p>
+            <a:pPr eaLnBrk="1" hangingPunct="1"/>
+            <a:endParaRPr lang="en-US" sz="1200" b="0" i="0" u="none" strike="noStrike" kern="1200" dirty="0" smtClean="0">
+              <a:solidFill>
+                <a:schemeClr val="tx1"/>
+              </a:solidFill>
+              <a:effectLst/>
+              <a:latin typeface="Times New Roman" pitchFamily="18" charset="0"/>
+              <a:ea typeface="+mn-ea"/>
+              <a:cs typeface="+mn-cs"/>
+            </a:endParaRPr>
+          </a:p>
+          <a:p>
+            <a:pPr eaLnBrk="1" hangingPunct="1"/>
+            <a:endParaRPr lang="en-US" sz="1200" b="0" i="0" u="none" strike="noStrike" kern="1200" dirty="0" smtClean="0">
+              <a:solidFill>
+                <a:schemeClr val="tx1"/>
+              </a:solidFill>
+              <a:effectLst/>
+              <a:latin typeface="Times New Roman" pitchFamily="18" charset="0"/>
+              <a:ea typeface="+mn-ea"/>
+              <a:cs typeface="+mn-cs"/>
+            </a:endParaRPr>
+          </a:p>
+          <a:p>
+            <a:pPr eaLnBrk="1" hangingPunct="1"/>
+            <a:endParaRPr lang="en-US" dirty="0"/>
           </a:p>
         </p:txBody>
       </p:sp>
@@ -4962,80 +5089,128 @@
           <a:p>
             <a:pPr eaLnBrk="1" hangingPunct="1"/>
             <a:r>
-              <a:rPr lang="en-US" dirty="0" smtClean="0"/>
-              <a:t>__ is</a:t>
-            </a:r>
-            <a:r>
-              <a:rPr lang="en-US" baseline="0" dirty="0" smtClean="0"/>
-              <a:t> pronounced “</a:t>
-            </a:r>
-            <a:r>
-              <a:rPr lang="en-US" baseline="0" dirty="0" err="1" smtClean="0"/>
-              <a:t>dunder</a:t>
-            </a:r>
-            <a:r>
-              <a:rPr lang="en-US" baseline="0" dirty="0" smtClean="0"/>
-              <a:t>” for “double underscore”</a:t>
+              <a:rPr lang="en-US" sz="1200" b="1" i="0" u="none" strike="noStrike" kern="1200" dirty="0" smtClean="0">
+                <a:solidFill>
+                  <a:schemeClr val="tx1"/>
+                </a:solidFill>
+                <a:effectLst/>
+                <a:latin typeface="Times New Roman" pitchFamily="18" charset="0"/>
+                <a:ea typeface="+mn-ea"/>
+                <a:cs typeface="+mn-cs"/>
+              </a:rPr>
+              <a:t>Duck typing</a:t>
+            </a:r>
+            <a:r>
+              <a:rPr lang="en-US" sz="1200" b="0" i="0" u="none" strike="noStrike" kern="1200" dirty="0" smtClean="0">
+                <a:solidFill>
+                  <a:schemeClr val="tx1"/>
+                </a:solidFill>
+                <a:effectLst/>
+                <a:latin typeface="Times New Roman" pitchFamily="18" charset="0"/>
+                <a:ea typeface="+mn-ea"/>
+                <a:cs typeface="+mn-cs"/>
+              </a:rPr>
+              <a:t> in computer programming is an application of the </a:t>
+            </a:r>
+            <a:r>
+              <a:rPr lang="en-US" sz="1200" b="0" i="0" u="none" strike="noStrike" kern="1200" dirty="0" smtClean="0">
+                <a:solidFill>
+                  <a:schemeClr val="tx1"/>
+                </a:solidFill>
+                <a:effectLst/>
+                <a:latin typeface="Times New Roman" pitchFamily="18" charset="0"/>
+                <a:ea typeface="+mn-ea"/>
+                <a:cs typeface="+mn-cs"/>
+                <a:hlinkClick r:id="rId3" tooltip="Duck test"/>
+              </a:rPr>
+              <a:t>duck test</a:t>
+            </a:r>
+            <a:r>
+              <a:rPr lang="en-US" sz="1200" b="0" i="0" u="none" strike="noStrike" kern="1200" dirty="0" smtClean="0">
+                <a:solidFill>
+                  <a:schemeClr val="tx1"/>
+                </a:solidFill>
+                <a:effectLst/>
+                <a:latin typeface="Times New Roman" pitchFamily="18" charset="0"/>
+                <a:ea typeface="+mn-ea"/>
+                <a:cs typeface="+mn-cs"/>
+              </a:rPr>
+              <a:t>—"If it walks like a duck and it quacks like a duck, then it must be a duck"—to determine if an </a:t>
+            </a:r>
+            <a:r>
+              <a:rPr lang="en-US" sz="1200" b="0" i="0" u="none" strike="noStrike" kern="1200" dirty="0" smtClean="0">
+                <a:solidFill>
+                  <a:schemeClr val="tx1"/>
+                </a:solidFill>
+                <a:effectLst/>
+                <a:latin typeface="Times New Roman" pitchFamily="18" charset="0"/>
+                <a:ea typeface="+mn-ea"/>
+                <a:cs typeface="+mn-cs"/>
+                <a:hlinkClick r:id="rId4" tooltip="Object (computer science)"/>
+              </a:rPr>
+              <a:t>object</a:t>
+            </a:r>
+            <a:r>
+              <a:rPr lang="en-US" sz="1200" b="0" i="0" u="none" strike="noStrike" kern="1200" dirty="0" smtClean="0">
+                <a:solidFill>
+                  <a:schemeClr val="tx1"/>
+                </a:solidFill>
+                <a:effectLst/>
+                <a:latin typeface="Times New Roman" pitchFamily="18" charset="0"/>
+                <a:ea typeface="+mn-ea"/>
+                <a:cs typeface="+mn-cs"/>
+              </a:rPr>
+              <a:t> can be used for a particular purpose. With normal typing, suitability is determined by an object's type. In duck typing, an object's suitability is determined by the presence of certain </a:t>
+            </a:r>
+            <a:r>
+              <a:rPr lang="en-US" sz="1200" b="0" i="0" u="none" strike="noStrike" kern="1200" dirty="0" smtClean="0">
+                <a:solidFill>
+                  <a:schemeClr val="tx1"/>
+                </a:solidFill>
+                <a:effectLst/>
+                <a:latin typeface="Times New Roman" pitchFamily="18" charset="0"/>
+                <a:ea typeface="+mn-ea"/>
+                <a:cs typeface="+mn-cs"/>
+                <a:hlinkClick r:id="rId5" tooltip="Method (computer programming)"/>
+              </a:rPr>
+              <a:t>methods</a:t>
+            </a:r>
+            <a:r>
+              <a:rPr lang="en-US" sz="1200" b="0" i="0" u="none" strike="noStrike" kern="1200" dirty="0" smtClean="0">
+                <a:solidFill>
+                  <a:schemeClr val="tx1"/>
+                </a:solidFill>
+                <a:effectLst/>
+                <a:latin typeface="Times New Roman" pitchFamily="18" charset="0"/>
+                <a:ea typeface="+mn-ea"/>
+                <a:cs typeface="+mn-cs"/>
+              </a:rPr>
+              <a:t> and properties, rather than the type of the object itself.</a:t>
             </a:r>
           </a:p>
           <a:p>
             <a:pPr eaLnBrk="1" hangingPunct="1"/>
-            <a:endParaRPr lang="en-US" baseline="0" dirty="0" smtClean="0"/>
+            <a:endParaRPr lang="en-US" sz="1200" b="0" i="0" u="none" strike="noStrike" kern="1200" dirty="0" smtClean="0">
+              <a:solidFill>
+                <a:schemeClr val="tx1"/>
+              </a:solidFill>
+              <a:effectLst/>
+              <a:latin typeface="Times New Roman" pitchFamily="18" charset="0"/>
+              <a:ea typeface="+mn-ea"/>
+              <a:cs typeface="+mn-cs"/>
+            </a:endParaRPr>
           </a:p>
           <a:p>
             <a:pPr eaLnBrk="1" hangingPunct="1"/>
-            <a:r>
-              <a:rPr lang="en-US" baseline="0" dirty="0" smtClean="0"/>
-              <a:t>__</a:t>
-            </a:r>
-            <a:r>
-              <a:rPr lang="en-US" baseline="0" dirty="0" err="1" smtClean="0"/>
-              <a:t>repr</a:t>
-            </a:r>
-            <a:r>
-              <a:rPr lang="en-US" baseline="0" dirty="0" smtClean="0"/>
-              <a:t>__ is meant to be displayed to developers </a:t>
-            </a:r>
-            <a:r>
-              <a:rPr lang="mr-IN" baseline="0" dirty="0" smtClean="0"/>
-              <a:t>–</a:t>
-            </a:r>
-            <a:r>
-              <a:rPr lang="en-US" baseline="0" dirty="0" smtClean="0"/>
-              <a:t> might be useful to recreate the object.</a:t>
-            </a:r>
-          </a:p>
-          <a:p>
-            <a:pPr marL="0" marR="0" indent="0" algn="l" defTabSz="914400" rtl="0" eaLnBrk="1" fontAlgn="base" latinLnBrk="0" hangingPunct="1">
-              <a:lnSpc>
-                <a:spcPct val="100000"/>
-              </a:lnSpc>
-              <a:spcBef>
-                <a:spcPct val="30000"/>
-              </a:spcBef>
-              <a:spcAft>
-                <a:spcPct val="0"/>
-              </a:spcAft>
-              <a:buClrTx/>
-              <a:buSzTx/>
-              <a:buFontTx/>
-              <a:buNone/>
-              <a:tabLst/>
-              <a:defRPr/>
-            </a:pPr>
-            <a:r>
-              <a:rPr lang="en-US" baseline="0" dirty="0" smtClean="0"/>
-              <a:t>__</a:t>
-            </a:r>
-            <a:r>
-              <a:rPr lang="en-US" baseline="0" dirty="0" err="1" smtClean="0"/>
-              <a:t>str</a:t>
-            </a:r>
-            <a:r>
-              <a:rPr lang="en-US" baseline="0" dirty="0" smtClean="0"/>
-              <a:t>__ is meant to be displayed to users.</a:t>
-            </a:r>
-            <a:endParaRPr lang="en-US" dirty="0" smtClean="0"/>
+            <a:endParaRPr lang="en-US" sz="1200" b="0" i="0" u="none" strike="noStrike" kern="1200" dirty="0" smtClean="0">
+              <a:solidFill>
+                <a:schemeClr val="tx1"/>
+              </a:solidFill>
+              <a:effectLst/>
+              <a:latin typeface="Times New Roman" pitchFamily="18" charset="0"/>
+              <a:ea typeface="+mn-ea"/>
+              <a:cs typeface="+mn-cs"/>
+            </a:endParaRPr>
           </a:p>
           <a:p>
             <a:pPr eaLnBrk="1" hangingPunct="1"/>
@@ -5046,7 +5221,7 @@
     </p:spTree>
     <p:extLst>
       <p:ext uri="{BB962C8B-B14F-4D97-AF65-F5344CB8AC3E}">
-        <p14:creationId xmlns:p14="http://schemas.microsoft.com/office/powerpoint/2010/main" val="956037503"/>
+        <p14:creationId xmlns:p14="http://schemas.microsoft.com/office/powerpoint/2010/main" val="419543854"/>
       </p:ext>
     </p:extLst>
   </p:cSld>
@@ -5075,7 +5250,7 @@
       </p:grpSpPr>
       <p:sp>
         <p:nvSpPr>
-          <p:cNvPr id="97282" name="Rectangle 7"/>
+          <p:cNvPr id="96258" name="Rectangle 7"/>
           <p:cNvSpPr>
             <a:spLocks noGrp="1" noChangeArrowheads="1"/>
           </p:cNvSpPr>
@@ -5217,7 +5392,7 @@
           </a:lstStyle>
           <a:p>
             <a:pPr eaLnBrk="1" hangingPunct="1"/>
-            <a:fld id="{A24A50A6-2E48-47A3-9D06-731774A7C75F}" type="slidenum">
+            <a:fld id="{23EAB141-3A99-4FBD-A10E-5CFFDB5383BA}" type="slidenum">
               <a:rPr lang="en-US" sz="1200" smtClean="0"/>
               <a:pPr eaLnBrk="1" hangingPunct="1"/>
               <a:t>35</a:t>
@@ -5228,7 +5403,7 @@
       </p:sp>
       <p:sp>
         <p:nvSpPr>
-          <p:cNvPr id="97283" name="Rectangle 2"/>
+          <p:cNvPr id="96259" name="Rectangle 2"/>
           <p:cNvSpPr>
             <a:spLocks noGrp="1" noRot="1" noChangeAspect="1" noChangeArrowheads="1" noTextEdit="1"/>
           </p:cNvSpPr>
@@ -5242,7 +5417,7 @@
       </p:sp>
       <p:sp>
         <p:nvSpPr>
-          <p:cNvPr id="97284" name="Rectangle 3"/>
+          <p:cNvPr id="96260" name="Rectangle 3"/>
           <p:cNvSpPr>
             <a:spLocks noGrp="1" noChangeArrowheads="1"/>
           </p:cNvSpPr>
@@ -5278,14 +5453,92 @@
           <a:lstStyle/>
           <a:p>
             <a:pPr eaLnBrk="1" hangingPunct="1"/>
-            <a:endParaRPr lang="en-US"/>
+            <a:r>
+              <a:rPr lang="en-US" dirty="0" smtClean="0"/>
+              <a:t>__ is</a:t>
+            </a:r>
+            <a:r>
+              <a:rPr lang="en-US" baseline="0" dirty="0" smtClean="0"/>
+              <a:t> pronounced “</a:t>
+            </a:r>
+            <a:r>
+              <a:rPr lang="en-US" baseline="0" dirty="0" err="1" smtClean="0"/>
+              <a:t>dunder</a:t>
+            </a:r>
+            <a:r>
+              <a:rPr lang="en-US" baseline="0" dirty="0" smtClean="0"/>
+              <a:t>” for “double underscore”</a:t>
+            </a:r>
+          </a:p>
+          <a:p>
+            <a:pPr eaLnBrk="1" hangingPunct="1"/>
+            <a:endParaRPr lang="en-US" baseline="0" dirty="0" smtClean="0"/>
+          </a:p>
+          <a:p>
+            <a:pPr eaLnBrk="1" hangingPunct="1"/>
+            <a:r>
+              <a:rPr lang="en-US" baseline="0" dirty="0" smtClean="0"/>
+              <a:t>__</a:t>
+            </a:r>
+            <a:r>
+              <a:rPr lang="en-US" baseline="0" dirty="0" err="1" smtClean="0"/>
+              <a:t>repr</a:t>
+            </a:r>
+            <a:r>
+              <a:rPr lang="en-US" baseline="0" dirty="0" smtClean="0"/>
+              <a:t>__ is meant to be displayed to developers </a:t>
+            </a:r>
+            <a:r>
+              <a:rPr lang="mr-IN" baseline="0" dirty="0" smtClean="0"/>
+              <a:t>–</a:t>
+            </a:r>
+            <a:r>
+              <a:rPr lang="en-US" baseline="0" dirty="0" smtClean="0"/>
+              <a:t> might be useful to recreate the object.</a:t>
+            </a:r>
+          </a:p>
+          <a:p>
+            <a:pPr marL="0" marR="0" indent="0" algn="l" defTabSz="914400" rtl="0" eaLnBrk="1" fontAlgn="base" latinLnBrk="0" hangingPunct="1">
+              <a:lnSpc>
+                <a:spcPct val="100000"/>
+              </a:lnSpc>
+              <a:spcBef>
+                <a:spcPct val="30000"/>
+              </a:spcBef>
+              <a:spcAft>
+                <a:spcPct val="0"/>
+              </a:spcAft>
+              <a:buClrTx/>
+              <a:buSzTx/>
+              <a:buFontTx/>
+              <a:buNone/>
+              <a:tabLst/>
+              <a:defRPr/>
+            </a:pPr>
+            <a:r>
+              <a:rPr lang="en-US" baseline="0" dirty="0" smtClean="0"/>
+              <a:t>__</a:t>
+            </a:r>
+            <a:r>
+              <a:rPr lang="en-US" baseline="0" dirty="0" err="1" smtClean="0"/>
+              <a:t>str</a:t>
+            </a:r>
+            <a:r>
+              <a:rPr lang="en-US" baseline="0" dirty="0" smtClean="0"/>
+              <a:t>__ is meant to be displayed to users.</a:t>
+            </a:r>
+            <a:endParaRPr lang="en-US" dirty="0" smtClean="0"/>
+          </a:p>
+          <a:p>
+            <a:pPr eaLnBrk="1" hangingPunct="1"/>
+            <a:endParaRPr lang="en-US" dirty="0"/>
           </a:p>
         </p:txBody>
       </p:sp>
     </p:spTree>
     <p:extLst>
       <p:ext uri="{BB962C8B-B14F-4D97-AF65-F5344CB8AC3E}">
-        <p14:creationId xmlns:p14="http://schemas.microsoft.com/office/powerpoint/2010/main" val="1130726721"/>
+        <p14:creationId xmlns:p14="http://schemas.microsoft.com/office/powerpoint/2010/main" val="956037503"/>
       </p:ext>
     </p:extLst>
   </p:cSld>
@@ -5314,7 +5567,7 @@
       </p:grpSpPr>
       <p:sp>
         <p:nvSpPr>
-          <p:cNvPr id="107522" name="Rectangle 7"/>
+          <p:cNvPr id="97282" name="Rectangle 7"/>
           <p:cNvSpPr>
             <a:spLocks noGrp="1" noChangeArrowheads="1"/>
           </p:cNvSpPr>
@@ -5456,7 +5709,7 @@
           </a:lstStyle>
           <a:p>
             <a:pPr eaLnBrk="1" hangingPunct="1"/>
-            <a:fld id="{51D81B43-2CB0-4984-80C6-11A7B3797A86}" type="slidenum">
+            <a:fld id="{A24A50A6-2E48-47A3-9D06-731774A7C75F}" type="slidenum">
               <a:rPr lang="en-US" sz="1200" smtClean="0"/>
               <a:pPr eaLnBrk="1" hangingPunct="1"/>
               <a:t>36</a:t>
@@ -5467,7 +5720,7 @@
       </p:sp>
       <p:sp>
         <p:nvSpPr>
-          <p:cNvPr id="107523" name="Rectangle 2"/>
+          <p:cNvPr id="97283" name="Rectangle 2"/>
           <p:cNvSpPr>
             <a:spLocks noGrp="1" noRot="1" noChangeAspect="1" noChangeArrowheads="1" noTextEdit="1"/>
           </p:cNvSpPr>
@@ -5476,15 +5729,12 @@
           </p:nvPr>
         </p:nvSpPr>
         <p:spPr>
-          <a:solidFill>
-            <a:srgbClr val="FFFFFF"/>
-          </a:solidFill>
           <a:ln/>
         </p:spPr>
       </p:sp>
       <p:sp>
         <p:nvSpPr>
-          <p:cNvPr id="107524" name="Rectangle 3"/>
+          <p:cNvPr id="97284" name="Rectangle 3"/>
           <p:cNvSpPr>
             <a:spLocks noGrp="1" noChangeArrowheads="1"/>
           </p:cNvSpPr>
@@ -5493,30 +5743,41 @@
           </p:nvPr>
         </p:nvSpPr>
         <p:spPr>
-          <a:solidFill>
-            <a:srgbClr val="FFFFFF"/>
-          </a:solidFill>
-          <a:ln>
-            <a:solidFill>
-              <a:srgbClr val="000000"/>
-            </a:solidFill>
-          </a:ln>
+          <a:noFill/>
+          <a:ln/>
+          <a:extLst>
+            <a:ext uri="{909E8E84-426E-40DD-AFC4-6F175D3DCCD1}">
+              <a14:hiddenFill xmlns:a14="http://schemas.microsoft.com/office/drawing/2010/main">
+                <a:solidFill>
+                  <a:srgbClr val="FFFFFF"/>
+                </a:solidFill>
+              </a14:hiddenFill>
+            </a:ext>
+            <a:ext uri="{91240B29-F687-4F45-9708-019B960494DF}">
+              <a14:hiddenLine xmlns:a14="http://schemas.microsoft.com/office/drawing/2010/main" w="9525">
+                <a:solidFill>
+                  <a:srgbClr val="000000"/>
+                </a:solidFill>
+                <a:miter lim="800000"/>
+                <a:headEnd/>
+                <a:tailEnd/>
+              </a14:hiddenLine>
+            </a:ext>
+          </a:extLst>
         </p:spPr>
         <p:txBody>
           <a:bodyPr/>
           <a:lstStyle/>
           <a:p>
             <a:pPr eaLnBrk="1" hangingPunct="1"/>
-            <a:endParaRPr lang="en-US">
-              <a:ea typeface="ＭＳ Ｐゴシック" pitchFamily="34" charset="-128"/>
-            </a:endParaRPr>
+            <a:endParaRPr lang="en-US"/>
           </a:p>
         </p:txBody>
       </p:sp>
     </p:spTree>
     <p:extLst>
       <p:ext uri="{BB962C8B-B14F-4D97-AF65-F5344CB8AC3E}">
-        <p14:creationId xmlns:p14="http://schemas.microsoft.com/office/powerpoint/2010/main" val="256967570"/>
+        <p14:creationId xmlns:p14="http://schemas.microsoft.com/office/powerpoint/2010/main" val="1130726721"/>
       </p:ext>
     </p:extLst>
   </p:cSld>
@@ -5545,7 +5806,7 @@
       </p:grpSpPr>
       <p:sp>
         <p:nvSpPr>
-          <p:cNvPr id="108546" name="Rectangle 7"/>
+          <p:cNvPr id="107522" name="Rectangle 7"/>
           <p:cNvSpPr>
             <a:spLocks noGrp="1" noChangeArrowheads="1"/>
           </p:cNvSpPr>
@@ -5687,7 +5948,7 @@
           </a:lstStyle>
           <a:p>
             <a:pPr eaLnBrk="1" hangingPunct="1"/>
-            <a:fld id="{ACDDA08D-3185-4194-BA26-5E57A6D47C38}" type="slidenum">
+            <a:fld id="{51D81B43-2CB0-4984-80C6-11A7B3797A86}" type="slidenum">
               <a:rPr lang="en-US" sz="1200" smtClean="0"/>
               <a:pPr eaLnBrk="1" hangingPunct="1"/>
               <a:t>37</a:t>
@@ -5698,7 +5959,7 @@
       </p:sp>
       <p:sp>
         <p:nvSpPr>
-          <p:cNvPr id="108547" name="Rectangle 2"/>
+          <p:cNvPr id="107523" name="Rectangle 2"/>
           <p:cNvSpPr>
             <a:spLocks noGrp="1" noRot="1" noChangeAspect="1" noChangeArrowheads="1" noTextEdit="1"/>
           </p:cNvSpPr>
@@ -5715,7 +5976,7 @@
       </p:sp>
       <p:sp>
         <p:nvSpPr>
-          <p:cNvPr id="108548" name="Rectangle 3"/>
+          <p:cNvPr id="107524" name="Rectangle 3"/>
           <p:cNvSpPr>
             <a:spLocks noGrp="1" noChangeArrowheads="1"/>
           </p:cNvSpPr>
@@ -5747,7 +6008,7 @@
     </p:spTree>
     <p:extLst>
       <p:ext uri="{BB962C8B-B14F-4D97-AF65-F5344CB8AC3E}">
-        <p14:creationId xmlns:p14="http://schemas.microsoft.com/office/powerpoint/2010/main" val="1680028515"/>
+        <p14:creationId xmlns:p14="http://schemas.microsoft.com/office/powerpoint/2010/main" val="256967570"/>
       </p:ext>
     </p:extLst>
   </p:cSld>
@@ -5776,7 +6037,7 @@
       </p:grpSpPr>
       <p:sp>
         <p:nvSpPr>
-          <p:cNvPr id="109570" name="Rectangle 7"/>
+          <p:cNvPr id="108546" name="Rectangle 7"/>
           <p:cNvSpPr>
             <a:spLocks noGrp="1" noChangeArrowheads="1"/>
           </p:cNvSpPr>
@@ -5918,7 +6179,7 @@
           </a:lstStyle>
           <a:p>
             <a:pPr eaLnBrk="1" hangingPunct="1"/>
-            <a:fld id="{303EB8B1-05B6-4E6B-B7E1-BFBEB0C11B32}" type="slidenum">
+            <a:fld id="{ACDDA08D-3185-4194-BA26-5E57A6D47C38}" type="slidenum">
               <a:rPr lang="en-US" sz="1200" smtClean="0"/>
               <a:pPr eaLnBrk="1" hangingPunct="1"/>
               <a:t>38</a:t>
@@ -5929,7 +6190,7 @@
       </p:sp>
       <p:sp>
         <p:nvSpPr>
-          <p:cNvPr id="109571" name="Rectangle 2"/>
+          <p:cNvPr id="108547" name="Rectangle 2"/>
           <p:cNvSpPr>
             <a:spLocks noGrp="1" noRot="1" noChangeAspect="1" noChangeArrowheads="1" noTextEdit="1"/>
           </p:cNvSpPr>
@@ -5946,7 +6207,7 @@
       </p:sp>
       <p:sp>
         <p:nvSpPr>
-          <p:cNvPr id="109572" name="Rectangle 3"/>
+          <p:cNvPr id="108548" name="Rectangle 3"/>
           <p:cNvSpPr>
             <a:spLocks noGrp="1" noChangeArrowheads="1"/>
           </p:cNvSpPr>
@@ -5978,7 +6239,7 @@
     </p:spTree>
     <p:extLst>
       <p:ext uri="{BB962C8B-B14F-4D97-AF65-F5344CB8AC3E}">
-        <p14:creationId xmlns:p14="http://schemas.microsoft.com/office/powerpoint/2010/main" val="1890962837"/>
+        <p14:creationId xmlns:p14="http://schemas.microsoft.com/office/powerpoint/2010/main" val="1680028515"/>
       </p:ext>
     </p:extLst>
   </p:cSld>
@@ -6248,7 +6509,7 @@
       </p:grpSpPr>
       <p:sp>
         <p:nvSpPr>
-          <p:cNvPr id="110594" name="Rectangle 7"/>
+          <p:cNvPr id="109570" name="Rectangle 7"/>
           <p:cNvSpPr>
             <a:spLocks noGrp="1" noChangeArrowheads="1"/>
           </p:cNvSpPr>
@@ -6390,7 +6651,7 @@
           </a:lstStyle>
           <a:p>
             <a:pPr eaLnBrk="1" hangingPunct="1"/>
-            <a:fld id="{F5EC08CB-F73C-4D21-9E24-6CD96902EE59}" type="slidenum">
+            <a:fld id="{303EB8B1-05B6-4E6B-B7E1-BFBEB0C11B32}" type="slidenum">
               <a:rPr lang="en-US" sz="1200" smtClean="0"/>
               <a:pPr eaLnBrk="1" hangingPunct="1"/>
               <a:t>39</a:t>
@@ -6401,7 +6662,7 @@
       </p:sp>
       <p:sp>
         <p:nvSpPr>
-          <p:cNvPr id="110595" name="Rectangle 2"/>
+          <p:cNvPr id="109571" name="Rectangle 2"/>
           <p:cNvSpPr>
             <a:spLocks noGrp="1" noRot="1" noChangeAspect="1" noChangeArrowheads="1" noTextEdit="1"/>
           </p:cNvSpPr>
@@ -6418,7 +6679,7 @@
       </p:sp>
       <p:sp>
         <p:nvSpPr>
-          <p:cNvPr id="110596" name="Rectangle 3"/>
+          <p:cNvPr id="109572" name="Rectangle 3"/>
           <p:cNvSpPr>
             <a:spLocks noGrp="1" noChangeArrowheads="1"/>
           </p:cNvSpPr>
@@ -6450,7 +6711,7 @@
     </p:spTree>
     <p:extLst>
       <p:ext uri="{BB962C8B-B14F-4D97-AF65-F5344CB8AC3E}">
-        <p14:creationId xmlns:p14="http://schemas.microsoft.com/office/powerpoint/2010/main" val="85698770"/>
+        <p14:creationId xmlns:p14="http://schemas.microsoft.com/office/powerpoint/2010/main" val="1890962837"/>
       </p:ext>
     </p:extLst>
   </p:cSld>
@@ -6479,6 +6740,237 @@
       </p:grpSpPr>
       <p:sp>
         <p:nvSpPr>
+          <p:cNvPr id="110594" name="Rectangle 7"/>
+          <p:cNvSpPr>
+            <a:spLocks noGrp="1" noChangeArrowheads="1"/>
+          </p:cNvSpPr>
+          <p:nvPr>
+            <p:ph type="sldNum" sz="quarter" idx="5"/>
+          </p:nvPr>
+        </p:nvSpPr>
+        <p:spPr>
+          <a:noFill/>
+          <a:ln/>
+          <a:extLst>
+            <a:ext uri="{909E8E84-426E-40DD-AFC4-6F175D3DCCD1}">
+              <a14:hiddenFill xmlns:a14="http://schemas.microsoft.com/office/drawing/2010/main">
+                <a:solidFill>
+                  <a:srgbClr val="FFFFFF"/>
+                </a:solidFill>
+              </a14:hiddenFill>
+            </a:ext>
+            <a:ext uri="{91240B29-F687-4F45-9708-019B960494DF}">
+              <a14:hiddenLine xmlns:a14="http://schemas.microsoft.com/office/drawing/2010/main" w="9525">
+                <a:solidFill>
+                  <a:srgbClr val="000000"/>
+                </a:solidFill>
+                <a:miter lim="800000"/>
+                <a:headEnd/>
+                <a:tailEnd/>
+              </a14:hiddenLine>
+            </a:ext>
+          </a:extLst>
+        </p:spPr>
+        <p:txBody>
+          <a:bodyPr/>
+          <a:lstStyle>
+            <a:lvl1pPr eaLnBrk="0" hangingPunct="0">
+              <a:defRPr sz="2400">
+                <a:solidFill>
+                  <a:schemeClr val="tx1"/>
+                </a:solidFill>
+                <a:latin typeface="Times New Roman" pitchFamily="18" charset="0"/>
+                <a:cs typeface="Arial" pitchFamily="34" charset="0"/>
+              </a:defRPr>
+            </a:lvl1pPr>
+            <a:lvl2pPr marL="742950" indent="-285750" eaLnBrk="0" hangingPunct="0">
+              <a:defRPr sz="2400">
+                <a:solidFill>
+                  <a:schemeClr val="tx1"/>
+                </a:solidFill>
+                <a:latin typeface="Times New Roman" pitchFamily="18" charset="0"/>
+                <a:cs typeface="Arial" pitchFamily="34" charset="0"/>
+              </a:defRPr>
+            </a:lvl2pPr>
+            <a:lvl3pPr marL="1143000" indent="-228600" eaLnBrk="0" hangingPunct="0">
+              <a:defRPr sz="2400">
+                <a:solidFill>
+                  <a:schemeClr val="tx1"/>
+                </a:solidFill>
+                <a:latin typeface="Times New Roman" pitchFamily="18" charset="0"/>
+                <a:cs typeface="Arial" pitchFamily="34" charset="0"/>
+              </a:defRPr>
+            </a:lvl3pPr>
+            <a:lvl4pPr marL="1600200" indent="-228600" eaLnBrk="0" hangingPunct="0">
+              <a:defRPr sz="2400">
+                <a:solidFill>
+                  <a:schemeClr val="tx1"/>
+                </a:solidFill>
+                <a:latin typeface="Times New Roman" pitchFamily="18" charset="0"/>
+                <a:cs typeface="Arial" pitchFamily="34" charset="0"/>
+              </a:defRPr>
+            </a:lvl4pPr>
+            <a:lvl5pPr marL="2057400" indent="-228600" eaLnBrk="0" hangingPunct="0">
+              <a:defRPr sz="2400">
+                <a:solidFill>
+                  <a:schemeClr val="tx1"/>
+                </a:solidFill>
+                <a:latin typeface="Times New Roman" pitchFamily="18" charset="0"/>
+                <a:cs typeface="Arial" pitchFamily="34" charset="0"/>
+              </a:defRPr>
+            </a:lvl5pPr>
+            <a:lvl6pPr marL="2514600" indent="-228600" eaLnBrk="0" fontAlgn="base" hangingPunct="0">
+              <a:spcBef>
+                <a:spcPct val="0"/>
+              </a:spcBef>
+              <a:spcAft>
+                <a:spcPct val="0"/>
+              </a:spcAft>
+              <a:defRPr sz="2400">
+                <a:solidFill>
+                  <a:schemeClr val="tx1"/>
+                </a:solidFill>
+                <a:latin typeface="Times New Roman" pitchFamily="18" charset="0"/>
+                <a:cs typeface="Arial" pitchFamily="34" charset="0"/>
+              </a:defRPr>
+            </a:lvl6pPr>
+            <a:lvl7pPr marL="2971800" indent="-228600" eaLnBrk="0" fontAlgn="base" hangingPunct="0">
+              <a:spcBef>
+                <a:spcPct val="0"/>
+              </a:spcBef>
+              <a:spcAft>
+                <a:spcPct val="0"/>
+              </a:spcAft>
+              <a:defRPr sz="2400">
+                <a:solidFill>
+                  <a:schemeClr val="tx1"/>
+                </a:solidFill>
+                <a:latin typeface="Times New Roman" pitchFamily="18" charset="0"/>
+                <a:cs typeface="Arial" pitchFamily="34" charset="0"/>
+              </a:defRPr>
+            </a:lvl7pPr>
+            <a:lvl8pPr marL="3429000" indent="-228600" eaLnBrk="0" fontAlgn="base" hangingPunct="0">
+              <a:spcBef>
+                <a:spcPct val="0"/>
+              </a:spcBef>
+              <a:spcAft>
+                <a:spcPct val="0"/>
+              </a:spcAft>
+              <a:defRPr sz="2400">
+                <a:solidFill>
+                  <a:schemeClr val="tx1"/>
+                </a:solidFill>
+                <a:latin typeface="Times New Roman" pitchFamily="18" charset="0"/>
+                <a:cs typeface="Arial" pitchFamily="34" charset="0"/>
+              </a:defRPr>
+            </a:lvl8pPr>
+            <a:lvl9pPr marL="3886200" indent="-228600" eaLnBrk="0" fontAlgn="base" hangingPunct="0">
+              <a:spcBef>
+                <a:spcPct val="0"/>
+              </a:spcBef>
+              <a:spcAft>
+                <a:spcPct val="0"/>
+              </a:spcAft>
+              <a:defRPr sz="2400">
+                <a:solidFill>
+                  <a:schemeClr val="tx1"/>
+                </a:solidFill>
+                <a:latin typeface="Times New Roman" pitchFamily="18" charset="0"/>
+                <a:cs typeface="Arial" pitchFamily="34" charset="0"/>
+              </a:defRPr>
+            </a:lvl9pPr>
+          </a:lstStyle>
+          <a:p>
+            <a:pPr eaLnBrk="1" hangingPunct="1"/>
+            <a:fld id="{F5EC08CB-F73C-4D21-9E24-6CD96902EE59}" type="slidenum">
+              <a:rPr lang="en-US" sz="1200" smtClean="0"/>
+              <a:pPr eaLnBrk="1" hangingPunct="1"/>
+              <a:t>40</a:t>
+            </a:fld>
+            <a:endParaRPr lang="en-US" sz="1200"/>
+          </a:p>
+        </p:txBody>
+      </p:sp>
+      <p:sp>
+        <p:nvSpPr>
+          <p:cNvPr id="110595" name="Rectangle 2"/>
+          <p:cNvSpPr>
+            <a:spLocks noGrp="1" noRot="1" noChangeAspect="1" noChangeArrowheads="1" noTextEdit="1"/>
+          </p:cNvSpPr>
+          <p:nvPr>
+            <p:ph type="sldImg"/>
+          </p:nvPr>
+        </p:nvSpPr>
+        <p:spPr>
+          <a:solidFill>
+            <a:srgbClr val="FFFFFF"/>
+          </a:solidFill>
+          <a:ln/>
+        </p:spPr>
+      </p:sp>
+      <p:sp>
+        <p:nvSpPr>
+          <p:cNvPr id="110596" name="Rectangle 3"/>
+          <p:cNvSpPr>
+            <a:spLocks noGrp="1" noChangeArrowheads="1"/>
+          </p:cNvSpPr>
+          <p:nvPr>
+            <p:ph type="body" idx="1"/>
+          </p:nvPr>
+        </p:nvSpPr>
+        <p:spPr>
+          <a:solidFill>
+            <a:srgbClr val="FFFFFF"/>
+          </a:solidFill>
+          <a:ln>
+            <a:solidFill>
+              <a:srgbClr val="000000"/>
+            </a:solidFill>
+          </a:ln>
+        </p:spPr>
+        <p:txBody>
+          <a:bodyPr/>
+          <a:lstStyle/>
+          <a:p>
+            <a:pPr eaLnBrk="1" hangingPunct="1"/>
+            <a:endParaRPr lang="en-US">
+              <a:ea typeface="ＭＳ Ｐゴシック" pitchFamily="34" charset="-128"/>
+            </a:endParaRPr>
+          </a:p>
+        </p:txBody>
+      </p:sp>
+    </p:spTree>
+    <p:extLst>
+      <p:ext uri="{BB962C8B-B14F-4D97-AF65-F5344CB8AC3E}">
+        <p14:creationId xmlns:p14="http://schemas.microsoft.com/office/powerpoint/2010/main" val="85698770"/>
+      </p:ext>
+    </p:extLst>
+  </p:cSld>
+  <p:clrMapOvr>
+    <a:masterClrMapping/>
+  </p:clrMapOvr>
+</p:notes>
+</file>
+
+<file path=ppt/notesSlides/notesSlide32.xml><?xml version="1.0" encoding="utf-8"?>
+<p:notes xmlns:a="http://schemas.openxmlformats.org/drawingml/2006/main" xmlns:r="http://schemas.openxmlformats.org/officeDocument/2006/relationships" xmlns:p="http://schemas.openxmlformats.org/presentationml/2006/main">
+  <p:cSld>
+    <p:spTree>
+      <p:nvGrpSpPr>
+        <p:cNvPr id="1" name=""/>
+        <p:cNvGrpSpPr/>
+        <p:nvPr/>
+      </p:nvGrpSpPr>
+      <p:grpSpPr>
+        <a:xfrm>
+          <a:off x="0" y="0"/>
+          <a:ext cx="0" cy="0"/>
+          <a:chOff x="0" y="0"/>
+          <a:chExt cx="0" cy="0"/>
+        </a:xfrm>
+      </p:grpSpPr>
+      <p:sp>
+        <p:nvSpPr>
           <p:cNvPr id="2" name="Slide Image Placeholder 1"/>
           <p:cNvSpPr>
             <a:spLocks noGrp="1" noRot="1" noChangeAspect="1"/>
@@ -6531,7 +7023,7 @@
               <a:pPr>
                 <a:defRPr/>
               </a:pPr>
-              <a:t>40</a:t>
+              <a:t>41</a:t>
             </a:fld>
             <a:endParaRPr lang="en-US"/>
           </a:p>
@@ -23140,583 +23632,8 @@
                   </a:schemeClr>
                 </a:solidFill>
               </a:rPr>
-              <a:t>Example Magic Method</a:t>
-            </a:r>
-          </a:p>
-        </p:txBody>
-      </p:sp>
-      <p:sp>
-        <p:nvSpPr>
-          <p:cNvPr id="49156" name="Rectangle 1027"/>
-          <p:cNvSpPr>
-            <a:spLocks noGrp="1" noChangeArrowheads="1"/>
-          </p:cNvSpPr>
-          <p:nvPr>
-            <p:ph type="body" idx="1"/>
-          </p:nvPr>
-        </p:nvSpPr>
-        <p:spPr>
-          <a:xfrm>
-            <a:off x="685800" y="1219200"/>
-            <a:ext cx="8001000" cy="4572000"/>
-          </a:xfrm>
-        </p:spPr>
-        <p:txBody>
-          <a:bodyPr/>
-          <a:lstStyle/>
-          <a:p>
-            <a:pPr>
-              <a:buFont typeface="Symbol" pitchFamily="18" charset="2"/>
-              <a:buNone/>
-            </a:pPr>
-            <a:r>
-              <a:rPr lang="en-US" sz="1800" dirty="0">
-                <a:solidFill>
-                  <a:srgbClr val="FF9933"/>
-                </a:solidFill>
-                <a:latin typeface="Courier New" charset="0"/>
-                <a:ea typeface="Courier New" charset="0"/>
-                <a:cs typeface="Courier New" charset="0"/>
-              </a:rPr>
-              <a:t>class</a:t>
-            </a:r>
-            <a:r>
-              <a:rPr lang="en-US" sz="1800" dirty="0">
-                <a:latin typeface="Courier New" charset="0"/>
-                <a:ea typeface="Courier New" charset="0"/>
-                <a:cs typeface="Courier New" charset="0"/>
-              </a:rPr>
-              <a:t> Student:</a:t>
-            </a:r>
-          </a:p>
-          <a:p>
-            <a:pPr>
-              <a:buFont typeface="Symbol" pitchFamily="18" charset="2"/>
-              <a:buNone/>
-            </a:pPr>
-            <a:r>
-              <a:rPr lang="en-US" sz="1800" dirty="0">
-                <a:solidFill>
-                  <a:srgbClr val="FF9933"/>
-                </a:solidFill>
-                <a:latin typeface="Courier New" charset="0"/>
-                <a:ea typeface="Courier New" charset="0"/>
-                <a:cs typeface="Courier New" charset="0"/>
-              </a:rPr>
-              <a:t>	def</a:t>
-            </a:r>
-            <a:r>
-              <a:rPr lang="en-US" sz="1800" dirty="0">
-                <a:latin typeface="Courier New" charset="0"/>
-                <a:ea typeface="Courier New" charset="0"/>
-                <a:cs typeface="Courier New" charset="0"/>
-              </a:rPr>
-              <a:t> </a:t>
-            </a:r>
-            <a:r>
-              <a:rPr lang="en-US" sz="1800" dirty="0">
-                <a:solidFill>
-                  <a:schemeClr val="accent2"/>
-                </a:solidFill>
-                <a:latin typeface="Courier New" charset="0"/>
-                <a:ea typeface="Courier New" charset="0"/>
-                <a:cs typeface="Courier New" charset="0"/>
-              </a:rPr>
-              <a:t>__</a:t>
-            </a:r>
-            <a:r>
-              <a:rPr lang="en-US" sz="1800" dirty="0" err="1">
-                <a:solidFill>
-                  <a:schemeClr val="accent2"/>
-                </a:solidFill>
-                <a:latin typeface="Courier New" charset="0"/>
-                <a:ea typeface="Courier New" charset="0"/>
-                <a:cs typeface="Courier New" charset="0"/>
-              </a:rPr>
-              <a:t>init</a:t>
-            </a:r>
-            <a:r>
-              <a:rPr lang="en-US" sz="1800" dirty="0">
-                <a:solidFill>
-                  <a:schemeClr val="accent2"/>
-                </a:solidFill>
-                <a:latin typeface="Courier New" charset="0"/>
-                <a:ea typeface="Courier New" charset="0"/>
-                <a:cs typeface="Courier New" charset="0"/>
-              </a:rPr>
-              <a:t>__</a:t>
-            </a:r>
-            <a:r>
-              <a:rPr lang="en-US" sz="1800" dirty="0">
-                <a:latin typeface="Courier New" charset="0"/>
-                <a:ea typeface="Courier New" charset="0"/>
-                <a:cs typeface="Courier New" charset="0"/>
-              </a:rPr>
-              <a:t>(self, </a:t>
-            </a:r>
-            <a:r>
-              <a:rPr lang="en-US" sz="1800" dirty="0" err="1">
-                <a:latin typeface="Courier New" charset="0"/>
-                <a:ea typeface="Courier New" charset="0"/>
-                <a:cs typeface="Courier New" charset="0"/>
-              </a:rPr>
-              <a:t>full_name</a:t>
-            </a:r>
-            <a:r>
-              <a:rPr lang="en-US" sz="1800" dirty="0">
-                <a:latin typeface="Courier New" charset="0"/>
-                <a:ea typeface="Courier New" charset="0"/>
-                <a:cs typeface="Courier New" charset="0"/>
-              </a:rPr>
-              <a:t>, age):</a:t>
-            </a:r>
-            <a:br>
-              <a:rPr lang="en-US" sz="1800" dirty="0">
-                <a:latin typeface="Courier New" charset="0"/>
-                <a:ea typeface="Courier New" charset="0"/>
-                <a:cs typeface="Courier New" charset="0"/>
-              </a:rPr>
-            </a:br>
-            <a:r>
-              <a:rPr lang="en-US" sz="1800" dirty="0">
-                <a:latin typeface="Courier New" charset="0"/>
-                <a:ea typeface="Courier New" charset="0"/>
-                <a:cs typeface="Courier New" charset="0"/>
-              </a:rPr>
-              <a:t>    </a:t>
-            </a:r>
-            <a:r>
-              <a:rPr lang="en-US" sz="1800" dirty="0" err="1">
-                <a:latin typeface="Courier New" charset="0"/>
-                <a:ea typeface="Courier New" charset="0"/>
-                <a:cs typeface="Courier New" charset="0"/>
-              </a:rPr>
-              <a:t>self.full_name</a:t>
-            </a:r>
-            <a:r>
-              <a:rPr lang="en-US" sz="1800" dirty="0">
-                <a:latin typeface="Courier New" charset="0"/>
-                <a:ea typeface="Courier New" charset="0"/>
-                <a:cs typeface="Courier New" charset="0"/>
-              </a:rPr>
-              <a:t> = </a:t>
-            </a:r>
-            <a:r>
-              <a:rPr lang="en-US" sz="1800" dirty="0" err="1">
-                <a:latin typeface="Courier New" charset="0"/>
-                <a:ea typeface="Courier New" charset="0"/>
-                <a:cs typeface="Courier New" charset="0"/>
-              </a:rPr>
-              <a:t>full_name</a:t>
-            </a:r>
-            <a:endParaRPr lang="en-US" sz="1800" dirty="0">
-              <a:latin typeface="Courier New" charset="0"/>
-              <a:ea typeface="Courier New" charset="0"/>
-              <a:cs typeface="Courier New" charset="0"/>
-            </a:endParaRPr>
-          </a:p>
-          <a:p>
-            <a:pPr>
-              <a:buFont typeface="Symbol" pitchFamily="18" charset="2"/>
-              <a:buNone/>
-            </a:pPr>
-            <a:r>
-              <a:rPr lang="en-US" sz="1800" dirty="0">
-                <a:latin typeface="Courier New" charset="0"/>
-                <a:ea typeface="Courier New" charset="0"/>
-                <a:cs typeface="Courier New" charset="0"/>
-              </a:rPr>
-              <a:t>		</a:t>
-            </a:r>
-            <a:r>
-              <a:rPr lang="en-US" sz="1800" dirty="0" err="1">
-                <a:latin typeface="Courier New" charset="0"/>
-                <a:ea typeface="Courier New" charset="0"/>
-                <a:cs typeface="Courier New" charset="0"/>
-              </a:rPr>
-              <a:t>self.age</a:t>
-            </a:r>
-            <a:r>
-              <a:rPr lang="en-US" sz="1800" dirty="0">
-                <a:latin typeface="Courier New" charset="0"/>
-                <a:ea typeface="Courier New" charset="0"/>
-                <a:cs typeface="Courier New" charset="0"/>
-              </a:rPr>
-              <a:t> = age</a:t>
-            </a:r>
-          </a:p>
-          <a:p>
-            <a:pPr>
-              <a:buFont typeface="Symbol" pitchFamily="18" charset="2"/>
-              <a:buNone/>
-            </a:pPr>
-            <a:r>
-              <a:rPr lang="en-US" sz="1800" dirty="0">
-                <a:latin typeface="Courier New" charset="0"/>
-                <a:ea typeface="Courier New" charset="0"/>
-                <a:cs typeface="Courier New" charset="0"/>
-              </a:rPr>
-              <a:t/>
-            </a:r>
-            <a:br>
-              <a:rPr lang="en-US" sz="1800" dirty="0">
-                <a:latin typeface="Courier New" charset="0"/>
-                <a:ea typeface="Courier New" charset="0"/>
-                <a:cs typeface="Courier New" charset="0"/>
-              </a:rPr>
-            </a:br>
-            <a:r>
-              <a:rPr lang="en-US" sz="1800" dirty="0">
-                <a:solidFill>
-                  <a:srgbClr val="FF9933"/>
-                </a:solidFill>
-                <a:latin typeface="Courier New" charset="0"/>
-                <a:ea typeface="Courier New" charset="0"/>
-                <a:cs typeface="Courier New" charset="0"/>
-              </a:rPr>
-              <a:t>def</a:t>
-            </a:r>
-            <a:r>
-              <a:rPr lang="en-US" sz="1800" dirty="0">
-                <a:latin typeface="Courier New" charset="0"/>
-                <a:ea typeface="Courier New" charset="0"/>
-                <a:cs typeface="Courier New" charset="0"/>
-              </a:rPr>
-              <a:t> </a:t>
-            </a:r>
-            <a:r>
-              <a:rPr lang="en-US" sz="1800" dirty="0">
-                <a:solidFill>
-                  <a:schemeClr val="accent2"/>
-                </a:solidFill>
-                <a:latin typeface="Courier New" charset="0"/>
-                <a:ea typeface="Courier New" charset="0"/>
-                <a:cs typeface="Courier New" charset="0"/>
-              </a:rPr>
-              <a:t>__</a:t>
-            </a:r>
-            <a:r>
-              <a:rPr lang="en-US" sz="1800" dirty="0" err="1">
-                <a:solidFill>
-                  <a:schemeClr val="accent2"/>
-                </a:solidFill>
-                <a:latin typeface="Courier New" charset="0"/>
-                <a:ea typeface="Courier New" charset="0"/>
-                <a:cs typeface="Courier New" charset="0"/>
-              </a:rPr>
-              <a:t>repr</a:t>
-            </a:r>
-            <a:r>
-              <a:rPr lang="en-US" sz="1800" dirty="0">
-                <a:solidFill>
-                  <a:schemeClr val="accent2"/>
-                </a:solidFill>
-                <a:latin typeface="Courier New" charset="0"/>
-                <a:ea typeface="Courier New" charset="0"/>
-                <a:cs typeface="Courier New" charset="0"/>
-              </a:rPr>
-              <a:t>__</a:t>
-            </a:r>
-            <a:r>
-              <a:rPr lang="en-US" sz="1800" dirty="0">
-                <a:latin typeface="Courier New" charset="0"/>
-                <a:ea typeface="Courier New" charset="0"/>
-                <a:cs typeface="Courier New" charset="0"/>
-              </a:rPr>
-              <a:t>(self):</a:t>
-            </a:r>
-            <a:br>
-              <a:rPr lang="en-US" sz="1800" dirty="0">
-                <a:latin typeface="Courier New" charset="0"/>
-                <a:ea typeface="Courier New" charset="0"/>
-                <a:cs typeface="Courier New" charset="0"/>
-              </a:rPr>
-            </a:br>
-            <a:r>
-              <a:rPr lang="en-US" sz="1800" dirty="0">
-                <a:latin typeface="Courier New" charset="0"/>
-                <a:ea typeface="Courier New" charset="0"/>
-                <a:cs typeface="Courier New" charset="0"/>
-              </a:rPr>
-              <a:t>    </a:t>
-            </a:r>
-            <a:r>
-              <a:rPr lang="en-US" sz="1800" dirty="0">
-                <a:solidFill>
-                  <a:srgbClr val="FF9933"/>
-                </a:solidFill>
-                <a:latin typeface="Courier New" charset="0"/>
-                <a:ea typeface="Courier New" charset="0"/>
-                <a:cs typeface="Courier New" charset="0"/>
-              </a:rPr>
-              <a:t>return</a:t>
-            </a:r>
-            <a:r>
-              <a:rPr lang="en-US" sz="1800" dirty="0">
-                <a:latin typeface="Courier New" charset="0"/>
-                <a:ea typeface="Courier New" charset="0"/>
-                <a:cs typeface="Courier New" charset="0"/>
-              </a:rPr>
-              <a:t> </a:t>
-            </a:r>
-            <a:r>
-              <a:rPr lang="en-US" sz="1800" dirty="0">
-                <a:solidFill>
-                  <a:srgbClr val="008000"/>
-                </a:solidFill>
-                <a:latin typeface="Courier New" charset="0"/>
-                <a:ea typeface="Courier New" charset="0"/>
-                <a:cs typeface="Courier New" charset="0"/>
-              </a:rPr>
-              <a:t>"I'm named "</a:t>
-            </a:r>
-            <a:r>
-              <a:rPr lang="en-US" sz="1800" dirty="0">
-                <a:latin typeface="Courier New" charset="0"/>
-                <a:ea typeface="Courier New" charset="0"/>
-                <a:cs typeface="Courier New" charset="0"/>
-              </a:rPr>
-              <a:t> + </a:t>
-            </a:r>
-            <a:r>
-              <a:rPr lang="en-US" sz="1800" dirty="0" err="1">
-                <a:latin typeface="Courier New" charset="0"/>
-                <a:ea typeface="Courier New" charset="0"/>
-                <a:cs typeface="Courier New" charset="0"/>
-              </a:rPr>
-              <a:t>self.full_name</a:t>
-            </a:r>
-            <a:r>
-              <a:rPr lang="en-US" sz="1800" dirty="0">
-                <a:latin typeface="Courier New" charset="0"/>
-                <a:ea typeface="Courier New" charset="0"/>
-                <a:cs typeface="Courier New" charset="0"/>
-              </a:rPr>
-              <a:t> + </a:t>
-            </a:r>
-            <a:r>
-              <a:rPr lang="en-US" sz="1800" dirty="0">
-                <a:solidFill>
-                  <a:srgbClr val="008000"/>
-                </a:solidFill>
-                <a:latin typeface="Courier New" charset="0"/>
-                <a:ea typeface="Courier New" charset="0"/>
-                <a:cs typeface="Courier New" charset="0"/>
-              </a:rPr>
-              <a:t>" – age: "</a:t>
-            </a:r>
-            <a:r>
-              <a:rPr lang="en-US" sz="1800" dirty="0">
-                <a:latin typeface="Courier New" charset="0"/>
-                <a:ea typeface="Courier New" charset="0"/>
-                <a:cs typeface="Courier New" charset="0"/>
-              </a:rPr>
-              <a:t> +  </a:t>
-            </a:r>
-            <a:r>
-              <a:rPr lang="en-US" sz="1800" dirty="0" err="1">
-                <a:latin typeface="Courier New" charset="0"/>
-                <a:ea typeface="Courier New" charset="0"/>
-                <a:cs typeface="Courier New" charset="0"/>
-              </a:rPr>
-              <a:t>str</a:t>
-            </a:r>
-            <a:r>
-              <a:rPr lang="en-US" sz="1800" dirty="0">
-                <a:latin typeface="Courier New" charset="0"/>
-                <a:ea typeface="Courier New" charset="0"/>
-                <a:cs typeface="Courier New" charset="0"/>
-              </a:rPr>
-              <a:t>(</a:t>
-            </a:r>
-            <a:r>
-              <a:rPr lang="en-US" sz="1800" dirty="0" err="1">
-                <a:latin typeface="Courier New" charset="0"/>
-                <a:ea typeface="Courier New" charset="0"/>
-                <a:cs typeface="Courier New" charset="0"/>
-              </a:rPr>
-              <a:t>self.age</a:t>
-            </a:r>
-            <a:r>
-              <a:rPr lang="en-US" sz="1800" dirty="0">
-                <a:latin typeface="Courier New" charset="0"/>
-                <a:ea typeface="Courier New" charset="0"/>
-                <a:cs typeface="Courier New" charset="0"/>
-              </a:rPr>
-              <a:t>)</a:t>
-            </a:r>
-            <a:br>
-              <a:rPr lang="en-US" sz="1800" dirty="0">
-                <a:latin typeface="Courier New" charset="0"/>
-                <a:ea typeface="Courier New" charset="0"/>
-                <a:cs typeface="Courier New" charset="0"/>
-              </a:rPr>
-            </a:br>
-            <a:r>
-              <a:rPr lang="en-US" sz="1800" dirty="0">
-                <a:latin typeface="Courier New" charset="0"/>
-                <a:ea typeface="Courier New" charset="0"/>
-                <a:cs typeface="Courier New" charset="0"/>
-              </a:rPr>
-              <a:t>...</a:t>
-            </a:r>
-          </a:p>
-          <a:p>
-            <a:pPr>
-              <a:buFont typeface="Symbol" pitchFamily="18" charset="2"/>
-              <a:buNone/>
-            </a:pPr>
-            <a:endParaRPr lang="en-US" sz="1800" dirty="0">
-              <a:latin typeface="Courier New" charset="0"/>
-              <a:ea typeface="Courier New" charset="0"/>
-              <a:cs typeface="Courier New" charset="0"/>
-            </a:endParaRPr>
-          </a:p>
-          <a:p>
-            <a:pPr>
-              <a:buFont typeface="Symbol" pitchFamily="18" charset="2"/>
-              <a:buNone/>
-            </a:pPr>
-            <a:r>
-              <a:rPr lang="en-US" sz="1800" dirty="0">
-                <a:solidFill>
-                  <a:srgbClr val="660066"/>
-                </a:solidFill>
-                <a:latin typeface="Courier New" charset="0"/>
-                <a:ea typeface="Courier New" charset="0"/>
-                <a:cs typeface="Courier New" charset="0"/>
-              </a:rPr>
-              <a:t>&gt;&gt;&gt;</a:t>
-            </a:r>
-            <a:r>
-              <a:rPr lang="en-US" sz="1800" dirty="0">
-                <a:latin typeface="Courier New" charset="0"/>
-                <a:ea typeface="Courier New" charset="0"/>
-                <a:cs typeface="Courier New" charset="0"/>
-              </a:rPr>
-              <a:t> f = Student(</a:t>
-            </a:r>
-            <a:r>
-              <a:rPr lang="en-US" sz="1800" dirty="0">
-                <a:solidFill>
-                  <a:srgbClr val="008000"/>
-                </a:solidFill>
-                <a:latin typeface="Courier New" charset="0"/>
-                <a:ea typeface="Courier New" charset="0"/>
-                <a:cs typeface="Courier New" charset="0"/>
-              </a:rPr>
-              <a:t>"Bob Smith"</a:t>
-            </a:r>
-            <a:r>
-              <a:rPr lang="en-US" sz="1800" dirty="0">
-                <a:latin typeface="Courier New" charset="0"/>
-                <a:ea typeface="Courier New" charset="0"/>
-                <a:cs typeface="Courier New" charset="0"/>
-              </a:rPr>
-              <a:t>, 23)</a:t>
-            </a:r>
-          </a:p>
-          <a:p>
-            <a:pPr>
-              <a:buFont typeface="Symbol" pitchFamily="18" charset="2"/>
-              <a:buNone/>
-            </a:pPr>
-            <a:endParaRPr lang="en-US" sz="1800" dirty="0">
-              <a:latin typeface="Courier New" charset="0"/>
-              <a:ea typeface="Courier New" charset="0"/>
-              <a:cs typeface="Courier New" charset="0"/>
-            </a:endParaRPr>
-          </a:p>
-          <a:p>
-            <a:pPr>
-              <a:buFont typeface="Symbol" pitchFamily="18" charset="2"/>
-              <a:buNone/>
-            </a:pPr>
-            <a:r>
-              <a:rPr lang="en-US" sz="1800" dirty="0">
-                <a:solidFill>
-                  <a:srgbClr val="660066"/>
-                </a:solidFill>
-                <a:latin typeface="Courier New" charset="0"/>
-                <a:ea typeface="Courier New" charset="0"/>
-                <a:cs typeface="Courier New" charset="0"/>
-              </a:rPr>
-              <a:t>&gt;&gt;&gt;</a:t>
-            </a:r>
-            <a:r>
-              <a:rPr lang="en-US" sz="1800" dirty="0">
-                <a:latin typeface="Courier New" charset="0"/>
-                <a:ea typeface="Courier New" charset="0"/>
-                <a:cs typeface="Courier New" charset="0"/>
-              </a:rPr>
-              <a:t> </a:t>
-            </a:r>
-            <a:r>
-              <a:rPr lang="en-US" sz="1800" dirty="0">
-                <a:solidFill>
-                  <a:srgbClr val="FF9933"/>
-                </a:solidFill>
-                <a:latin typeface="Courier New" charset="0"/>
-                <a:ea typeface="Courier New" charset="0"/>
-                <a:cs typeface="Courier New" charset="0"/>
-              </a:rPr>
-              <a:t>print</a:t>
-            </a:r>
-            <a:r>
-              <a:rPr lang="en-US" sz="1800" dirty="0">
-                <a:latin typeface="Courier New" charset="0"/>
-                <a:ea typeface="Courier New" charset="0"/>
-                <a:cs typeface="Courier New" charset="0"/>
-              </a:rPr>
-              <a:t>(</a:t>
-            </a:r>
-            <a:r>
-              <a:rPr lang="en-US" sz="1800" dirty="0" err="1">
-                <a:latin typeface="Courier New" charset="0"/>
-                <a:ea typeface="Courier New" charset="0"/>
-                <a:cs typeface="Courier New" charset="0"/>
-              </a:rPr>
-              <a:t>repr</a:t>
-            </a:r>
-            <a:r>
-              <a:rPr lang="en-US" sz="1800" dirty="0">
-                <a:latin typeface="Courier New" charset="0"/>
-                <a:ea typeface="Courier New" charset="0"/>
-                <a:cs typeface="Courier New" charset="0"/>
-              </a:rPr>
-              <a:t>(f))</a:t>
-            </a:r>
-          </a:p>
-          <a:p>
-            <a:pPr>
-              <a:buFont typeface="Symbol" pitchFamily="18" charset="2"/>
-              <a:buNone/>
-            </a:pPr>
-            <a:r>
-              <a:rPr lang="en-US" sz="1800" dirty="0">
-                <a:solidFill>
-                  <a:schemeClr val="accent2"/>
-                </a:solidFill>
-                <a:latin typeface="Courier New" charset="0"/>
-                <a:ea typeface="Courier New" charset="0"/>
-                <a:cs typeface="Courier New" charset="0"/>
-              </a:rPr>
-              <a:t>I’m named Bob Smith – age: 23</a:t>
-            </a:r>
-          </a:p>
-          <a:p>
-            <a:pPr>
-              <a:buFont typeface="Symbol" pitchFamily="18" charset="2"/>
-              <a:buNone/>
-            </a:pPr>
-            <a:endParaRPr lang="en-US" sz="1800" dirty="0">
-              <a:solidFill>
-                <a:schemeClr val="accent2"/>
-              </a:solidFill>
-              <a:latin typeface="Courier New" charset="0"/>
-              <a:ea typeface="Courier New" charset="0"/>
-              <a:cs typeface="Courier New" charset="0"/>
-            </a:endParaRPr>
+              <a:t>Magic Methods and Duck Typing</a:t>
+            </a:r>
           </a:p>
         </p:txBody>
       </p:sp>
@@ -23745,10 +23662,39 @@
           </a:p>
         </p:txBody>
       </p:sp>
+      <p:pic>
+        <p:nvPicPr>
+          <p:cNvPr id="4" name="Content Placeholder 3"/>
+          <p:cNvPicPr>
+            <a:picLocks noGrp="1" noChangeAspect="1"/>
+          </p:cNvPicPr>
+          <p:nvPr>
+            <p:ph idx="1"/>
+          </p:nvPr>
+        </p:nvPicPr>
+        <p:blipFill>
+          <a:blip r:embed="rId3">
+            <a:extLst>
+              <a:ext uri="{28A0092B-C50C-407E-A947-70E740481C1C}">
+                <a14:useLocalDpi xmlns:a14="http://schemas.microsoft.com/office/drawing/2010/main" val="0"/>
+              </a:ext>
+            </a:extLst>
+          </a:blip>
+          <a:stretch>
+            <a:fillRect/>
+          </a:stretch>
+        </p:blipFill>
+        <p:spPr>
+          <a:xfrm>
+            <a:off x="1055077" y="1295400"/>
+            <a:ext cx="7033846" cy="4572000"/>
+          </a:xfrm>
+        </p:spPr>
+      </p:pic>
     </p:spTree>
     <p:extLst>
       <p:ext uri="{BB962C8B-B14F-4D97-AF65-F5344CB8AC3E}">
-        <p14:creationId xmlns:p14="http://schemas.microsoft.com/office/powerpoint/2010/main" val="804005661"/>
+        <p14:creationId xmlns:p14="http://schemas.microsoft.com/office/powerpoint/2010/main" val="784168899"/>
       </p:ext>
     </p:extLst>
   </p:cSld>
@@ -23778,7 +23724,7 @@
       </p:grpSpPr>
       <p:sp>
         <p:nvSpPr>
-          <p:cNvPr id="45059" name="Slide Number Placeholder 5"/>
+          <p:cNvPr id="44035" name="Slide Number Placeholder 5"/>
           <p:cNvSpPr>
             <a:spLocks noGrp="1"/>
           </p:cNvSpPr>
@@ -23798,7 +23744,7 @@
               <a:rPr lang="en-US" altLang="en-US"/>
               <a:t>       </a:t>
             </a:r>
-            <a:fld id="{5AAD258E-EC2C-4F9D-97F0-DE076AEF6868}" type="slidenum">
+            <a:fld id="{426729B3-5F31-4DC1-8F0E-364A526F20DD}" type="slidenum">
               <a:rPr lang="en-US" altLang="en-US"/>
               <a:pPr>
                 <a:defRPr/>
@@ -23811,7 +23757,7 @@
       </p:sp>
       <p:sp>
         <p:nvSpPr>
-          <p:cNvPr id="50179" name="Rectangle 2"/>
+          <p:cNvPr id="49155" name="Rectangle 1026"/>
           <p:cNvSpPr>
             <a:spLocks noGrp="1" noChangeArrowheads="1"/>
           </p:cNvSpPr>
@@ -23825,15 +23771,21 @@
           <a:lstStyle/>
           <a:p>
             <a:r>
-              <a:rPr lang="en-US" dirty="0"/>
-              <a:t>Other “Magic” Methods </a:t>
+              <a:rPr lang="en-US" dirty="0">
+                <a:solidFill>
+                  <a:schemeClr val="accent6">
+                    <a:lumMod val="50000"/>
+                  </a:schemeClr>
+                </a:solidFill>
+              </a:rPr>
+              <a:t>Example Magic Method</a:t>
             </a:r>
           </a:p>
         </p:txBody>
       </p:sp>
       <p:sp>
         <p:nvSpPr>
-          <p:cNvPr id="50180" name="Rectangle 3"/>
+          <p:cNvPr id="49156" name="Rectangle 1027"/>
           <p:cNvSpPr>
             <a:spLocks noGrp="1" noChangeArrowheads="1"/>
           </p:cNvSpPr>
@@ -23843,274 +23795,569 @@
         </p:nvSpPr>
         <p:spPr>
           <a:xfrm>
-            <a:off x="685800" y="1295400"/>
-            <a:ext cx="7924800" cy="4838700"/>
+            <a:off x="685800" y="1219200"/>
+            <a:ext cx="8001000" cy="4572000"/>
           </a:xfrm>
         </p:spPr>
         <p:txBody>
           <a:bodyPr/>
           <a:lstStyle/>
           <a:p>
-            <a:r>
-              <a:rPr lang="en-US" dirty="0"/>
-              <a:t>Used to implement operator overloading</a:t>
-            </a:r>
-          </a:p>
-          <a:p>
-            <a:pPr lvl="1"/>
-            <a:r>
-              <a:rPr lang="en-US" dirty="0"/>
-              <a:t>Most operators trigger a special method, dependent on class</a:t>
-            </a:r>
-          </a:p>
-          <a:p>
-            <a:pPr lvl="1"/>
-            <a:endParaRPr lang="en-US" dirty="0"/>
-          </a:p>
-          <a:p>
-            <a:pPr lvl="1">
-              <a:buFontTx/>
+            <a:pPr>
+              <a:buFont typeface="Symbol" pitchFamily="18" charset="2"/>
               <a:buNone/>
             </a:pPr>
             <a:r>
-              <a:rPr lang="en-US" b="1" dirty="0">
-                <a:latin typeface="Courier New" pitchFamily="49" charset="0"/>
+              <a:rPr lang="en-US" sz="1800" dirty="0">
+                <a:solidFill>
+                  <a:srgbClr val="FF9933"/>
+                </a:solidFill>
+                <a:latin typeface="Courier New" charset="0"/>
+                <a:ea typeface="Courier New" charset="0"/>
+                <a:cs typeface="Courier New" charset="0"/>
+              </a:rPr>
+              <a:t>class</a:t>
+            </a:r>
+            <a:r>
+              <a:rPr lang="en-US" sz="1800" dirty="0">
+                <a:latin typeface="Courier New" charset="0"/>
+                <a:ea typeface="Courier New" charset="0"/>
+                <a:cs typeface="Courier New" charset="0"/>
+              </a:rPr>
+              <a:t> Student:</a:t>
+            </a:r>
+          </a:p>
+          <a:p>
+            <a:pPr>
+              <a:buFont typeface="Symbol" pitchFamily="18" charset="2"/>
+              <a:buNone/>
+            </a:pPr>
+            <a:r>
+              <a:rPr lang="en-US" sz="1800" dirty="0">
+                <a:solidFill>
+                  <a:srgbClr val="FF9933"/>
+                </a:solidFill>
+                <a:latin typeface="Courier New" charset="0"/>
+                <a:ea typeface="Courier New" charset="0"/>
+                <a:cs typeface="Courier New" charset="0"/>
+              </a:rPr>
+              <a:t>	def</a:t>
+            </a:r>
+            <a:r>
+              <a:rPr lang="en-US" sz="1800" dirty="0">
+                <a:latin typeface="Courier New" charset="0"/>
+                <a:ea typeface="Courier New" charset="0"/>
+                <a:cs typeface="Courier New" charset="0"/>
+              </a:rPr>
+              <a:t> </a:t>
+            </a:r>
+            <a:r>
+              <a:rPr lang="en-US" sz="1800" dirty="0">
+                <a:solidFill>
+                  <a:schemeClr val="accent2"/>
+                </a:solidFill>
+                <a:latin typeface="Courier New" charset="0"/>
+                <a:ea typeface="Courier New" charset="0"/>
+                <a:cs typeface="Courier New" charset="0"/>
               </a:rPr>
               <a:t>__</a:t>
             </a:r>
             <a:r>
-              <a:rPr lang="en-US" b="1" dirty="0" err="1">
-                <a:latin typeface="Courier New" pitchFamily="49" charset="0"/>
+              <a:rPr lang="en-US" sz="1800" dirty="0" err="1">
+                <a:solidFill>
+                  <a:schemeClr val="accent2"/>
+                </a:solidFill>
+                <a:latin typeface="Courier New" charset="0"/>
+                <a:ea typeface="Courier New" charset="0"/>
+                <a:cs typeface="Courier New" charset="0"/>
               </a:rPr>
               <a:t>init</a:t>
             </a:r>
             <a:r>
-              <a:rPr lang="en-US" b="1" dirty="0">
-                <a:latin typeface="Courier New" pitchFamily="49" charset="0"/>
+              <a:rPr lang="en-US" sz="1800" dirty="0">
+                <a:solidFill>
+                  <a:schemeClr val="accent2"/>
+                </a:solidFill>
+                <a:latin typeface="Courier New" charset="0"/>
+                <a:ea typeface="Courier New" charset="0"/>
+                <a:cs typeface="Courier New" charset="0"/>
               </a:rPr>
               <a:t>__</a:t>
             </a:r>
             <a:r>
-              <a:rPr lang="en-US" dirty="0">
-                <a:latin typeface="Courier New" pitchFamily="49" charset="0"/>
-              </a:rPr>
-              <a:t>:</a:t>
-            </a:r>
-            <a:r>
-              <a:rPr lang="en-US" dirty="0"/>
-              <a:t> The constructor for the class.</a:t>
-            </a:r>
-          </a:p>
-          <a:p>
-            <a:pPr lvl="1">
-              <a:buFontTx/>
+              <a:rPr lang="en-US" sz="1800" dirty="0">
+                <a:latin typeface="Courier New" charset="0"/>
+                <a:ea typeface="Courier New" charset="0"/>
+                <a:cs typeface="Courier New" charset="0"/>
+              </a:rPr>
+              <a:t>(self, </a:t>
+            </a:r>
+            <a:r>
+              <a:rPr lang="en-US" sz="1800" dirty="0" err="1">
+                <a:latin typeface="Courier New" charset="0"/>
+                <a:ea typeface="Courier New" charset="0"/>
+                <a:cs typeface="Courier New" charset="0"/>
+              </a:rPr>
+              <a:t>full_name</a:t>
+            </a:r>
+            <a:r>
+              <a:rPr lang="en-US" sz="1800" dirty="0">
+                <a:latin typeface="Courier New" charset="0"/>
+                <a:ea typeface="Courier New" charset="0"/>
+                <a:cs typeface="Courier New" charset="0"/>
+              </a:rPr>
+              <a:t>, age):</a:t>
+            </a:r>
+            <a:br>
+              <a:rPr lang="en-US" sz="1800" dirty="0">
+                <a:latin typeface="Courier New" charset="0"/>
+                <a:ea typeface="Courier New" charset="0"/>
+                <a:cs typeface="Courier New" charset="0"/>
+              </a:rPr>
+            </a:br>
+            <a:r>
+              <a:rPr lang="en-US" sz="1800" dirty="0">
+                <a:latin typeface="Courier New" charset="0"/>
+                <a:ea typeface="Courier New" charset="0"/>
+                <a:cs typeface="Courier New" charset="0"/>
+              </a:rPr>
+              <a:t>    </a:t>
+            </a:r>
+            <a:r>
+              <a:rPr lang="en-US" sz="1800" dirty="0" err="1">
+                <a:latin typeface="Courier New" charset="0"/>
+                <a:ea typeface="Courier New" charset="0"/>
+                <a:cs typeface="Courier New" charset="0"/>
+              </a:rPr>
+              <a:t>self.full_name</a:t>
+            </a:r>
+            <a:r>
+              <a:rPr lang="en-US" sz="1800" dirty="0">
+                <a:latin typeface="Courier New" charset="0"/>
+                <a:ea typeface="Courier New" charset="0"/>
+                <a:cs typeface="Courier New" charset="0"/>
+              </a:rPr>
+              <a:t> = </a:t>
+            </a:r>
+            <a:r>
+              <a:rPr lang="en-US" sz="1800" dirty="0" err="1">
+                <a:latin typeface="Courier New" charset="0"/>
+                <a:ea typeface="Courier New" charset="0"/>
+                <a:cs typeface="Courier New" charset="0"/>
+              </a:rPr>
+              <a:t>full_name</a:t>
+            </a:r>
+            <a:endParaRPr lang="en-US" sz="1800" dirty="0">
+              <a:latin typeface="Courier New" charset="0"/>
+              <a:ea typeface="Courier New" charset="0"/>
+              <a:cs typeface="Courier New" charset="0"/>
+            </a:endParaRPr>
+          </a:p>
+          <a:p>
+            <a:pPr>
+              <a:buFont typeface="Symbol" pitchFamily="18" charset="2"/>
               <a:buNone/>
             </a:pPr>
             <a:r>
-              <a:rPr lang="en-US" b="1" dirty="0">
-                <a:latin typeface="Courier New" pitchFamily="49" charset="0"/>
+              <a:rPr lang="en-US" sz="1800" dirty="0">
+                <a:latin typeface="Courier New" charset="0"/>
+                <a:ea typeface="Courier New" charset="0"/>
+                <a:cs typeface="Courier New" charset="0"/>
+              </a:rPr>
+              <a:t>		</a:t>
+            </a:r>
+            <a:r>
+              <a:rPr lang="en-US" sz="1800" dirty="0" err="1">
+                <a:latin typeface="Courier New" charset="0"/>
+                <a:ea typeface="Courier New" charset="0"/>
+                <a:cs typeface="Courier New" charset="0"/>
+              </a:rPr>
+              <a:t>self.age</a:t>
+            </a:r>
+            <a:r>
+              <a:rPr lang="en-US" sz="1800" dirty="0">
+                <a:latin typeface="Courier New" charset="0"/>
+                <a:ea typeface="Courier New" charset="0"/>
+                <a:cs typeface="Courier New" charset="0"/>
+              </a:rPr>
+              <a:t> = age</a:t>
+            </a:r>
+          </a:p>
+          <a:p>
+            <a:pPr>
+              <a:buFont typeface="Symbol" pitchFamily="18" charset="2"/>
+              <a:buNone/>
+            </a:pPr>
+            <a:r>
+              <a:rPr lang="en-US" sz="1800" dirty="0">
+                <a:latin typeface="Courier New" charset="0"/>
+                <a:ea typeface="Courier New" charset="0"/>
+                <a:cs typeface="Courier New" charset="0"/>
+              </a:rPr>
+              <a:t/>
+            </a:r>
+            <a:br>
+              <a:rPr lang="en-US" sz="1800" dirty="0">
+                <a:latin typeface="Courier New" charset="0"/>
+                <a:ea typeface="Courier New" charset="0"/>
+                <a:cs typeface="Courier New" charset="0"/>
+              </a:rPr>
+            </a:br>
+            <a:r>
+              <a:rPr lang="en-US" sz="1800" dirty="0" err="1">
+                <a:solidFill>
+                  <a:srgbClr val="FF9933"/>
+                </a:solidFill>
+                <a:latin typeface="Courier New" charset="0"/>
+                <a:ea typeface="Courier New" charset="0"/>
+                <a:cs typeface="Courier New" charset="0"/>
+              </a:rPr>
+              <a:t>def</a:t>
+            </a:r>
+            <a:r>
+              <a:rPr lang="en-US" sz="1800" dirty="0">
+                <a:latin typeface="Courier New" charset="0"/>
+                <a:ea typeface="Courier New" charset="0"/>
+                <a:cs typeface="Courier New" charset="0"/>
+              </a:rPr>
+              <a:t> </a:t>
+            </a:r>
+            <a:r>
+              <a:rPr lang="en-US" sz="1800" dirty="0" smtClean="0">
+                <a:solidFill>
+                  <a:schemeClr val="accent2"/>
+                </a:solidFill>
+                <a:latin typeface="Courier New" charset="0"/>
+                <a:ea typeface="Courier New" charset="0"/>
+                <a:cs typeface="Courier New" charset="0"/>
               </a:rPr>
               <a:t>__</a:t>
             </a:r>
             <a:r>
-              <a:rPr lang="en-US" b="1" dirty="0" err="1">
-                <a:latin typeface="Courier New" pitchFamily="49" charset="0"/>
-              </a:rPr>
-              <a:t>len</a:t>
-            </a:r>
-            <a:r>
-              <a:rPr lang="en-US" b="1" dirty="0">
-                <a:latin typeface="Courier New" pitchFamily="49" charset="0"/>
+              <a:rPr lang="en-US" sz="1800" dirty="0" err="1" smtClean="0">
+                <a:solidFill>
+                  <a:schemeClr val="accent2"/>
+                </a:solidFill>
+                <a:latin typeface="Courier New" charset="0"/>
+                <a:ea typeface="Courier New" charset="0"/>
+                <a:cs typeface="Courier New" charset="0"/>
+              </a:rPr>
+              <a:t>str</a:t>
+            </a:r>
+            <a:r>
+              <a:rPr lang="en-US" sz="1800" dirty="0" smtClean="0">
+                <a:solidFill>
+                  <a:schemeClr val="accent2"/>
+                </a:solidFill>
+                <a:latin typeface="Courier New" charset="0"/>
+                <a:ea typeface="Courier New" charset="0"/>
+                <a:cs typeface="Courier New" charset="0"/>
               </a:rPr>
               <a:t>__</a:t>
             </a:r>
             <a:r>
-              <a:rPr lang="en-US" dirty="0">
-                <a:latin typeface="Courier New" pitchFamily="49" charset="0"/>
-              </a:rPr>
-              <a:t> :</a:t>
-            </a:r>
-            <a:r>
-              <a:rPr lang="en-US" dirty="0"/>
-              <a:t> Define how  </a:t>
-            </a:r>
-            <a:r>
-              <a:rPr lang="en-US" b="1" dirty="0" err="1">
-                <a:latin typeface="Courier New" pitchFamily="49" charset="0"/>
-              </a:rPr>
-              <a:t>len</a:t>
-            </a:r>
-            <a:r>
-              <a:rPr lang="en-US" b="1" dirty="0">
-                <a:latin typeface="Courier New" pitchFamily="49" charset="0"/>
+              <a:rPr lang="en-US" sz="1800" dirty="0" smtClean="0">
+                <a:latin typeface="Courier New" charset="0"/>
+                <a:ea typeface="Courier New" charset="0"/>
+                <a:cs typeface="Courier New" charset="0"/>
               </a:rPr>
               <a:t>(</a:t>
             </a:r>
             <a:r>
-              <a:rPr lang="en-US" dirty="0"/>
+              <a:rPr lang="en-US" sz="1800" dirty="0">
+                <a:latin typeface="Courier New" charset="0"/>
+                <a:ea typeface="Courier New" charset="0"/>
+                <a:cs typeface="Courier New" charset="0"/>
+              </a:rPr>
+              <a:t>self):</a:t>
+            </a:r>
+            <a:br>
+              <a:rPr lang="en-US" sz="1800" dirty="0">
+                <a:latin typeface="Courier New" charset="0"/>
+                <a:ea typeface="Courier New" charset="0"/>
+                <a:cs typeface="Courier New" charset="0"/>
+              </a:rPr>
+            </a:br>
+            <a:r>
+              <a:rPr lang="en-US" sz="1800" dirty="0">
+                <a:latin typeface="Courier New" charset="0"/>
+                <a:ea typeface="Courier New" charset="0"/>
+                <a:cs typeface="Courier New" charset="0"/>
+              </a:rPr>
+              <a:t>    </a:t>
+            </a:r>
+            <a:r>
+              <a:rPr lang="en-US" sz="1800" dirty="0">
+                <a:solidFill>
+                  <a:srgbClr val="FF9933"/>
+                </a:solidFill>
+                <a:latin typeface="Courier New" charset="0"/>
+                <a:ea typeface="Courier New" charset="0"/>
+                <a:cs typeface="Courier New" charset="0"/>
+              </a:rPr>
+              <a:t>return</a:t>
+            </a:r>
+            <a:r>
+              <a:rPr lang="en-US" sz="1800" dirty="0">
+                <a:latin typeface="Courier New" charset="0"/>
+                <a:ea typeface="Courier New" charset="0"/>
+                <a:cs typeface="Courier New" charset="0"/>
+              </a:rPr>
               <a:t> </a:t>
             </a:r>
             <a:r>
-              <a:rPr lang="en-US" dirty="0" err="1"/>
-              <a:t>obj</a:t>
-            </a:r>
-            <a:r>
-              <a:rPr lang="en-US" dirty="0"/>
+              <a:rPr lang="en-US" sz="1800" dirty="0">
+                <a:solidFill>
+                  <a:srgbClr val="008000"/>
+                </a:solidFill>
+                <a:latin typeface="Courier New" charset="0"/>
+                <a:ea typeface="Courier New" charset="0"/>
+                <a:cs typeface="Courier New" charset="0"/>
+              </a:rPr>
+              <a:t>"I'm named "</a:t>
+            </a:r>
+            <a:r>
+              <a:rPr lang="en-US" sz="1800" dirty="0">
+                <a:latin typeface="Courier New" charset="0"/>
+                <a:ea typeface="Courier New" charset="0"/>
+                <a:cs typeface="Courier New" charset="0"/>
+              </a:rPr>
+              <a:t> + </a:t>
+            </a:r>
+            <a:r>
+              <a:rPr lang="en-US" sz="1800" dirty="0" err="1">
+                <a:latin typeface="Courier New" charset="0"/>
+                <a:ea typeface="Courier New" charset="0"/>
+                <a:cs typeface="Courier New" charset="0"/>
+              </a:rPr>
+              <a:t>self.full_name</a:t>
+            </a:r>
+            <a:r>
+              <a:rPr lang="en-US" sz="1800" dirty="0">
+                <a:latin typeface="Courier New" charset="0"/>
+                <a:ea typeface="Courier New" charset="0"/>
+                <a:cs typeface="Courier New" charset="0"/>
+              </a:rPr>
+              <a:t> + </a:t>
+            </a:r>
+            <a:r>
+              <a:rPr lang="en-US" sz="1800" dirty="0">
+                <a:solidFill>
+                  <a:srgbClr val="008000"/>
+                </a:solidFill>
+                <a:latin typeface="Courier New" charset="0"/>
+                <a:ea typeface="Courier New" charset="0"/>
+                <a:cs typeface="Courier New" charset="0"/>
+              </a:rPr>
+              <a:t>" – age: "</a:t>
+            </a:r>
+            <a:r>
+              <a:rPr lang="en-US" sz="1800" dirty="0">
+                <a:latin typeface="Courier New" charset="0"/>
+                <a:ea typeface="Courier New" charset="0"/>
+                <a:cs typeface="Courier New" charset="0"/>
+              </a:rPr>
+              <a:t> +  </a:t>
+            </a:r>
+            <a:r>
+              <a:rPr lang="en-US" sz="1800" dirty="0" err="1">
+                <a:latin typeface="Courier New" charset="0"/>
+                <a:ea typeface="Courier New" charset="0"/>
+                <a:cs typeface="Courier New" charset="0"/>
+              </a:rPr>
+              <a:t>str</a:t>
+            </a:r>
+            <a:r>
+              <a:rPr lang="en-US" sz="1800" dirty="0">
+                <a:latin typeface="Courier New" charset="0"/>
+                <a:ea typeface="Courier New" charset="0"/>
+                <a:cs typeface="Courier New" charset="0"/>
+              </a:rPr>
+              <a:t>(</a:t>
+            </a:r>
+            <a:r>
+              <a:rPr lang="en-US" sz="1800" dirty="0" err="1">
+                <a:latin typeface="Courier New" charset="0"/>
+                <a:ea typeface="Courier New" charset="0"/>
+                <a:cs typeface="Courier New" charset="0"/>
+              </a:rPr>
+              <a:t>self.age</a:t>
+            </a:r>
+            <a:r>
+              <a:rPr lang="en-US" sz="1800" dirty="0">
+                <a:latin typeface="Courier New" charset="0"/>
+                <a:ea typeface="Courier New" charset="0"/>
+                <a:cs typeface="Courier New" charset="0"/>
+              </a:rPr>
+              <a:t>)</a:t>
+            </a:r>
+            <a:br>
+              <a:rPr lang="en-US" sz="1800" dirty="0">
+                <a:latin typeface="Courier New" charset="0"/>
+                <a:ea typeface="Courier New" charset="0"/>
+                <a:cs typeface="Courier New" charset="0"/>
+              </a:rPr>
+            </a:br>
+            <a:r>
+              <a:rPr lang="en-US" sz="1800" dirty="0">
+                <a:latin typeface="Courier New" charset="0"/>
+                <a:ea typeface="Courier New" charset="0"/>
+                <a:cs typeface="Courier New" charset="0"/>
+              </a:rPr>
+              <a:t>...</a:t>
+            </a:r>
+          </a:p>
+          <a:p>
+            <a:pPr>
+              <a:buFont typeface="Symbol" pitchFamily="18" charset="2"/>
+              <a:buNone/>
+            </a:pPr>
+            <a:endParaRPr lang="en-US" sz="1800" dirty="0">
+              <a:latin typeface="Courier New" charset="0"/>
+              <a:ea typeface="Courier New" charset="0"/>
+              <a:cs typeface="Courier New" charset="0"/>
+            </a:endParaRPr>
+          </a:p>
+          <a:p>
+            <a:pPr>
+              <a:buFont typeface="Symbol" pitchFamily="18" charset="2"/>
+              <a:buNone/>
+            </a:pPr>
+            <a:r>
+              <a:rPr lang="en-US" sz="1800" dirty="0">
+                <a:solidFill>
+                  <a:srgbClr val="660066"/>
+                </a:solidFill>
+                <a:latin typeface="Courier New" charset="0"/>
+                <a:ea typeface="Courier New" charset="0"/>
+                <a:cs typeface="Courier New" charset="0"/>
+              </a:rPr>
+              <a:t>&gt;&gt;&gt;</a:t>
+            </a:r>
+            <a:r>
+              <a:rPr lang="en-US" sz="1800" dirty="0">
+                <a:latin typeface="Courier New" charset="0"/>
+                <a:ea typeface="Courier New" charset="0"/>
+                <a:cs typeface="Courier New" charset="0"/>
+              </a:rPr>
+              <a:t> f = Student(</a:t>
+            </a:r>
+            <a:r>
+              <a:rPr lang="en-US" sz="1800" dirty="0">
+                <a:solidFill>
+                  <a:srgbClr val="008000"/>
+                </a:solidFill>
+                <a:latin typeface="Courier New" charset="0"/>
+                <a:ea typeface="Courier New" charset="0"/>
+                <a:cs typeface="Courier New" charset="0"/>
+              </a:rPr>
+              <a:t>"Bob Smith"</a:t>
+            </a:r>
+            <a:r>
+              <a:rPr lang="en-US" sz="1800" dirty="0">
+                <a:latin typeface="Courier New" charset="0"/>
+                <a:ea typeface="Courier New" charset="0"/>
+                <a:cs typeface="Courier New" charset="0"/>
+              </a:rPr>
+              <a:t>, 23)</a:t>
+            </a:r>
+          </a:p>
+          <a:p>
+            <a:pPr>
+              <a:buFont typeface="Symbol" pitchFamily="18" charset="2"/>
+              <a:buNone/>
+            </a:pPr>
+            <a:endParaRPr lang="en-US" sz="1800" dirty="0">
+              <a:latin typeface="Courier New" charset="0"/>
+              <a:ea typeface="Courier New" charset="0"/>
+              <a:cs typeface="Courier New" charset="0"/>
+            </a:endParaRPr>
+          </a:p>
+          <a:p>
+            <a:pPr>
+              <a:buFont typeface="Symbol" pitchFamily="18" charset="2"/>
+              <a:buNone/>
+            </a:pPr>
+            <a:r>
+              <a:rPr lang="en-US" sz="1800" dirty="0">
+                <a:solidFill>
+                  <a:srgbClr val="660066"/>
+                </a:solidFill>
+                <a:latin typeface="Courier New" charset="0"/>
+                <a:ea typeface="Courier New" charset="0"/>
+                <a:cs typeface="Courier New" charset="0"/>
+              </a:rPr>
+              <a:t>&gt;&gt;&gt;</a:t>
+            </a:r>
+            <a:r>
+              <a:rPr lang="en-US" sz="1800" dirty="0">
+                <a:latin typeface="Courier New" charset="0"/>
+                <a:ea typeface="Courier New" charset="0"/>
+                <a:cs typeface="Courier New" charset="0"/>
+              </a:rPr>
               <a:t> </a:t>
             </a:r>
             <a:r>
-              <a:rPr lang="en-US" b="1" dirty="0">
-                <a:latin typeface="Courier New" pitchFamily="49" charset="0"/>
-              </a:rPr>
-              <a:t>)</a:t>
-            </a:r>
-            <a:r>
-              <a:rPr lang="en-US" dirty="0"/>
-              <a:t> works.</a:t>
-            </a:r>
-          </a:p>
-          <a:p>
-            <a:pPr lvl="1">
-              <a:buFontTx/>
+              <a:rPr lang="en-US" sz="1800" dirty="0" smtClean="0">
+                <a:solidFill>
+                  <a:srgbClr val="FF9933"/>
+                </a:solidFill>
+                <a:latin typeface="Courier New" charset="0"/>
+                <a:ea typeface="Courier New" charset="0"/>
+                <a:cs typeface="Courier New" charset="0"/>
+              </a:rPr>
+              <a:t>print</a:t>
+            </a:r>
+            <a:r>
+              <a:rPr lang="en-US" sz="1800" dirty="0" smtClean="0">
+                <a:latin typeface="Courier New" charset="0"/>
+                <a:ea typeface="Courier New" charset="0"/>
+                <a:cs typeface="Courier New" charset="0"/>
+              </a:rPr>
+              <a:t>(f)</a:t>
+            </a:r>
+            <a:endParaRPr lang="en-US" sz="1800" dirty="0">
+              <a:latin typeface="Courier New" charset="0"/>
+              <a:ea typeface="Courier New" charset="0"/>
+              <a:cs typeface="Courier New" charset="0"/>
+            </a:endParaRPr>
+          </a:p>
+          <a:p>
+            <a:pPr>
+              <a:buFont typeface="Symbol" pitchFamily="18" charset="2"/>
               <a:buNone/>
             </a:pPr>
             <a:r>
-              <a:rPr lang="en-US" b="1" dirty="0">
-                <a:latin typeface="Courier New" pitchFamily="49" charset="0"/>
-              </a:rPr>
-              <a:t>__copy__</a:t>
-            </a:r>
-            <a:r>
-              <a:rPr lang="en-US" dirty="0">
-                <a:latin typeface="Courier New" pitchFamily="49" charset="0"/>
-              </a:rPr>
-              <a:t>:</a:t>
-            </a:r>
-            <a:r>
-              <a:rPr lang="en-US" dirty="0"/>
-              <a:t> Define how to copy a class.</a:t>
-            </a:r>
-          </a:p>
-          <a:p>
-            <a:pPr lvl="1">
+              <a:rPr lang="en-US" sz="1800" dirty="0">
+                <a:solidFill>
+                  <a:schemeClr val="accent2"/>
+                </a:solidFill>
+                <a:latin typeface="Courier New" charset="0"/>
+                <a:ea typeface="Courier New" charset="0"/>
+                <a:cs typeface="Courier New" charset="0"/>
+              </a:rPr>
+              <a:t>I’m named Bob Smith – age: 23</a:t>
+            </a:r>
+          </a:p>
+          <a:p>
+            <a:pPr>
+              <a:buFont typeface="Symbol" pitchFamily="18" charset="2"/>
               <a:buNone/>
             </a:pPr>
-            <a:r>
-              <a:rPr lang="en-US" b="1" dirty="0">
-                <a:latin typeface="Courier New" pitchFamily="49" charset="0"/>
-              </a:rPr>
-              <a:t>__</a:t>
-            </a:r>
-            <a:r>
-              <a:rPr lang="en-US" b="1" dirty="0" err="1">
-                <a:latin typeface="Courier New" pitchFamily="49" charset="0"/>
-              </a:rPr>
-              <a:t>cmp</a:t>
-            </a:r>
-            <a:r>
-              <a:rPr lang="en-US" b="1" dirty="0">
-                <a:latin typeface="Courier New" pitchFamily="49" charset="0"/>
-              </a:rPr>
-              <a:t>__</a:t>
-            </a:r>
-            <a:r>
-              <a:rPr lang="en-US" dirty="0">
-                <a:latin typeface="Courier New" pitchFamily="49" charset="0"/>
-              </a:rPr>
-              <a:t> :</a:t>
-            </a:r>
-            <a:r>
-              <a:rPr lang="en-US" dirty="0"/>
-              <a:t> Define how </a:t>
-            </a:r>
-            <a:r>
-              <a:rPr lang="en-US" b="1" dirty="0">
-                <a:latin typeface="Courier New" pitchFamily="49" charset="0"/>
-              </a:rPr>
-              <a:t>==</a:t>
-            </a:r>
-            <a:r>
-              <a:rPr lang="en-US" dirty="0"/>
-              <a:t> works for class.</a:t>
-            </a:r>
-          </a:p>
-          <a:p>
-            <a:pPr lvl="1">
-              <a:buFontTx/>
-              <a:buNone/>
-            </a:pPr>
-            <a:r>
-              <a:rPr lang="en-US" b="1" dirty="0">
-                <a:latin typeface="Courier New" pitchFamily="49" charset="0"/>
-              </a:rPr>
-              <a:t>__add__ : </a:t>
-            </a:r>
-            <a:r>
-              <a:rPr lang="en-US" dirty="0"/>
-              <a:t>Define how </a:t>
-            </a:r>
-            <a:r>
-              <a:rPr lang="en-US" b="1" dirty="0">
-                <a:latin typeface="Courier New" pitchFamily="49" charset="0"/>
-              </a:rPr>
-              <a:t>+ </a:t>
-            </a:r>
-            <a:r>
-              <a:rPr lang="en-US" dirty="0"/>
-              <a:t>works for class</a:t>
-            </a:r>
-          </a:p>
-          <a:p>
-            <a:pPr lvl="1">
-              <a:buFontTx/>
-              <a:buNone/>
-            </a:pPr>
-            <a:r>
-              <a:rPr lang="en-US" b="1" dirty="0">
-                <a:latin typeface="Courier New" pitchFamily="49" charset="0"/>
-              </a:rPr>
-              <a:t>__</a:t>
-            </a:r>
-            <a:r>
-              <a:rPr lang="en-US" b="1" dirty="0" err="1">
-                <a:latin typeface="Courier New" pitchFamily="49" charset="0"/>
-              </a:rPr>
-              <a:t>neg</a:t>
-            </a:r>
-            <a:r>
-              <a:rPr lang="en-US" b="1" dirty="0">
-                <a:latin typeface="Courier New" pitchFamily="49" charset="0"/>
-              </a:rPr>
-              <a:t>__ : </a:t>
-            </a:r>
-            <a:r>
-              <a:rPr lang="en-US" dirty="0"/>
-              <a:t>Define how unary negation works for class</a:t>
-            </a:r>
-          </a:p>
-          <a:p>
-            <a:pPr lvl="1">
-              <a:buFontTx/>
-              <a:buNone/>
-            </a:pPr>
-            <a:r>
-              <a:rPr lang="en-US" b="1" dirty="0">
-                <a:latin typeface="Courier New" pitchFamily="49" charset="0"/>
-              </a:rPr>
-              <a:t>   </a:t>
-            </a:r>
-          </a:p>
-          <a:p>
-            <a:r>
-              <a:rPr lang="en-US" dirty="0"/>
-              <a:t>Other built-in methods allow you to give a class the ability to use [ ] notation like an array or ( ) notation like a function call.</a:t>
-            </a:r>
+            <a:endParaRPr lang="en-US" sz="1800" dirty="0">
+              <a:solidFill>
+                <a:schemeClr val="accent2"/>
+              </a:solidFill>
+              <a:latin typeface="Courier New" charset="0"/>
+              <a:ea typeface="Courier New" charset="0"/>
+              <a:cs typeface="Courier New" charset="0"/>
+            </a:endParaRPr>
           </a:p>
         </p:txBody>
       </p:sp>
       <p:sp>
         <p:nvSpPr>
-          <p:cNvPr id="5" name="Date Placeholder 4"/>
+          <p:cNvPr id="6" name="Date Placeholder 5"/>
           <p:cNvSpPr>
             <a:spLocks noGrp="1"/>
           </p:cNvSpPr>
@@ -24136,7 +24383,7 @@
     </p:spTree>
     <p:extLst>
       <p:ext uri="{BB962C8B-B14F-4D97-AF65-F5344CB8AC3E}">
-        <p14:creationId xmlns:p14="http://schemas.microsoft.com/office/powerpoint/2010/main" val="649666067"/>
+        <p14:creationId xmlns:p14="http://schemas.microsoft.com/office/powerpoint/2010/main" val="804005661"/>
       </p:ext>
     </p:extLst>
   </p:cSld>
@@ -24166,6 +24413,394 @@
       </p:grpSpPr>
       <p:sp>
         <p:nvSpPr>
+          <p:cNvPr id="45059" name="Slide Number Placeholder 5"/>
+          <p:cNvSpPr>
+            <a:spLocks noGrp="1"/>
+          </p:cNvSpPr>
+          <p:nvPr>
+            <p:ph type="sldNum" sz="quarter" idx="12"/>
+          </p:nvPr>
+        </p:nvSpPr>
+        <p:spPr/>
+        <p:txBody>
+          <a:bodyPr/>
+          <a:lstStyle/>
+          <a:p>
+            <a:pPr>
+              <a:defRPr/>
+            </a:pPr>
+            <a:r>
+              <a:rPr lang="en-US" altLang="en-US"/>
+              <a:t>       </a:t>
+            </a:r>
+            <a:fld id="{5AAD258E-EC2C-4F9D-97F0-DE076AEF6868}" type="slidenum">
+              <a:rPr lang="en-US" altLang="en-US"/>
+              <a:pPr>
+                <a:defRPr/>
+              </a:pPr>
+              <a:t>36</a:t>
+            </a:fld>
+            <a:endParaRPr lang="en-US" altLang="en-US"/>
+          </a:p>
+        </p:txBody>
+      </p:sp>
+      <p:sp>
+        <p:nvSpPr>
+          <p:cNvPr id="50179" name="Rectangle 2"/>
+          <p:cNvSpPr>
+            <a:spLocks noGrp="1" noChangeArrowheads="1"/>
+          </p:cNvSpPr>
+          <p:nvPr>
+            <p:ph type="title"/>
+          </p:nvPr>
+        </p:nvSpPr>
+        <p:spPr/>
+        <p:txBody>
+          <a:bodyPr/>
+          <a:lstStyle/>
+          <a:p>
+            <a:r>
+              <a:rPr lang="en-US" dirty="0"/>
+              <a:t>Other “Magic” Methods </a:t>
+            </a:r>
+          </a:p>
+        </p:txBody>
+      </p:sp>
+      <p:sp>
+        <p:nvSpPr>
+          <p:cNvPr id="50180" name="Rectangle 3"/>
+          <p:cNvSpPr>
+            <a:spLocks noGrp="1" noChangeArrowheads="1"/>
+          </p:cNvSpPr>
+          <p:nvPr>
+            <p:ph type="body" idx="1"/>
+          </p:nvPr>
+        </p:nvSpPr>
+        <p:spPr>
+          <a:xfrm>
+            <a:off x="685800" y="1295400"/>
+            <a:ext cx="7924800" cy="4838700"/>
+          </a:xfrm>
+        </p:spPr>
+        <p:txBody>
+          <a:bodyPr/>
+          <a:lstStyle/>
+          <a:p>
+            <a:r>
+              <a:rPr lang="en-US" dirty="0"/>
+              <a:t>Used to implement operator overloading</a:t>
+            </a:r>
+          </a:p>
+          <a:p>
+            <a:pPr lvl="1"/>
+            <a:r>
+              <a:rPr lang="en-US" dirty="0"/>
+              <a:t>Most operators trigger a special method, dependent on class</a:t>
+            </a:r>
+          </a:p>
+          <a:p>
+            <a:pPr lvl="1"/>
+            <a:endParaRPr lang="en-US" dirty="0"/>
+          </a:p>
+          <a:p>
+            <a:pPr lvl="1">
+              <a:buFontTx/>
+              <a:buNone/>
+            </a:pPr>
+            <a:r>
+              <a:rPr lang="en-US" b="1" dirty="0">
+                <a:latin typeface="Courier New" pitchFamily="49" charset="0"/>
+              </a:rPr>
+              <a:t>__</a:t>
+            </a:r>
+            <a:r>
+              <a:rPr lang="en-US" b="1" dirty="0" err="1">
+                <a:latin typeface="Courier New" pitchFamily="49" charset="0"/>
+              </a:rPr>
+              <a:t>init</a:t>
+            </a:r>
+            <a:r>
+              <a:rPr lang="en-US" b="1" dirty="0">
+                <a:latin typeface="Courier New" pitchFamily="49" charset="0"/>
+              </a:rPr>
+              <a:t>__</a:t>
+            </a:r>
+            <a:r>
+              <a:rPr lang="en-US" dirty="0">
+                <a:latin typeface="Courier New" pitchFamily="49" charset="0"/>
+              </a:rPr>
+              <a:t>:</a:t>
+            </a:r>
+            <a:r>
+              <a:rPr lang="en-US" dirty="0"/>
+              <a:t> The constructor for the class.</a:t>
+            </a:r>
+          </a:p>
+          <a:p>
+            <a:pPr lvl="1">
+              <a:buFontTx/>
+              <a:buNone/>
+            </a:pPr>
+            <a:r>
+              <a:rPr lang="en-US" b="1" dirty="0">
+                <a:latin typeface="Courier New" pitchFamily="49" charset="0"/>
+              </a:rPr>
+              <a:t>__</a:t>
+            </a:r>
+            <a:r>
+              <a:rPr lang="en-US" b="1" dirty="0" err="1">
+                <a:latin typeface="Courier New" pitchFamily="49" charset="0"/>
+              </a:rPr>
+              <a:t>len</a:t>
+            </a:r>
+            <a:r>
+              <a:rPr lang="en-US" b="1" dirty="0">
+                <a:latin typeface="Courier New" pitchFamily="49" charset="0"/>
+              </a:rPr>
+              <a:t>__</a:t>
+            </a:r>
+            <a:r>
+              <a:rPr lang="en-US" dirty="0">
+                <a:latin typeface="Courier New" pitchFamily="49" charset="0"/>
+              </a:rPr>
+              <a:t> :</a:t>
+            </a:r>
+            <a:r>
+              <a:rPr lang="en-US" dirty="0"/>
+              <a:t> Define how  </a:t>
+            </a:r>
+            <a:r>
+              <a:rPr lang="en-US" b="1" dirty="0" err="1">
+                <a:latin typeface="Courier New" pitchFamily="49" charset="0"/>
+              </a:rPr>
+              <a:t>len</a:t>
+            </a:r>
+            <a:r>
+              <a:rPr lang="en-US" b="1" dirty="0">
+                <a:latin typeface="Courier New" pitchFamily="49" charset="0"/>
+              </a:rPr>
+              <a:t>(</a:t>
+            </a:r>
+            <a:r>
+              <a:rPr lang="en-US" dirty="0"/>
+              <a:t> </a:t>
+            </a:r>
+            <a:r>
+              <a:rPr lang="en-US" dirty="0" err="1"/>
+              <a:t>obj</a:t>
+            </a:r>
+            <a:r>
+              <a:rPr lang="en-US" dirty="0"/>
+              <a:t> </a:t>
+            </a:r>
+            <a:r>
+              <a:rPr lang="en-US" b="1" dirty="0">
+                <a:latin typeface="Courier New" pitchFamily="49" charset="0"/>
+              </a:rPr>
+              <a:t>)</a:t>
+            </a:r>
+            <a:r>
+              <a:rPr lang="en-US" dirty="0"/>
+              <a:t> works.</a:t>
+            </a:r>
+          </a:p>
+          <a:p>
+            <a:pPr lvl="1">
+              <a:buFontTx/>
+              <a:buNone/>
+            </a:pPr>
+            <a:r>
+              <a:rPr lang="en-US" b="1" dirty="0">
+                <a:latin typeface="Courier New" pitchFamily="49" charset="0"/>
+              </a:rPr>
+              <a:t>__copy__</a:t>
+            </a:r>
+            <a:r>
+              <a:rPr lang="en-US" dirty="0">
+                <a:latin typeface="Courier New" pitchFamily="49" charset="0"/>
+              </a:rPr>
+              <a:t>:</a:t>
+            </a:r>
+            <a:r>
+              <a:rPr lang="en-US" dirty="0"/>
+              <a:t> Define how to copy a class.</a:t>
+            </a:r>
+          </a:p>
+          <a:p>
+            <a:pPr lvl="1">
+              <a:buNone/>
+            </a:pPr>
+            <a:r>
+              <a:rPr lang="en-US" b="1" dirty="0">
+                <a:latin typeface="Courier New" pitchFamily="49" charset="0"/>
+              </a:rPr>
+              <a:t>__</a:t>
+            </a:r>
+            <a:r>
+              <a:rPr lang="en-US" b="1" dirty="0" err="1">
+                <a:latin typeface="Courier New" pitchFamily="49" charset="0"/>
+              </a:rPr>
+              <a:t>cmp</a:t>
+            </a:r>
+            <a:r>
+              <a:rPr lang="en-US" b="1" dirty="0">
+                <a:latin typeface="Courier New" pitchFamily="49" charset="0"/>
+              </a:rPr>
+              <a:t>__</a:t>
+            </a:r>
+            <a:r>
+              <a:rPr lang="en-US" dirty="0">
+                <a:latin typeface="Courier New" pitchFamily="49" charset="0"/>
+              </a:rPr>
+              <a:t> :</a:t>
+            </a:r>
+            <a:r>
+              <a:rPr lang="en-US" dirty="0"/>
+              <a:t> Define how </a:t>
+            </a:r>
+            <a:r>
+              <a:rPr lang="en-US" b="1" dirty="0">
+                <a:latin typeface="Courier New" pitchFamily="49" charset="0"/>
+              </a:rPr>
+              <a:t>==</a:t>
+            </a:r>
+            <a:r>
+              <a:rPr lang="en-US" dirty="0"/>
+              <a:t> works for class.</a:t>
+            </a:r>
+          </a:p>
+          <a:p>
+            <a:pPr lvl="1">
+              <a:buFontTx/>
+              <a:buNone/>
+            </a:pPr>
+            <a:r>
+              <a:rPr lang="en-US" b="1" dirty="0">
+                <a:latin typeface="Courier New" pitchFamily="49" charset="0"/>
+              </a:rPr>
+              <a:t>__add__ : </a:t>
+            </a:r>
+            <a:r>
+              <a:rPr lang="en-US" dirty="0"/>
+              <a:t>Define how </a:t>
+            </a:r>
+            <a:r>
+              <a:rPr lang="en-US" b="1" dirty="0">
+                <a:latin typeface="Courier New" pitchFamily="49" charset="0"/>
+              </a:rPr>
+              <a:t>+ </a:t>
+            </a:r>
+            <a:r>
+              <a:rPr lang="en-US" dirty="0"/>
+              <a:t>works for class</a:t>
+            </a:r>
+          </a:p>
+          <a:p>
+            <a:pPr lvl="1">
+              <a:buFontTx/>
+              <a:buNone/>
+            </a:pPr>
+            <a:r>
+              <a:rPr lang="en-US" b="1" dirty="0">
+                <a:latin typeface="Courier New" pitchFamily="49" charset="0"/>
+              </a:rPr>
+              <a:t>__</a:t>
+            </a:r>
+            <a:r>
+              <a:rPr lang="en-US" b="1" dirty="0" err="1">
+                <a:latin typeface="Courier New" pitchFamily="49" charset="0"/>
+              </a:rPr>
+              <a:t>neg</a:t>
+            </a:r>
+            <a:r>
+              <a:rPr lang="en-US" b="1" dirty="0">
+                <a:latin typeface="Courier New" pitchFamily="49" charset="0"/>
+              </a:rPr>
+              <a:t>__ : </a:t>
+            </a:r>
+            <a:r>
+              <a:rPr lang="en-US" dirty="0"/>
+              <a:t>Define how unary negation works for class</a:t>
+            </a:r>
+          </a:p>
+          <a:p>
+            <a:pPr lvl="1">
+              <a:buFontTx/>
+              <a:buNone/>
+            </a:pPr>
+            <a:r>
+              <a:rPr lang="en-US" b="1" dirty="0">
+                <a:latin typeface="Courier New" pitchFamily="49" charset="0"/>
+              </a:rPr>
+              <a:t>   </a:t>
+            </a:r>
+          </a:p>
+          <a:p>
+            <a:r>
+              <a:rPr lang="en-US" dirty="0"/>
+              <a:t>Other built-in methods allow you to give a class the ability to use [ ] notation like an array or ( ) notation like a function call.</a:t>
+            </a:r>
+          </a:p>
+        </p:txBody>
+      </p:sp>
+      <p:sp>
+        <p:nvSpPr>
+          <p:cNvPr id="5" name="Date Placeholder 4"/>
+          <p:cNvSpPr>
+            <a:spLocks noGrp="1"/>
+          </p:cNvSpPr>
+          <p:nvPr>
+            <p:ph type="dt" sz="quarter" idx="10"/>
+          </p:nvPr>
+        </p:nvSpPr>
+        <p:spPr/>
+        <p:txBody>
+          <a:bodyPr/>
+          <a:lstStyle/>
+          <a:p>
+            <a:pPr>
+              <a:defRPr/>
+            </a:pPr>
+            <a:r>
+              <a:rPr lang="en-US" dirty="0"/>
+              <a:t>CIS 521 - Fall 2018</a:t>
+            </a:r>
+          </a:p>
+        </p:txBody>
+      </p:sp>
+    </p:spTree>
+    <p:extLst>
+      <p:ext uri="{BB962C8B-B14F-4D97-AF65-F5344CB8AC3E}">
+        <p14:creationId xmlns:p14="http://schemas.microsoft.com/office/powerpoint/2010/main" val="649666067"/>
+      </p:ext>
+    </p:extLst>
+  </p:cSld>
+  <p:clrMapOvr>
+    <a:masterClrMapping/>
+  </p:clrMapOvr>
+  <p:transition/>
+</p:sld>
+</file>
+
+<file path=ppt/slides/slide37.xml><?xml version="1.0" encoding="utf-8"?>
+<p:sld xmlns:a="http://schemas.openxmlformats.org/drawingml/2006/main" xmlns:r="http://schemas.openxmlformats.org/officeDocument/2006/relationships" xmlns:p="http://schemas.openxmlformats.org/presentationml/2006/main">
+  <p:cSld>
+    <p:spTree>
+      <p:nvGrpSpPr>
+        <p:cNvPr id="1" name=""/>
+        <p:cNvGrpSpPr/>
+        <p:nvPr/>
+      </p:nvGrpSpPr>
+      <p:grpSpPr>
+        <a:xfrm>
+          <a:off x="0" y="0"/>
+          <a:ext cx="0" cy="0"/>
+          <a:chOff x="0" y="0"/>
+          <a:chExt cx="0" cy="0"/>
+        </a:xfrm>
+      </p:grpSpPr>
+      <p:sp>
+        <p:nvSpPr>
           <p:cNvPr id="24580" name="Slide Number Placeholder 4"/>
           <p:cNvSpPr>
             <a:spLocks noGrp="1"/>
@@ -24187,7 +24822,7 @@
               <a:pPr>
                 <a:defRPr/>
               </a:pPr>
-              <a:t>36</a:t>
+              <a:t>37</a:t>
             </a:fld>
             <a:endParaRPr lang="en-US"/>
           </a:p>
@@ -25167,7 +25802,7 @@
 </p:sld>
 </file>
 
-<file path=ppt/slides/slide37.xml><?xml version="1.0" encoding="utf-8"?>
+<file path=ppt/slides/slide38.xml><?xml version="1.0" encoding="utf-8"?>
 <p:sld xmlns:a="http://schemas.openxmlformats.org/drawingml/2006/main" xmlns:r="http://schemas.openxmlformats.org/officeDocument/2006/relationships" xmlns:p="http://schemas.openxmlformats.org/presentationml/2006/main">
   <p:cSld>
     <p:spTree>
@@ -25207,7 +25842,7 @@
               <a:pPr>
                 <a:defRPr/>
               </a:pPr>
-              <a:t>37</a:t>
+              <a:t>38</a:t>
             </a:fld>
             <a:endParaRPr lang="en-US"/>
           </a:p>
@@ -26564,7 +27199,7 @@
 </p:sld>
 </file>
 
-<file path=ppt/slides/slide38.xml><?xml version="1.0" encoding="utf-8"?>
+<file path=ppt/slides/slide39.xml><?xml version="1.0" encoding="utf-8"?>
 <p:sld xmlns:a="http://schemas.openxmlformats.org/drawingml/2006/main" xmlns:r="http://schemas.openxmlformats.org/officeDocument/2006/relationships" xmlns:p="http://schemas.openxmlformats.org/presentationml/2006/main">
   <p:cSld>
     <p:spTree>
@@ -26604,7 +27239,7 @@
               <a:pPr>
                 <a:defRPr/>
               </a:pPr>
-              <a:t>38</a:t>
+              <a:t>39</a:t>
             </a:fld>
             <a:endParaRPr lang="en-US"/>
           </a:p>
@@ -27774,7 +28409,7 @@
 </p:sld>
 </file>
 
-<file path=ppt/slides/slide39.xml><?xml version="1.0" encoding="utf-8"?>
+<file path=ppt/slides/slide4.xml><?xml version="1.0" encoding="utf-8"?>
 <p:sld xmlns:a="http://schemas.openxmlformats.org/drawingml/2006/main" xmlns:r="http://schemas.openxmlformats.org/officeDocument/2006/relationships" xmlns:p="http://schemas.openxmlformats.org/presentationml/2006/main">
   <p:cSld>
     <p:spTree>
@@ -27793,6 +28428,489 @@
       </p:grpSpPr>
       <p:sp>
         <p:nvSpPr>
+          <p:cNvPr id="19460" name="Slide Number Placeholder 5"/>
+          <p:cNvSpPr>
+            <a:spLocks noGrp="1"/>
+          </p:cNvSpPr>
+          <p:nvPr>
+            <p:ph type="sldNum" sz="quarter" idx="12"/>
+          </p:nvPr>
+        </p:nvSpPr>
+        <p:spPr/>
+        <p:txBody>
+          <a:bodyPr/>
+          <a:lstStyle/>
+          <a:p>
+            <a:pPr>
+              <a:defRPr/>
+            </a:pPr>
+            <a:fld id="{966E1AA9-C6EA-4644-83A9-7CEA410D2B39}" type="slidenum">
+              <a:rPr lang="en-US"/>
+              <a:pPr>
+                <a:defRPr/>
+              </a:pPr>
+              <a:t>4</a:t>
+            </a:fld>
+            <a:endParaRPr lang="en-US"/>
+          </a:p>
+        </p:txBody>
+      </p:sp>
+      <p:sp>
+        <p:nvSpPr>
+          <p:cNvPr id="56323" name="Rectangle 1026"/>
+          <p:cNvSpPr>
+            <a:spLocks noGrp="1" noChangeArrowheads="1"/>
+          </p:cNvSpPr>
+          <p:nvPr>
+            <p:ph type="title"/>
+          </p:nvPr>
+        </p:nvSpPr>
+        <p:spPr>
+          <a:xfrm>
+            <a:off x="782638" y="266700"/>
+            <a:ext cx="8162925" cy="836613"/>
+          </a:xfrm>
+        </p:spPr>
+        <p:txBody>
+          <a:bodyPr/>
+          <a:lstStyle/>
+          <a:p>
+            <a:pPr eaLnBrk="1" hangingPunct="1"/>
+            <a:r>
+              <a:rPr lang="en-US" dirty="0">
+                <a:ea typeface="ＭＳ Ｐゴシック" pitchFamily="34" charset="-128"/>
+              </a:rPr>
+              <a:t>Generators: using </a:t>
+            </a:r>
+            <a:r>
+              <a:rPr lang="en-US" dirty="0">
+                <a:latin typeface="Courier" pitchFamily="2" charset="0"/>
+                <a:ea typeface="ＭＳ Ｐゴシック" pitchFamily="34" charset="-128"/>
+              </a:rPr>
+              <a:t>yield</a:t>
+            </a:r>
+          </a:p>
+        </p:txBody>
+      </p:sp>
+      <p:sp>
+        <p:nvSpPr>
+          <p:cNvPr id="56324" name="Rectangle 1027"/>
+          <p:cNvSpPr>
+            <a:spLocks noGrp="1" noChangeArrowheads="1"/>
+          </p:cNvSpPr>
+          <p:nvPr>
+            <p:ph type="body" idx="1"/>
+          </p:nvPr>
+        </p:nvSpPr>
+        <p:spPr>
+          <a:xfrm>
+            <a:off x="912813" y="1143000"/>
+            <a:ext cx="8110537" cy="4953000"/>
+          </a:xfrm>
+        </p:spPr>
+        <p:txBody>
+          <a:bodyPr/>
+          <a:lstStyle/>
+          <a:p>
+            <a:pPr eaLnBrk="1" hangingPunct="1">
+              <a:lnSpc>
+                <a:spcPct val="90000"/>
+              </a:lnSpc>
+            </a:pPr>
+            <a:r>
+              <a:rPr lang="en-US" dirty="0">
+                <a:ea typeface="ＭＳ Ｐゴシック" pitchFamily="34" charset="-128"/>
+              </a:rPr>
+              <a:t>Generators are iterators (with </a:t>
+            </a:r>
+            <a:r>
+              <a:rPr lang="en-US" dirty="0">
+                <a:latin typeface="Courier" pitchFamily="2" charset="0"/>
+                <a:ea typeface="ＭＳ Ｐゴシック" pitchFamily="34" charset="-128"/>
+              </a:rPr>
+              <a:t>__next()__ </a:t>
+            </a:r>
+            <a:r>
+              <a:rPr lang="en-US" dirty="0">
+                <a:ea typeface="ＭＳ Ｐゴシック" pitchFamily="34" charset="-128"/>
+              </a:rPr>
+              <a:t>method)</a:t>
+            </a:r>
+          </a:p>
+          <a:p>
+            <a:pPr eaLnBrk="1" hangingPunct="1">
+              <a:lnSpc>
+                <a:spcPct val="90000"/>
+              </a:lnSpc>
+            </a:pPr>
+            <a:r>
+              <a:rPr lang="en-US" dirty="0">
+                <a:ea typeface="ＭＳ Ｐゴシック" pitchFamily="34" charset="-128"/>
+              </a:rPr>
+              <a:t>Creating Generators: </a:t>
+            </a:r>
+            <a:r>
+              <a:rPr lang="en-US" dirty="0">
+                <a:latin typeface="Courier New" charset="0"/>
+                <a:ea typeface="Courier New" charset="0"/>
+                <a:cs typeface="Courier New" charset="0"/>
+              </a:rPr>
+              <a:t>yield</a:t>
+            </a:r>
+          </a:p>
+          <a:p>
+            <a:pPr lvl="1" eaLnBrk="1" hangingPunct="1">
+              <a:lnSpc>
+                <a:spcPct val="90000"/>
+              </a:lnSpc>
+            </a:pPr>
+            <a:r>
+              <a:rPr lang="en-US" dirty="0">
+                <a:ea typeface="ＭＳ Ｐゴシック" pitchFamily="34" charset="-128"/>
+              </a:rPr>
+              <a:t>Functions that contain the </a:t>
+            </a:r>
+            <a:r>
+              <a:rPr lang="en-US" b="1" dirty="0">
+                <a:latin typeface="Courier New" charset="0"/>
+                <a:ea typeface="Courier New" charset="0"/>
+                <a:cs typeface="Courier New" charset="0"/>
+              </a:rPr>
+              <a:t>yield</a:t>
+            </a:r>
+            <a:r>
+              <a:rPr lang="en-US" dirty="0">
+                <a:ea typeface="ＭＳ Ｐゴシック" pitchFamily="34" charset="-128"/>
+              </a:rPr>
+              <a:t> keyword </a:t>
+            </a:r>
+            <a:r>
+              <a:rPr lang="en-US" b="1" i="1" dirty="0">
+                <a:solidFill>
+                  <a:srgbClr val="FF0000"/>
+                </a:solidFill>
+                <a:ea typeface="ＭＳ Ｐゴシック" pitchFamily="34" charset="-128"/>
+              </a:rPr>
+              <a:t>automatically</a:t>
+            </a:r>
+            <a:r>
+              <a:rPr lang="en-US" dirty="0">
+                <a:ea typeface="ＭＳ Ｐゴシック" pitchFamily="34" charset="-128"/>
+              </a:rPr>
+              <a:t> return a generator when called</a:t>
+            </a:r>
+          </a:p>
+          <a:p>
+            <a:pPr marL="0" indent="0" eaLnBrk="1" hangingPunct="1">
+              <a:lnSpc>
+                <a:spcPct val="90000"/>
+              </a:lnSpc>
+              <a:buNone/>
+            </a:pPr>
+            <a:r>
+              <a:rPr lang="en-US" sz="1800" dirty="0">
+                <a:latin typeface="Courier New" charset="0"/>
+                <a:ea typeface="Courier New" charset="0"/>
+                <a:cs typeface="Courier New" charset="0"/>
+              </a:rPr>
+              <a:t>&gt;&gt;&gt; </a:t>
+            </a:r>
+            <a:r>
+              <a:rPr lang="en-US" sz="1800" dirty="0" err="1">
+                <a:latin typeface="Courier New" charset="0"/>
+                <a:ea typeface="Courier New" charset="0"/>
+                <a:cs typeface="Courier New" charset="0"/>
+              </a:rPr>
+              <a:t>def</a:t>
+            </a:r>
+            <a:r>
+              <a:rPr lang="en-US" sz="1800" dirty="0">
+                <a:latin typeface="Courier New" charset="0"/>
+                <a:ea typeface="Courier New" charset="0"/>
+                <a:cs typeface="Courier New" charset="0"/>
+              </a:rPr>
+              <a:t> f(n):</a:t>
+            </a:r>
+          </a:p>
+          <a:p>
+            <a:pPr marL="0" indent="0" eaLnBrk="1" hangingPunct="1">
+              <a:lnSpc>
+                <a:spcPct val="90000"/>
+              </a:lnSpc>
+              <a:buNone/>
+            </a:pPr>
+            <a:r>
+              <a:rPr lang="en-US" sz="1800" dirty="0">
+                <a:latin typeface="Courier New" charset="0"/>
+                <a:ea typeface="Courier New" charset="0"/>
+                <a:cs typeface="Courier New" charset="0"/>
+              </a:rPr>
+              <a:t>...   yield n</a:t>
+            </a:r>
+          </a:p>
+          <a:p>
+            <a:pPr marL="0" indent="0" eaLnBrk="1" hangingPunct="1">
+              <a:lnSpc>
+                <a:spcPct val="90000"/>
+              </a:lnSpc>
+              <a:buNone/>
+            </a:pPr>
+            <a:r>
+              <a:rPr lang="en-US" sz="1800" dirty="0">
+                <a:latin typeface="Courier New" charset="0"/>
+                <a:ea typeface="Courier New" charset="0"/>
+                <a:cs typeface="Courier New" charset="0"/>
+              </a:rPr>
+              <a:t>...   yield n+1</a:t>
+            </a:r>
+          </a:p>
+          <a:p>
+            <a:pPr marL="0" indent="0" eaLnBrk="1" hangingPunct="1">
+              <a:lnSpc>
+                <a:spcPct val="90000"/>
+              </a:lnSpc>
+              <a:buNone/>
+            </a:pPr>
+            <a:r>
+              <a:rPr lang="en-US" sz="1800" dirty="0">
+                <a:latin typeface="Courier New" charset="0"/>
+                <a:ea typeface="Courier New" charset="0"/>
+                <a:cs typeface="Courier New" charset="0"/>
+              </a:rPr>
+              <a:t>...</a:t>
+            </a:r>
+          </a:p>
+          <a:p>
+            <a:pPr marL="0" indent="0" eaLnBrk="1" hangingPunct="1">
+              <a:lnSpc>
+                <a:spcPct val="90000"/>
+              </a:lnSpc>
+              <a:buNone/>
+            </a:pPr>
+            <a:r>
+              <a:rPr lang="en-US" sz="1800" dirty="0">
+                <a:latin typeface="Courier New" charset="0"/>
+                <a:ea typeface="Courier New" charset="0"/>
+                <a:cs typeface="Courier New" charset="0"/>
+              </a:rPr>
+              <a:t>&gt;&gt;&gt;</a:t>
+            </a:r>
+          </a:p>
+          <a:p>
+            <a:pPr marL="0" indent="0" eaLnBrk="1" hangingPunct="1">
+              <a:lnSpc>
+                <a:spcPct val="90000"/>
+              </a:lnSpc>
+              <a:buNone/>
+            </a:pPr>
+            <a:r>
+              <a:rPr lang="en-US" sz="1800" dirty="0">
+                <a:latin typeface="Courier New" charset="0"/>
+                <a:ea typeface="Courier New" charset="0"/>
+                <a:cs typeface="Courier New" charset="0"/>
+              </a:rPr>
+              <a:t>&gt;&gt;&gt; type(f)</a:t>
+            </a:r>
+          </a:p>
+          <a:p>
+            <a:pPr marL="0" indent="0" eaLnBrk="1" hangingPunct="1">
+              <a:lnSpc>
+                <a:spcPct val="90000"/>
+              </a:lnSpc>
+              <a:buNone/>
+            </a:pPr>
+            <a:r>
+              <a:rPr lang="en-US" sz="1800" dirty="0">
+                <a:solidFill>
+                  <a:schemeClr val="accent2"/>
+                </a:solidFill>
+                <a:latin typeface="Courier New" charset="0"/>
+                <a:ea typeface="Courier New" charset="0"/>
+                <a:cs typeface="Courier New" charset="0"/>
+              </a:rPr>
+              <a:t>&lt;class 'function'&gt;</a:t>
+            </a:r>
+          </a:p>
+          <a:p>
+            <a:pPr marL="0" indent="0" eaLnBrk="1" hangingPunct="1">
+              <a:lnSpc>
+                <a:spcPct val="90000"/>
+              </a:lnSpc>
+              <a:buNone/>
+            </a:pPr>
+            <a:r>
+              <a:rPr lang="en-US" sz="1800" dirty="0">
+                <a:latin typeface="Courier New" charset="0"/>
+                <a:ea typeface="Courier New" charset="0"/>
+                <a:cs typeface="Courier New" charset="0"/>
+              </a:rPr>
+              <a:t>&gt;&gt;&gt; type(f(5))</a:t>
+            </a:r>
+          </a:p>
+          <a:p>
+            <a:pPr marL="0" indent="0" eaLnBrk="1" hangingPunct="1">
+              <a:lnSpc>
+                <a:spcPct val="90000"/>
+              </a:lnSpc>
+              <a:buNone/>
+            </a:pPr>
+            <a:r>
+              <a:rPr lang="en-US" sz="1800" dirty="0">
+                <a:solidFill>
+                  <a:schemeClr val="accent2"/>
+                </a:solidFill>
+                <a:latin typeface="Courier New" charset="0"/>
+                <a:ea typeface="Courier New" charset="0"/>
+                <a:cs typeface="Courier New" charset="0"/>
+              </a:rPr>
+              <a:t>&lt;class 'generator'&gt;</a:t>
+            </a:r>
+          </a:p>
+          <a:p>
+            <a:pPr marL="0" indent="0" eaLnBrk="1" hangingPunct="1">
+              <a:lnSpc>
+                <a:spcPct val="90000"/>
+              </a:lnSpc>
+              <a:buNone/>
+            </a:pPr>
+            <a:r>
+              <a:rPr lang="en-US" sz="1800" dirty="0">
+                <a:latin typeface="Courier New" charset="0"/>
+                <a:ea typeface="Courier New" charset="0"/>
+                <a:cs typeface="Courier New" charset="0"/>
+              </a:rPr>
+              <a:t>&gt;&gt;&gt; [i for i in f(6)]</a:t>
+            </a:r>
+          </a:p>
+          <a:p>
+            <a:pPr marL="0" indent="0" eaLnBrk="1" hangingPunct="1">
+              <a:lnSpc>
+                <a:spcPct val="90000"/>
+              </a:lnSpc>
+              <a:buNone/>
+            </a:pPr>
+            <a:r>
+              <a:rPr lang="en-US" sz="1800" dirty="0">
+                <a:solidFill>
+                  <a:schemeClr val="accent2"/>
+                </a:solidFill>
+                <a:latin typeface="Courier New" charset="0"/>
+                <a:ea typeface="Courier New" charset="0"/>
+                <a:cs typeface="Courier New" charset="0"/>
+              </a:rPr>
+              <a:t>[6, 7]</a:t>
+            </a:r>
+          </a:p>
+          <a:p>
+            <a:pPr eaLnBrk="1" hangingPunct="1">
+              <a:lnSpc>
+                <a:spcPct val="90000"/>
+              </a:lnSpc>
+              <a:buFont typeface="Wingdings" pitchFamily="2" charset="2"/>
+              <a:buNone/>
+            </a:pPr>
+            <a:endParaRPr lang="en-US" sz="2000" dirty="0">
+              <a:latin typeface="Courier New" pitchFamily="49" charset="0"/>
+              <a:ea typeface="ＭＳ Ｐゴシック" pitchFamily="34" charset="-128"/>
+            </a:endParaRPr>
+          </a:p>
+          <a:p>
+            <a:pPr eaLnBrk="1" hangingPunct="1">
+              <a:lnSpc>
+                <a:spcPct val="90000"/>
+              </a:lnSpc>
+              <a:buFont typeface="Wingdings" pitchFamily="2" charset="2"/>
+              <a:buNone/>
+            </a:pPr>
+            <a:r>
+              <a:rPr lang="en-US" sz="2000" dirty="0">
+                <a:latin typeface="Courier New" pitchFamily="49" charset="0"/>
+                <a:ea typeface="ＭＳ Ｐゴシック" pitchFamily="34" charset="-128"/>
+              </a:rPr>
+              <a:t>	</a:t>
+            </a:r>
+          </a:p>
+          <a:p>
+            <a:pPr eaLnBrk="1" hangingPunct="1">
+              <a:lnSpc>
+                <a:spcPct val="90000"/>
+              </a:lnSpc>
+            </a:pPr>
+            <a:endParaRPr lang="en-US" sz="2800" dirty="0">
+              <a:ea typeface="ＭＳ Ｐゴシック" pitchFamily="34" charset="-128"/>
+            </a:endParaRPr>
+          </a:p>
+          <a:p>
+            <a:pPr eaLnBrk="1" hangingPunct="1">
+              <a:lnSpc>
+                <a:spcPct val="90000"/>
+              </a:lnSpc>
+            </a:pPr>
+            <a:endParaRPr lang="en-US" sz="2800" dirty="0">
+              <a:ea typeface="ＭＳ Ｐゴシック" pitchFamily="34" charset="-128"/>
+            </a:endParaRPr>
+          </a:p>
+        </p:txBody>
+      </p:sp>
+      <p:sp>
+        <p:nvSpPr>
+          <p:cNvPr id="7" name="Date Placeholder 6"/>
+          <p:cNvSpPr>
+            <a:spLocks noGrp="1"/>
+          </p:cNvSpPr>
+          <p:nvPr>
+            <p:ph type="dt" sz="quarter" idx="10"/>
+          </p:nvPr>
+        </p:nvSpPr>
+        <p:spPr/>
+        <p:txBody>
+          <a:bodyPr/>
+          <a:lstStyle/>
+          <a:p>
+            <a:pPr>
+              <a:defRPr/>
+            </a:pPr>
+            <a:r>
+              <a:rPr lang="en-US"/>
+              <a:t>CIS 421/521 - Fall 2018</a:t>
+            </a:r>
+            <a:endParaRPr lang="en-US" dirty="0"/>
+          </a:p>
+        </p:txBody>
+      </p:sp>
+    </p:spTree>
+    <p:extLst>
+      <p:ext uri="{BB962C8B-B14F-4D97-AF65-F5344CB8AC3E}">
+        <p14:creationId xmlns:p14="http://schemas.microsoft.com/office/powerpoint/2010/main" val="1279360049"/>
+      </p:ext>
+    </p:extLst>
+  </p:cSld>
+  <p:clrMapOvr>
+    <a:masterClrMapping/>
+  </p:clrMapOvr>
+  <p:transition/>
+</p:sld>
+</file>
+
+<file path=ppt/slides/slide40.xml><?xml version="1.0" encoding="utf-8"?>
+<p:sld xmlns:a="http://schemas.openxmlformats.org/drawingml/2006/main" xmlns:r="http://schemas.openxmlformats.org/officeDocument/2006/relationships" xmlns:p="http://schemas.openxmlformats.org/presentationml/2006/main">
+  <p:cSld>
+    <p:spTree>
+      <p:nvGrpSpPr>
+        <p:cNvPr id="1" name=""/>
+        <p:cNvGrpSpPr/>
+        <p:nvPr/>
+      </p:nvGrpSpPr>
+      <p:grpSpPr>
+        <a:xfrm>
+          <a:off x="0" y="0"/>
+          <a:ext cx="0" cy="0"/>
+          <a:chOff x="0" y="0"/>
+          <a:chExt cx="0" cy="0"/>
+        </a:xfrm>
+      </p:grpSpPr>
+      <p:sp>
+        <p:nvSpPr>
           <p:cNvPr id="25604" name="Slide Number Placeholder 5"/>
           <p:cNvSpPr>
             <a:spLocks noGrp="1"/>
@@ -27814,7 +28932,7 @@
               <a:pPr>
                 <a:defRPr/>
               </a:pPr>
-              <a:t>39</a:t>
+              <a:t>40</a:t>
             </a:fld>
             <a:endParaRPr lang="en-US"/>
           </a:p>
@@ -28923,878 +30041,6 @@
 </p:sld>
 </file>
 
-<file path=ppt/slides/slide4.xml><?xml version="1.0" encoding="utf-8"?>
-<p:sld xmlns:a="http://schemas.openxmlformats.org/drawingml/2006/main" xmlns:r="http://schemas.openxmlformats.org/officeDocument/2006/relationships" xmlns:p="http://schemas.openxmlformats.org/presentationml/2006/main">
-  <p:cSld>
-    <p:spTree>
-      <p:nvGrpSpPr>
-        <p:cNvPr id="1" name=""/>
-        <p:cNvGrpSpPr/>
-        <p:nvPr/>
-      </p:nvGrpSpPr>
-      <p:grpSpPr>
-        <a:xfrm>
-          <a:off x="0" y="0"/>
-          <a:ext cx="0" cy="0"/>
-          <a:chOff x="0" y="0"/>
-          <a:chExt cx="0" cy="0"/>
-        </a:xfrm>
-      </p:grpSpPr>
-      <p:sp>
-        <p:nvSpPr>
-          <p:cNvPr id="19460" name="Slide Number Placeholder 5"/>
-          <p:cNvSpPr>
-            <a:spLocks noGrp="1"/>
-          </p:cNvSpPr>
-          <p:nvPr>
-            <p:ph type="sldNum" sz="quarter" idx="12"/>
-          </p:nvPr>
-        </p:nvSpPr>
-        <p:spPr/>
-        <p:txBody>
-          <a:bodyPr/>
-          <a:lstStyle/>
-          <a:p>
-            <a:pPr>
-              <a:defRPr/>
-            </a:pPr>
-            <a:fld id="{966E1AA9-C6EA-4644-83A9-7CEA410D2B39}" type="slidenum">
-              <a:rPr lang="en-US"/>
-              <a:pPr>
-                <a:defRPr/>
-              </a:pPr>
-              <a:t>4</a:t>
-            </a:fld>
-            <a:endParaRPr lang="en-US"/>
-          </a:p>
-        </p:txBody>
-      </p:sp>
-      <p:sp>
-        <p:nvSpPr>
-          <p:cNvPr id="56323" name="Rectangle 1026"/>
-          <p:cNvSpPr>
-            <a:spLocks noGrp="1" noChangeArrowheads="1"/>
-          </p:cNvSpPr>
-          <p:nvPr>
-            <p:ph type="title"/>
-          </p:nvPr>
-        </p:nvSpPr>
-        <p:spPr>
-          <a:xfrm>
-            <a:off x="782638" y="266700"/>
-            <a:ext cx="8162925" cy="836613"/>
-          </a:xfrm>
-        </p:spPr>
-        <p:txBody>
-          <a:bodyPr/>
-          <a:lstStyle/>
-          <a:p>
-            <a:pPr eaLnBrk="1" hangingPunct="1"/>
-            <a:r>
-              <a:rPr lang="en-US" dirty="0">
-                <a:ea typeface="ＭＳ Ｐゴシック" pitchFamily="34" charset="-128"/>
-              </a:rPr>
-              <a:t>Generators: using </a:t>
-            </a:r>
-            <a:r>
-              <a:rPr lang="en-US" dirty="0">
-                <a:latin typeface="Courier" pitchFamily="2" charset="0"/>
-                <a:ea typeface="ＭＳ Ｐゴシック" pitchFamily="34" charset="-128"/>
-              </a:rPr>
-              <a:t>yield</a:t>
-            </a:r>
-          </a:p>
-        </p:txBody>
-      </p:sp>
-      <p:sp>
-        <p:nvSpPr>
-          <p:cNvPr id="56324" name="Rectangle 1027"/>
-          <p:cNvSpPr>
-            <a:spLocks noGrp="1" noChangeArrowheads="1"/>
-          </p:cNvSpPr>
-          <p:nvPr>
-            <p:ph type="body" idx="1"/>
-          </p:nvPr>
-        </p:nvSpPr>
-        <p:spPr>
-          <a:xfrm>
-            <a:off x="912813" y="1143000"/>
-            <a:ext cx="8110537" cy="4953000"/>
-          </a:xfrm>
-        </p:spPr>
-        <p:txBody>
-          <a:bodyPr/>
-          <a:lstStyle/>
-          <a:p>
-            <a:pPr eaLnBrk="1" hangingPunct="1">
-              <a:lnSpc>
-                <a:spcPct val="90000"/>
-              </a:lnSpc>
-            </a:pPr>
-            <a:r>
-              <a:rPr lang="en-US" dirty="0">
-                <a:ea typeface="ＭＳ Ｐゴシック" pitchFamily="34" charset="-128"/>
-              </a:rPr>
-              <a:t>Generators are iterators (with </a:t>
-            </a:r>
-            <a:r>
-              <a:rPr lang="en-US" dirty="0">
-                <a:latin typeface="Courier" pitchFamily="2" charset="0"/>
-                <a:ea typeface="ＭＳ Ｐゴシック" pitchFamily="34" charset="-128"/>
-              </a:rPr>
-              <a:t>__next()__ </a:t>
-            </a:r>
-            <a:r>
-              <a:rPr lang="en-US" dirty="0">
-                <a:ea typeface="ＭＳ Ｐゴシック" pitchFamily="34" charset="-128"/>
-              </a:rPr>
-              <a:t>method)</a:t>
-            </a:r>
-          </a:p>
-          <a:p>
-            <a:pPr eaLnBrk="1" hangingPunct="1">
-              <a:lnSpc>
-                <a:spcPct val="90000"/>
-              </a:lnSpc>
-            </a:pPr>
-            <a:r>
-              <a:rPr lang="en-US" dirty="0">
-                <a:ea typeface="ＭＳ Ｐゴシック" pitchFamily="34" charset="-128"/>
-              </a:rPr>
-              <a:t>Creating Generators: </a:t>
-            </a:r>
-            <a:r>
-              <a:rPr lang="en-US" dirty="0">
-                <a:latin typeface="Courier New" charset="0"/>
-                <a:ea typeface="Courier New" charset="0"/>
-                <a:cs typeface="Courier New" charset="0"/>
-              </a:rPr>
-              <a:t>yield</a:t>
-            </a:r>
-          </a:p>
-          <a:p>
-            <a:pPr lvl="1" eaLnBrk="1" hangingPunct="1">
-              <a:lnSpc>
-                <a:spcPct val="90000"/>
-              </a:lnSpc>
-            </a:pPr>
-            <a:r>
-              <a:rPr lang="en-US" dirty="0">
-                <a:ea typeface="ＭＳ Ｐゴシック" pitchFamily="34" charset="-128"/>
-              </a:rPr>
-              <a:t>Functions that contain the </a:t>
-            </a:r>
-            <a:r>
-              <a:rPr lang="en-US" b="1" dirty="0">
-                <a:latin typeface="Courier New" charset="0"/>
-                <a:ea typeface="Courier New" charset="0"/>
-                <a:cs typeface="Courier New" charset="0"/>
-              </a:rPr>
-              <a:t>yield</a:t>
-            </a:r>
-            <a:r>
-              <a:rPr lang="en-US" dirty="0">
-                <a:ea typeface="ＭＳ Ｐゴシック" pitchFamily="34" charset="-128"/>
-              </a:rPr>
-              <a:t> keyword </a:t>
-            </a:r>
-            <a:r>
-              <a:rPr lang="en-US" b="1" i="1" dirty="0">
-                <a:solidFill>
-                  <a:srgbClr val="FF0000"/>
-                </a:solidFill>
-                <a:ea typeface="ＭＳ Ｐゴシック" pitchFamily="34" charset="-128"/>
-              </a:rPr>
-              <a:t>automatically</a:t>
-            </a:r>
-            <a:r>
-              <a:rPr lang="en-US" dirty="0">
-                <a:ea typeface="ＭＳ Ｐゴシック" pitchFamily="34" charset="-128"/>
-              </a:rPr>
-              <a:t> return a generator when called</a:t>
-            </a:r>
-          </a:p>
-          <a:p>
-            <a:pPr marL="0" indent="0" eaLnBrk="1" hangingPunct="1">
-              <a:lnSpc>
-                <a:spcPct val="90000"/>
-              </a:lnSpc>
-              <a:buNone/>
-            </a:pPr>
-            <a:r>
-              <a:rPr lang="en-US" sz="1800" dirty="0">
-                <a:latin typeface="Courier New" charset="0"/>
-                <a:ea typeface="Courier New" charset="0"/>
-                <a:cs typeface="Courier New" charset="0"/>
-              </a:rPr>
-              <a:t>&gt;&gt;&gt; </a:t>
-            </a:r>
-            <a:r>
-              <a:rPr lang="en-US" sz="1800" dirty="0" err="1">
-                <a:latin typeface="Courier New" charset="0"/>
-                <a:ea typeface="Courier New" charset="0"/>
-                <a:cs typeface="Courier New" charset="0"/>
-              </a:rPr>
-              <a:t>def</a:t>
-            </a:r>
-            <a:r>
-              <a:rPr lang="en-US" sz="1800" dirty="0">
-                <a:latin typeface="Courier New" charset="0"/>
-                <a:ea typeface="Courier New" charset="0"/>
-                <a:cs typeface="Courier New" charset="0"/>
-              </a:rPr>
-              <a:t> f(n):</a:t>
-            </a:r>
-          </a:p>
-          <a:p>
-            <a:pPr marL="0" indent="0" eaLnBrk="1" hangingPunct="1">
-              <a:lnSpc>
-                <a:spcPct val="90000"/>
-              </a:lnSpc>
-              <a:buNone/>
-            </a:pPr>
-            <a:r>
-              <a:rPr lang="en-US" sz="1800" dirty="0">
-                <a:latin typeface="Courier New" charset="0"/>
-                <a:ea typeface="Courier New" charset="0"/>
-                <a:cs typeface="Courier New" charset="0"/>
-              </a:rPr>
-              <a:t>...   yield n</a:t>
-            </a:r>
-          </a:p>
-          <a:p>
-            <a:pPr marL="0" indent="0" eaLnBrk="1" hangingPunct="1">
-              <a:lnSpc>
-                <a:spcPct val="90000"/>
-              </a:lnSpc>
-              <a:buNone/>
-            </a:pPr>
-            <a:r>
-              <a:rPr lang="en-US" sz="1800" dirty="0">
-                <a:latin typeface="Courier New" charset="0"/>
-                <a:ea typeface="Courier New" charset="0"/>
-                <a:cs typeface="Courier New" charset="0"/>
-              </a:rPr>
-              <a:t>...   yield n+1</a:t>
-            </a:r>
-          </a:p>
-          <a:p>
-            <a:pPr marL="0" indent="0" eaLnBrk="1" hangingPunct="1">
-              <a:lnSpc>
-                <a:spcPct val="90000"/>
-              </a:lnSpc>
-              <a:buNone/>
-            </a:pPr>
-            <a:r>
-              <a:rPr lang="en-US" sz="1800" dirty="0">
-                <a:latin typeface="Courier New" charset="0"/>
-                <a:ea typeface="Courier New" charset="0"/>
-                <a:cs typeface="Courier New" charset="0"/>
-              </a:rPr>
-              <a:t>...</a:t>
-            </a:r>
-          </a:p>
-          <a:p>
-            <a:pPr marL="0" indent="0" eaLnBrk="1" hangingPunct="1">
-              <a:lnSpc>
-                <a:spcPct val="90000"/>
-              </a:lnSpc>
-              <a:buNone/>
-            </a:pPr>
-            <a:r>
-              <a:rPr lang="en-US" sz="1800" dirty="0">
-                <a:latin typeface="Courier New" charset="0"/>
-                <a:ea typeface="Courier New" charset="0"/>
-                <a:cs typeface="Courier New" charset="0"/>
-              </a:rPr>
-              <a:t>&gt;&gt;&gt;</a:t>
-            </a:r>
-          </a:p>
-          <a:p>
-            <a:pPr marL="0" indent="0" eaLnBrk="1" hangingPunct="1">
-              <a:lnSpc>
-                <a:spcPct val="90000"/>
-              </a:lnSpc>
-              <a:buNone/>
-            </a:pPr>
-            <a:r>
-              <a:rPr lang="en-US" sz="1800" dirty="0">
-                <a:latin typeface="Courier New" charset="0"/>
-                <a:ea typeface="Courier New" charset="0"/>
-                <a:cs typeface="Courier New" charset="0"/>
-              </a:rPr>
-              <a:t>&gt;&gt;&gt; type(f)</a:t>
-            </a:r>
-          </a:p>
-          <a:p>
-            <a:pPr marL="0" indent="0" eaLnBrk="1" hangingPunct="1">
-              <a:lnSpc>
-                <a:spcPct val="90000"/>
-              </a:lnSpc>
-              <a:buNone/>
-            </a:pPr>
-            <a:r>
-              <a:rPr lang="en-US" sz="1800" dirty="0">
-                <a:solidFill>
-                  <a:schemeClr val="accent2"/>
-                </a:solidFill>
-                <a:latin typeface="Courier New" charset="0"/>
-                <a:ea typeface="Courier New" charset="0"/>
-                <a:cs typeface="Courier New" charset="0"/>
-              </a:rPr>
-              <a:t>&lt;class 'function'&gt;</a:t>
-            </a:r>
-          </a:p>
-          <a:p>
-            <a:pPr marL="0" indent="0" eaLnBrk="1" hangingPunct="1">
-              <a:lnSpc>
-                <a:spcPct val="90000"/>
-              </a:lnSpc>
-              <a:buNone/>
-            </a:pPr>
-            <a:r>
-              <a:rPr lang="en-US" sz="1800" dirty="0">
-                <a:latin typeface="Courier New" charset="0"/>
-                <a:ea typeface="Courier New" charset="0"/>
-                <a:cs typeface="Courier New" charset="0"/>
-              </a:rPr>
-              <a:t>&gt;&gt;&gt; type(f(5))</a:t>
-            </a:r>
-          </a:p>
-          <a:p>
-            <a:pPr marL="0" indent="0" eaLnBrk="1" hangingPunct="1">
-              <a:lnSpc>
-                <a:spcPct val="90000"/>
-              </a:lnSpc>
-              <a:buNone/>
-            </a:pPr>
-            <a:r>
-              <a:rPr lang="en-US" sz="1800" dirty="0">
-                <a:solidFill>
-                  <a:schemeClr val="accent2"/>
-                </a:solidFill>
-                <a:latin typeface="Courier New" charset="0"/>
-                <a:ea typeface="Courier New" charset="0"/>
-                <a:cs typeface="Courier New" charset="0"/>
-              </a:rPr>
-              <a:t>&lt;class 'generator'&gt;</a:t>
-            </a:r>
-          </a:p>
-          <a:p>
-            <a:pPr marL="0" indent="0" eaLnBrk="1" hangingPunct="1">
-              <a:lnSpc>
-                <a:spcPct val="90000"/>
-              </a:lnSpc>
-              <a:buNone/>
-            </a:pPr>
-            <a:r>
-              <a:rPr lang="en-US" sz="1800" dirty="0">
-                <a:latin typeface="Courier New" charset="0"/>
-                <a:ea typeface="Courier New" charset="0"/>
-                <a:cs typeface="Courier New" charset="0"/>
-              </a:rPr>
-              <a:t>&gt;&gt;&gt; [i for i in f(6)]</a:t>
-            </a:r>
-          </a:p>
-          <a:p>
-            <a:pPr marL="0" indent="0" eaLnBrk="1" hangingPunct="1">
-              <a:lnSpc>
-                <a:spcPct val="90000"/>
-              </a:lnSpc>
-              <a:buNone/>
-            </a:pPr>
-            <a:r>
-              <a:rPr lang="en-US" sz="1800" dirty="0">
-                <a:solidFill>
-                  <a:schemeClr val="accent2"/>
-                </a:solidFill>
-                <a:latin typeface="Courier New" charset="0"/>
-                <a:ea typeface="Courier New" charset="0"/>
-                <a:cs typeface="Courier New" charset="0"/>
-              </a:rPr>
-              <a:t>[6, 7]</a:t>
-            </a:r>
-          </a:p>
-          <a:p>
-            <a:pPr eaLnBrk="1" hangingPunct="1">
-              <a:lnSpc>
-                <a:spcPct val="90000"/>
-              </a:lnSpc>
-              <a:buFont typeface="Wingdings" pitchFamily="2" charset="2"/>
-              <a:buNone/>
-            </a:pPr>
-            <a:endParaRPr lang="en-US" sz="2000" dirty="0">
-              <a:latin typeface="Courier New" pitchFamily="49" charset="0"/>
-              <a:ea typeface="ＭＳ Ｐゴシック" pitchFamily="34" charset="-128"/>
-            </a:endParaRPr>
-          </a:p>
-          <a:p>
-            <a:pPr eaLnBrk="1" hangingPunct="1">
-              <a:lnSpc>
-                <a:spcPct val="90000"/>
-              </a:lnSpc>
-              <a:buFont typeface="Wingdings" pitchFamily="2" charset="2"/>
-              <a:buNone/>
-            </a:pPr>
-            <a:r>
-              <a:rPr lang="en-US" sz="2000" dirty="0">
-                <a:latin typeface="Courier New" pitchFamily="49" charset="0"/>
-                <a:ea typeface="ＭＳ Ｐゴシック" pitchFamily="34" charset="-128"/>
-              </a:rPr>
-              <a:t>	</a:t>
-            </a:r>
-          </a:p>
-          <a:p>
-            <a:pPr eaLnBrk="1" hangingPunct="1">
-              <a:lnSpc>
-                <a:spcPct val="90000"/>
-              </a:lnSpc>
-            </a:pPr>
-            <a:endParaRPr lang="en-US" sz="2800" dirty="0">
-              <a:ea typeface="ＭＳ Ｐゴシック" pitchFamily="34" charset="-128"/>
-            </a:endParaRPr>
-          </a:p>
-          <a:p>
-            <a:pPr eaLnBrk="1" hangingPunct="1">
-              <a:lnSpc>
-                <a:spcPct val="90000"/>
-              </a:lnSpc>
-            </a:pPr>
-            <a:endParaRPr lang="en-US" sz="2800" dirty="0">
-              <a:ea typeface="ＭＳ Ｐゴシック" pitchFamily="34" charset="-128"/>
-            </a:endParaRPr>
-          </a:p>
-        </p:txBody>
-      </p:sp>
-      <p:sp>
-        <p:nvSpPr>
-          <p:cNvPr id="7" name="Date Placeholder 6"/>
-          <p:cNvSpPr>
-            <a:spLocks noGrp="1"/>
-          </p:cNvSpPr>
-          <p:nvPr>
-            <p:ph type="dt" sz="quarter" idx="10"/>
-          </p:nvPr>
-        </p:nvSpPr>
-        <p:spPr/>
-        <p:txBody>
-          <a:bodyPr/>
-          <a:lstStyle/>
-          <a:p>
-            <a:pPr>
-              <a:defRPr/>
-            </a:pPr>
-            <a:r>
-              <a:rPr lang="en-US"/>
-              <a:t>CIS 421/521 - Fall 2018</a:t>
-            </a:r>
-            <a:endParaRPr lang="en-US" dirty="0"/>
-          </a:p>
-        </p:txBody>
-      </p:sp>
-    </p:spTree>
-    <p:extLst>
-      <p:ext uri="{BB962C8B-B14F-4D97-AF65-F5344CB8AC3E}">
-        <p14:creationId xmlns:p14="http://schemas.microsoft.com/office/powerpoint/2010/main" val="1279360049"/>
-      </p:ext>
-    </p:extLst>
-  </p:cSld>
-  <p:clrMapOvr>
-    <a:masterClrMapping/>
-  </p:clrMapOvr>
-  <p:transition/>
-</p:sld>
-</file>
-
-<file path=ppt/slides/slide40.xml><?xml version="1.0" encoding="utf-8"?>
-<p:sld xmlns:a="http://schemas.openxmlformats.org/drawingml/2006/main" xmlns:r="http://schemas.openxmlformats.org/officeDocument/2006/relationships" xmlns:p="http://schemas.openxmlformats.org/presentationml/2006/main">
-  <p:cSld>
-    <p:spTree>
-      <p:nvGrpSpPr>
-        <p:cNvPr id="1" name=""/>
-        <p:cNvGrpSpPr/>
-        <p:nvPr/>
-      </p:nvGrpSpPr>
-      <p:grpSpPr>
-        <a:xfrm>
-          <a:off x="0" y="0"/>
-          <a:ext cx="0" cy="0"/>
-          <a:chOff x="0" y="0"/>
-          <a:chExt cx="0" cy="0"/>
-        </a:xfrm>
-      </p:grpSpPr>
-      <p:sp>
-        <p:nvSpPr>
-          <p:cNvPr id="2" name="Title 1"/>
-          <p:cNvSpPr>
-            <a:spLocks noGrp="1"/>
-          </p:cNvSpPr>
-          <p:nvPr>
-            <p:ph type="title"/>
-          </p:nvPr>
-        </p:nvSpPr>
-        <p:spPr/>
-        <p:txBody>
-          <a:bodyPr/>
-          <a:lstStyle/>
-          <a:p>
-            <a:r>
-              <a:rPr lang="en-US" dirty="0"/>
-              <a:t>Profiling, function level</a:t>
-            </a:r>
-          </a:p>
-        </p:txBody>
-      </p:sp>
-      <p:sp>
-        <p:nvSpPr>
-          <p:cNvPr id="3" name="Content Placeholder 2"/>
-          <p:cNvSpPr>
-            <a:spLocks noGrp="1"/>
-          </p:cNvSpPr>
-          <p:nvPr>
-            <p:ph idx="1"/>
-          </p:nvPr>
-        </p:nvSpPr>
-        <p:spPr>
-          <a:xfrm>
-            <a:off x="685800" y="1066800"/>
-            <a:ext cx="7772400" cy="4572000"/>
-          </a:xfrm>
-        </p:spPr>
-        <p:txBody>
-          <a:bodyPr/>
-          <a:lstStyle/>
-          <a:p>
-            <a:r>
-              <a:rPr lang="en-US" dirty="0"/>
-              <a:t>Rudimentary</a:t>
-            </a:r>
-          </a:p>
-          <a:p>
-            <a:pPr marL="857250" lvl="2" indent="0">
-              <a:buNone/>
-            </a:pPr>
-            <a:r>
-              <a:rPr lang="en-US" b="1" dirty="0">
-                <a:latin typeface="Courier New" charset="0"/>
-                <a:ea typeface="Courier New" charset="0"/>
-                <a:cs typeface="Courier New" charset="0"/>
-              </a:rPr>
-              <a:t>&gt;&gt;&gt; import time </a:t>
-            </a:r>
-          </a:p>
-          <a:p>
-            <a:pPr marL="857250" lvl="2" indent="0">
-              <a:buNone/>
-            </a:pPr>
-            <a:r>
-              <a:rPr lang="en-US" b="1" dirty="0">
-                <a:latin typeface="Courier New" charset="0"/>
-                <a:ea typeface="Courier New" charset="0"/>
-                <a:cs typeface="Courier New" charset="0"/>
-              </a:rPr>
-              <a:t>&gt;&gt;&gt; t0 = </a:t>
-            </a:r>
-            <a:r>
-              <a:rPr lang="en-US" b="1" dirty="0" err="1">
-                <a:latin typeface="Courier New" charset="0"/>
-                <a:ea typeface="Courier New" charset="0"/>
-                <a:cs typeface="Courier New" charset="0"/>
-              </a:rPr>
-              <a:t>time.time</a:t>
-            </a:r>
-            <a:r>
-              <a:rPr lang="en-US" b="1" dirty="0">
-                <a:latin typeface="Courier New" charset="0"/>
-                <a:ea typeface="Courier New" charset="0"/>
-                <a:cs typeface="Courier New" charset="0"/>
-              </a:rPr>
-              <a:t>() </a:t>
-            </a:r>
-          </a:p>
-          <a:p>
-            <a:pPr marL="857250" lvl="2" indent="0">
-              <a:buNone/>
-            </a:pPr>
-            <a:r>
-              <a:rPr lang="en-US" b="1" dirty="0">
-                <a:latin typeface="Courier New" charset="0"/>
-                <a:ea typeface="Courier New" charset="0"/>
-                <a:cs typeface="Courier New" charset="0"/>
-              </a:rPr>
-              <a:t>&gt;&gt;&gt; </a:t>
-            </a:r>
-            <a:r>
-              <a:rPr lang="en-US" b="1" dirty="0" err="1">
-                <a:latin typeface="Courier New" charset="0"/>
-                <a:ea typeface="Courier New" charset="0"/>
-                <a:cs typeface="Courier New" charset="0"/>
-              </a:rPr>
-              <a:t>code_block</a:t>
-            </a:r>
-            <a:r>
-              <a:rPr lang="en-US" b="1" dirty="0">
-                <a:latin typeface="Courier New" charset="0"/>
-                <a:ea typeface="Courier New" charset="0"/>
-                <a:cs typeface="Courier New" charset="0"/>
-              </a:rPr>
-              <a:t> </a:t>
-            </a:r>
-          </a:p>
-          <a:p>
-            <a:pPr marL="857250" lvl="2" indent="0">
-              <a:buNone/>
-            </a:pPr>
-            <a:r>
-              <a:rPr lang="en-US" b="1" dirty="0">
-                <a:latin typeface="Courier New" charset="0"/>
-                <a:ea typeface="Courier New" charset="0"/>
-                <a:cs typeface="Courier New" charset="0"/>
-              </a:rPr>
-              <a:t>&gt;&gt;&gt; t1 = </a:t>
-            </a:r>
-            <a:r>
-              <a:rPr lang="en-US" b="1" dirty="0" err="1">
-                <a:latin typeface="Courier New" charset="0"/>
-                <a:ea typeface="Courier New" charset="0"/>
-                <a:cs typeface="Courier New" charset="0"/>
-              </a:rPr>
-              <a:t>time.time</a:t>
-            </a:r>
-            <a:r>
-              <a:rPr lang="en-US" b="1" dirty="0">
-                <a:latin typeface="Courier New" charset="0"/>
-                <a:ea typeface="Courier New" charset="0"/>
-                <a:cs typeface="Courier New" charset="0"/>
-              </a:rPr>
-              <a:t>() </a:t>
-            </a:r>
-          </a:p>
-          <a:p>
-            <a:pPr marL="857250" lvl="2" indent="0">
-              <a:buNone/>
-            </a:pPr>
-            <a:r>
-              <a:rPr lang="en-US" b="1" dirty="0">
-                <a:latin typeface="Courier New" charset="0"/>
-                <a:ea typeface="Courier New" charset="0"/>
-                <a:cs typeface="Courier New" charset="0"/>
-              </a:rPr>
-              <a:t>&gt;&gt;&gt; total = t1-t0</a:t>
-            </a:r>
-          </a:p>
-          <a:p>
-            <a:r>
-              <a:rPr lang="en-US" dirty="0" err="1"/>
-              <a:t>Timeit</a:t>
-            </a:r>
-            <a:r>
-              <a:rPr lang="en-US" dirty="0"/>
-              <a:t> (more precise)</a:t>
-            </a:r>
-          </a:p>
-          <a:p>
-            <a:pPr marL="800100" lvl="2" indent="0">
-              <a:buNone/>
-            </a:pPr>
-            <a:r>
-              <a:rPr lang="en-US" b="1" dirty="0">
-                <a:latin typeface="Courier New" charset="0"/>
-                <a:ea typeface="Courier New" charset="0"/>
-                <a:cs typeface="Courier New" charset="0"/>
-              </a:rPr>
-              <a:t>&gt;&gt;&gt; import </a:t>
-            </a:r>
-            <a:r>
-              <a:rPr lang="en-US" b="1" dirty="0" err="1">
-                <a:latin typeface="Courier New" charset="0"/>
-                <a:ea typeface="Courier New" charset="0"/>
-                <a:cs typeface="Courier New" charset="0"/>
-              </a:rPr>
-              <a:t>timeit</a:t>
-            </a:r>
-            <a:r>
-              <a:rPr lang="en-US" b="1" dirty="0">
-                <a:latin typeface="Courier New" charset="0"/>
-                <a:ea typeface="Courier New" charset="0"/>
-                <a:cs typeface="Courier New" charset="0"/>
-              </a:rPr>
-              <a:t> </a:t>
-            </a:r>
-          </a:p>
-          <a:p>
-            <a:pPr marL="800100" lvl="2" indent="0">
-              <a:buNone/>
-            </a:pPr>
-            <a:r>
-              <a:rPr lang="en-US" b="1" dirty="0">
-                <a:latin typeface="Courier New" charset="0"/>
-                <a:ea typeface="Courier New" charset="0"/>
-                <a:cs typeface="Courier New" charset="0"/>
-              </a:rPr>
-              <a:t>&gt;&gt;&gt; t = </a:t>
-            </a:r>
-            <a:r>
-              <a:rPr lang="en-US" b="1" dirty="0" err="1">
-                <a:latin typeface="Courier New" charset="0"/>
-                <a:ea typeface="Courier New" charset="0"/>
-                <a:cs typeface="Courier New" charset="0"/>
-              </a:rPr>
-              <a:t>timeit.Timer</a:t>
-            </a:r>
-            <a:r>
-              <a:rPr lang="en-US" b="1" dirty="0">
-                <a:latin typeface="Courier New" charset="0"/>
-                <a:ea typeface="Courier New" charset="0"/>
-                <a:cs typeface="Courier New" charset="0"/>
-              </a:rPr>
-              <a:t>(”&lt;statement to time&gt;", ”&lt;setup code&gt;") </a:t>
-            </a:r>
-          </a:p>
-          <a:p>
-            <a:pPr marL="800100" lvl="2" indent="0">
-              <a:buNone/>
-            </a:pPr>
-            <a:r>
-              <a:rPr lang="en-US" b="1" dirty="0">
-                <a:latin typeface="Courier New" charset="0"/>
-                <a:ea typeface="Courier New" charset="0"/>
-                <a:cs typeface="Courier New" charset="0"/>
-              </a:rPr>
-              <a:t>&gt;&gt;&gt; </a:t>
-            </a:r>
-            <a:r>
-              <a:rPr lang="en-US" b="1" dirty="0" err="1">
-                <a:latin typeface="Courier New" charset="0"/>
-                <a:ea typeface="Courier New" charset="0"/>
-                <a:cs typeface="Courier New" charset="0"/>
-              </a:rPr>
-              <a:t>t.timeit</a:t>
-            </a:r>
-            <a:r>
-              <a:rPr lang="en-US" b="1" dirty="0">
-                <a:latin typeface="Courier New" charset="0"/>
-                <a:ea typeface="Courier New" charset="0"/>
-                <a:cs typeface="Courier New" charset="0"/>
-              </a:rPr>
-              <a:t>()</a:t>
-            </a:r>
-          </a:p>
-          <a:p>
-            <a:pPr lvl="1"/>
-            <a:r>
-              <a:rPr lang="en-US" dirty="0"/>
-              <a:t>The second argument is usually an import that sets up a virtual environment for the statement </a:t>
-            </a:r>
-          </a:p>
-          <a:p>
-            <a:pPr lvl="1"/>
-            <a:r>
-              <a:rPr lang="en-US" b="1" dirty="0" err="1">
-                <a:latin typeface="Courier New" panose="02070309020205020404" pitchFamily="49" charset="0"/>
-                <a:cs typeface="Courier New" panose="02070309020205020404" pitchFamily="49" charset="0"/>
-              </a:rPr>
-              <a:t>timeit</a:t>
-            </a:r>
-            <a:r>
-              <a:rPr lang="en-US" dirty="0"/>
-              <a:t> calls the statement 1 million times and returns the total elapsed </a:t>
-            </a:r>
-            <a:r>
-              <a:rPr lang="en-US" dirty="0" smtClean="0"/>
-              <a:t>time, </a:t>
-            </a:r>
-            <a:r>
-              <a:rPr lang="en-US" b="1" dirty="0" smtClean="0">
-                <a:latin typeface="Courier New" panose="02070309020205020404" pitchFamily="49" charset="0"/>
-                <a:cs typeface="Courier New" panose="02070309020205020404" pitchFamily="49" charset="0"/>
-              </a:rPr>
-              <a:t>number</a:t>
-            </a:r>
-            <a:r>
-              <a:rPr lang="en-US" dirty="0"/>
-              <a:t> </a:t>
-            </a:r>
-            <a:r>
-              <a:rPr lang="en-US" dirty="0" smtClean="0"/>
-              <a:t>argument specifies number of times to run it.</a:t>
-            </a:r>
-            <a:endParaRPr lang="en-US" dirty="0"/>
-          </a:p>
-        </p:txBody>
-      </p:sp>
-      <p:sp>
-        <p:nvSpPr>
-          <p:cNvPr id="4" name="Date Placeholder 3"/>
-          <p:cNvSpPr>
-            <a:spLocks noGrp="1"/>
-          </p:cNvSpPr>
-          <p:nvPr>
-            <p:ph type="dt" sz="half" idx="10"/>
-          </p:nvPr>
-        </p:nvSpPr>
-        <p:spPr/>
-        <p:txBody>
-          <a:bodyPr/>
-          <a:lstStyle/>
-          <a:p>
-            <a:pPr>
-              <a:defRPr/>
-            </a:pPr>
-            <a:r>
-              <a:rPr lang="en-US" altLang="en-US" dirty="0"/>
-              <a:t>CIS 521 - Fall 2018</a:t>
-            </a:r>
-          </a:p>
-        </p:txBody>
-      </p:sp>
-      <p:sp>
-        <p:nvSpPr>
-          <p:cNvPr id="6" name="Slide Number Placeholder 5"/>
-          <p:cNvSpPr>
-            <a:spLocks noGrp="1"/>
-          </p:cNvSpPr>
-          <p:nvPr>
-            <p:ph type="sldNum" sz="quarter" idx="12"/>
-          </p:nvPr>
-        </p:nvSpPr>
-        <p:spPr/>
-        <p:txBody>
-          <a:bodyPr/>
-          <a:lstStyle/>
-          <a:p>
-            <a:pPr>
-              <a:defRPr/>
-            </a:pPr>
-            <a:r>
-              <a:rPr lang="en-US" altLang="en-US"/>
-              <a:t>       </a:t>
-            </a:r>
-            <a:fld id="{FF218A79-847B-4EDE-B641-1522D2F7CD57}" type="slidenum">
-              <a:rPr lang="en-US" altLang="en-US" smtClean="0"/>
-              <a:pPr>
-                <a:defRPr/>
-              </a:pPr>
-              <a:t>40</a:t>
-            </a:fld>
-            <a:endParaRPr lang="en-US" altLang="en-US"/>
-          </a:p>
-        </p:txBody>
-      </p:sp>
-    </p:spTree>
-    <p:extLst>
-      <p:ext uri="{BB962C8B-B14F-4D97-AF65-F5344CB8AC3E}">
-        <p14:creationId xmlns:p14="http://schemas.microsoft.com/office/powerpoint/2010/main" val="1111631288"/>
-      </p:ext>
-    </p:extLst>
-  </p:cSld>
-  <p:clrMapOvr>
-    <a:masterClrMapping/>
-  </p:clrMapOvr>
-  <p:transition/>
-</p:sld>
-</file>
-
 <file path=ppt/slides/slide41.xml><?xml version="1.0" encoding="utf-8"?>
 <p:sld xmlns:a="http://schemas.openxmlformats.org/drawingml/2006/main" xmlns:r="http://schemas.openxmlformats.org/officeDocument/2006/relationships" xmlns:p="http://schemas.openxmlformats.org/presentationml/2006/main">
   <p:cSld>
@@ -29829,7 +30075,7 @@
           <a:p>
             <a:r>
               <a:rPr lang="en-US" dirty="0"/>
-              <a:t>Profiling, script level 1</a:t>
+              <a:t>Profiling, function level</a:t>
             </a:r>
           </a:p>
         </p:txBody>
@@ -29846,281 +30092,269 @@
         </p:nvSpPr>
         <p:spPr>
           <a:xfrm>
-            <a:off x="2628900" y="1391920"/>
-            <a:ext cx="3886200" cy="4572000"/>
+            <a:off x="685800" y="1066800"/>
+            <a:ext cx="7772400" cy="4572000"/>
           </a:xfrm>
         </p:spPr>
         <p:txBody>
           <a:bodyPr/>
           <a:lstStyle/>
           <a:p>
-            <a:pPr marL="0" indent="0">
+            <a:r>
+              <a:rPr lang="en-US" dirty="0"/>
+              <a:t>Rudimentary</a:t>
+            </a:r>
+          </a:p>
+          <a:p>
+            <a:pPr marL="857250" lvl="2" indent="0">
               <a:buNone/>
             </a:pPr>
             <a:r>
-              <a:rPr lang="en-US" sz="1800" dirty="0">
+              <a:rPr lang="en-US" b="1" dirty="0">
                 <a:latin typeface="Courier New" charset="0"/>
                 <a:ea typeface="Courier New" charset="0"/>
                 <a:cs typeface="Courier New" charset="0"/>
               </a:rPr>
-              <a:t># </a:t>
-            </a:r>
-            <a:r>
-              <a:rPr lang="en-US" sz="1800" dirty="0" err="1">
+              <a:t>&gt;&gt;&gt; import time </a:t>
+            </a:r>
+          </a:p>
+          <a:p>
+            <a:pPr marL="857250" lvl="2" indent="0">
+              <a:buNone/>
+            </a:pPr>
+            <a:r>
+              <a:rPr lang="en-US" b="1" dirty="0">
                 <a:latin typeface="Courier New" charset="0"/>
                 <a:ea typeface="Courier New" charset="0"/>
                 <a:cs typeface="Courier New" charset="0"/>
               </a:rPr>
-              <a:t>to_time.py</a:t>
-            </a:r>
-            <a:endParaRPr lang="en-US" sz="1800" dirty="0">
-              <a:latin typeface="Courier New" charset="0"/>
-              <a:ea typeface="Courier New" charset="0"/>
-              <a:cs typeface="Courier New" charset="0"/>
-            </a:endParaRPr>
-          </a:p>
-          <a:p>
-            <a:pPr marL="0" indent="0">
-              <a:buNone/>
-            </a:pPr>
-            <a:endParaRPr lang="en-US" sz="1800" dirty="0">
-              <a:latin typeface="Courier New" charset="0"/>
-              <a:ea typeface="Courier New" charset="0"/>
-              <a:cs typeface="Courier New" charset="0"/>
-            </a:endParaRPr>
-          </a:p>
-          <a:p>
-            <a:pPr marL="0" indent="0">
-              <a:buNone/>
-            </a:pPr>
-            <a:r>
-              <a:rPr lang="en-US" sz="1800" dirty="0" err="1">
+              <a:t>&gt;&gt;&gt; t0 = </a:t>
+            </a:r>
+            <a:r>
+              <a:rPr lang="en-US" b="1" dirty="0" err="1">
                 <a:latin typeface="Courier New" charset="0"/>
                 <a:ea typeface="Courier New" charset="0"/>
                 <a:cs typeface="Courier New" charset="0"/>
               </a:rPr>
-              <a:t>def</a:t>
-            </a:r>
-            <a:r>
-              <a:rPr lang="en-US" sz="1800" dirty="0">
+              <a:t>time.time</a:t>
+            </a:r>
+            <a:r>
+              <a:rPr lang="en-US" b="1" dirty="0">
                 <a:latin typeface="Courier New" charset="0"/>
                 <a:ea typeface="Courier New" charset="0"/>
                 <a:cs typeface="Courier New" charset="0"/>
               </a:rPr>
-              <a:t> </a:t>
-            </a:r>
-            <a:r>
-              <a:rPr lang="en-US" sz="1800" dirty="0" err="1">
+              <a:t>() </a:t>
+            </a:r>
+          </a:p>
+          <a:p>
+            <a:pPr marL="857250" lvl="2" indent="0">
+              <a:buNone/>
+            </a:pPr>
+            <a:r>
+              <a:rPr lang="en-US" b="1" dirty="0">
                 <a:latin typeface="Courier New" charset="0"/>
                 <a:ea typeface="Courier New" charset="0"/>
                 <a:cs typeface="Courier New" charset="0"/>
               </a:rPr>
-              <a:t>get_number</a:t>
-            </a:r>
-            <a:r>
-              <a:rPr lang="en-US" sz="1800" dirty="0">
+              <a:t>&gt;&gt;&gt; </a:t>
+            </a:r>
+            <a:r>
+              <a:rPr lang="en-US" b="1" dirty="0" err="1">
                 <a:latin typeface="Courier New" charset="0"/>
                 <a:ea typeface="Courier New" charset="0"/>
                 <a:cs typeface="Courier New" charset="0"/>
               </a:rPr>
-              <a:t>():    </a:t>
-            </a:r>
-          </a:p>
-          <a:p>
-            <a:pPr marL="0" indent="0">
-              <a:buNone/>
-            </a:pPr>
-            <a:r>
-              <a:rPr lang="en-US" sz="1800" dirty="0">
+              <a:t>code_block</a:t>
+            </a:r>
+            <a:r>
+              <a:rPr lang="en-US" b="1" dirty="0">
                 <a:latin typeface="Courier New" charset="0"/>
                 <a:ea typeface="Courier New" charset="0"/>
                 <a:cs typeface="Courier New" charset="0"/>
               </a:rPr>
-              <a:t>    for x in range(500000):        </a:t>
-            </a:r>
-          </a:p>
-          <a:p>
-            <a:pPr marL="0" indent="0">
+              <a:t> </a:t>
+            </a:r>
+          </a:p>
+          <a:p>
+            <a:pPr marL="857250" lvl="2" indent="0">
               <a:buNone/>
             </a:pPr>
             <a:r>
-              <a:rPr lang="en-US" sz="1800" dirty="0">
+              <a:rPr lang="en-US" b="1" dirty="0">
                 <a:latin typeface="Courier New" charset="0"/>
                 <a:ea typeface="Courier New" charset="0"/>
                 <a:cs typeface="Courier New" charset="0"/>
               </a:rPr>
-              <a:t>        yield x</a:t>
-            </a:r>
-          </a:p>
-          <a:p>
-            <a:pPr marL="0" indent="0">
-              <a:buNone/>
-            </a:pPr>
-            <a:endParaRPr lang="en-US" sz="1800" dirty="0">
-              <a:latin typeface="Courier New" charset="0"/>
-              <a:ea typeface="Courier New" charset="0"/>
-              <a:cs typeface="Courier New" charset="0"/>
-            </a:endParaRPr>
-          </a:p>
-          <a:p>
-            <a:pPr marL="0" indent="0">
-              <a:buNone/>
-            </a:pPr>
-            <a:r>
-              <a:rPr lang="en-US" sz="1800" dirty="0" err="1">
+              <a:t>&gt;&gt;&gt; t1 = </a:t>
+            </a:r>
+            <a:r>
+              <a:rPr lang="en-US" b="1" dirty="0" err="1">
                 <a:latin typeface="Courier New" charset="0"/>
                 <a:ea typeface="Courier New" charset="0"/>
                 <a:cs typeface="Courier New" charset="0"/>
               </a:rPr>
-              <a:t>def</a:t>
-            </a:r>
-            <a:r>
-              <a:rPr lang="en-US" sz="1800" dirty="0">
+              <a:t>time.time</a:t>
+            </a:r>
+            <a:r>
+              <a:rPr lang="en-US" b="1" dirty="0">
                 <a:latin typeface="Courier New" charset="0"/>
                 <a:ea typeface="Courier New" charset="0"/>
                 <a:cs typeface="Courier New" charset="0"/>
               </a:rPr>
-              <a:t> </a:t>
-            </a:r>
-            <a:r>
-              <a:rPr lang="en-US" sz="1800" dirty="0" err="1">
+              <a:t>() </a:t>
+            </a:r>
+          </a:p>
+          <a:p>
+            <a:pPr marL="857250" lvl="2" indent="0">
+              <a:buNone/>
+            </a:pPr>
+            <a:r>
+              <a:rPr lang="en-US" b="1" dirty="0">
                 <a:latin typeface="Courier New" charset="0"/>
                 <a:ea typeface="Courier New" charset="0"/>
                 <a:cs typeface="Courier New" charset="0"/>
               </a:rPr>
-              <a:t>exp_fn</a:t>
-            </a:r>
-            <a:r>
-              <a:rPr lang="en-US" sz="1800" dirty="0">
+              <a:t>&gt;&gt;&gt; total = t1-t0</a:t>
+            </a:r>
+          </a:p>
+          <a:p>
+            <a:r>
+              <a:rPr lang="en-US" dirty="0" err="1"/>
+              <a:t>Timeit</a:t>
+            </a:r>
+            <a:r>
+              <a:rPr lang="en-US" dirty="0"/>
+              <a:t> (more precise)</a:t>
+            </a:r>
+          </a:p>
+          <a:p>
+            <a:pPr marL="800100" lvl="2" indent="0">
+              <a:buNone/>
+            </a:pPr>
+            <a:r>
+              <a:rPr lang="en-US" b="1" dirty="0">
                 <a:latin typeface="Courier New" charset="0"/>
                 <a:ea typeface="Courier New" charset="0"/>
                 <a:cs typeface="Courier New" charset="0"/>
               </a:rPr>
-              <a:t>():    </a:t>
-            </a:r>
-          </a:p>
-          <a:p>
-            <a:pPr marL="0" indent="0">
-              <a:buNone/>
-            </a:pPr>
-            <a:r>
-              <a:rPr lang="en-US" sz="1800" dirty="0">
+              <a:t>&gt;&gt;&gt; import </a:t>
+            </a:r>
+            <a:r>
+              <a:rPr lang="en-US" b="1" dirty="0" err="1">
                 <a:latin typeface="Courier New" charset="0"/>
                 <a:ea typeface="Courier New" charset="0"/>
                 <a:cs typeface="Courier New" charset="0"/>
               </a:rPr>
-              <a:t>    for x in </a:t>
-            </a:r>
-            <a:r>
-              <a:rPr lang="en-US" sz="1800" dirty="0" err="1">
+              <a:t>timeit</a:t>
+            </a:r>
+            <a:r>
+              <a:rPr lang="en-US" b="1" dirty="0">
                 <a:latin typeface="Courier New" charset="0"/>
                 <a:ea typeface="Courier New" charset="0"/>
                 <a:cs typeface="Courier New" charset="0"/>
               </a:rPr>
-              <a:t>get_number</a:t>
-            </a:r>
-            <a:r>
-              <a:rPr lang="en-US" sz="1800" dirty="0">
+              <a:t> </a:t>
+            </a:r>
+          </a:p>
+          <a:p>
+            <a:pPr marL="800100" lvl="2" indent="0">
+              <a:buNone/>
+            </a:pPr>
+            <a:r>
+              <a:rPr lang="en-US" b="1" dirty="0">
                 <a:latin typeface="Courier New" charset="0"/>
                 <a:ea typeface="Courier New" charset="0"/>
                 <a:cs typeface="Courier New" charset="0"/>
               </a:rPr>
-              <a:t>():        </a:t>
-            </a:r>
-          </a:p>
-          <a:p>
-            <a:pPr marL="0" indent="0">
-              <a:buNone/>
-            </a:pPr>
-            <a:r>
-              <a:rPr lang="en-US" sz="1800" dirty="0">
+              <a:t>&gt;&gt;&gt; t = </a:t>
+            </a:r>
+            <a:r>
+              <a:rPr lang="en-US" b="1" dirty="0" err="1">
                 <a:latin typeface="Courier New" charset="0"/>
                 <a:ea typeface="Courier New" charset="0"/>
                 <a:cs typeface="Courier New" charset="0"/>
               </a:rPr>
-              <a:t>        </a:t>
-            </a:r>
-            <a:r>
-              <a:rPr lang="en-US" sz="1800" dirty="0" err="1">
+              <a:t>timeit.Timer</a:t>
+            </a:r>
+            <a:r>
+              <a:rPr lang="en-US" b="1" dirty="0">
                 <a:latin typeface="Courier New" charset="0"/>
                 <a:ea typeface="Courier New" charset="0"/>
                 <a:cs typeface="Courier New" charset="0"/>
               </a:rPr>
-              <a:t>i</a:t>
-            </a:r>
-            <a:r>
-              <a:rPr lang="en-US" sz="1800" dirty="0">
+              <a:t>(”&lt;statement to time&gt;", ”&lt;setup code&gt;") </a:t>
+            </a:r>
+          </a:p>
+          <a:p>
+            <a:pPr marL="800100" lvl="2" indent="0">
+              <a:buNone/>
+            </a:pPr>
+            <a:r>
+              <a:rPr lang="en-US" b="1" dirty="0">
                 <a:latin typeface="Courier New" charset="0"/>
                 <a:ea typeface="Courier New" charset="0"/>
                 <a:cs typeface="Courier New" charset="0"/>
               </a:rPr>
-              <a:t> = x ^ x ^ x    </a:t>
-            </a:r>
-          </a:p>
-          <a:p>
-            <a:pPr marL="0" indent="0">
-              <a:buNone/>
-            </a:pPr>
-            <a:r>
-              <a:rPr lang="en-US" sz="1800" dirty="0">
+              <a:t>&gt;&gt;&gt; </a:t>
+            </a:r>
+            <a:r>
+              <a:rPr lang="en-US" b="1" dirty="0" err="1">
                 <a:latin typeface="Courier New" charset="0"/>
                 <a:ea typeface="Courier New" charset="0"/>
                 <a:cs typeface="Courier New" charset="0"/>
               </a:rPr>
-              <a:t>    return 'some result!'</a:t>
-            </a:r>
-          </a:p>
-          <a:p>
-            <a:pPr marL="0" indent="0">
-              <a:buNone/>
-            </a:pPr>
-            <a:endParaRPr lang="en-US" sz="1800" dirty="0">
-              <a:latin typeface="Courier New" charset="0"/>
-              <a:ea typeface="Courier New" charset="0"/>
-              <a:cs typeface="Courier New" charset="0"/>
-            </a:endParaRPr>
-          </a:p>
-          <a:p>
-            <a:pPr marL="0" indent="0">
-              <a:buNone/>
-            </a:pPr>
-            <a:r>
-              <a:rPr lang="en-US" sz="1800" dirty="0">
+              <a:t>t.timeit</a:t>
+            </a:r>
+            <a:r>
+              <a:rPr lang="en-US" b="1" dirty="0">
                 <a:latin typeface="Courier New" charset="0"/>
                 <a:ea typeface="Courier New" charset="0"/>
                 <a:cs typeface="Courier New" charset="0"/>
               </a:rPr>
-              <a:t>if __name__ == '__main__':    </a:t>
-            </a:r>
-          </a:p>
-          <a:p>
-            <a:pPr marL="0" indent="0">
-              <a:buNone/>
-            </a:pPr>
-            <a:r>
-              <a:rPr lang="en-US" sz="1800" dirty="0">
-                <a:latin typeface="Courier New" charset="0"/>
-                <a:ea typeface="Courier New" charset="0"/>
-                <a:cs typeface="Courier New" charset="0"/>
-              </a:rPr>
-              <a:t>    </a:t>
-            </a:r>
-            <a:r>
-              <a:rPr lang="en-US" sz="1800" dirty="0" err="1">
-                <a:latin typeface="Courier New" charset="0"/>
-                <a:ea typeface="Courier New" charset="0"/>
-                <a:cs typeface="Courier New" charset="0"/>
-              </a:rPr>
-              <a:t>exp_fn</a:t>
-            </a:r>
-            <a:r>
-              <a:rPr lang="en-US" sz="1800" dirty="0">
-                <a:latin typeface="Courier New" charset="0"/>
-                <a:ea typeface="Courier New" charset="0"/>
-                <a:cs typeface="Courier New" charset="0"/>
-              </a:rPr>
               <a:t>()</a:t>
             </a:r>
+          </a:p>
+          <a:p>
+            <a:pPr lvl="1"/>
+            <a:r>
+              <a:rPr lang="en-US" dirty="0"/>
+              <a:t>The second argument is usually an import that sets up a virtual environment for the statement </a:t>
+            </a:r>
+          </a:p>
+          <a:p>
+            <a:pPr lvl="1"/>
+            <a:r>
+              <a:rPr lang="en-US" b="1" dirty="0" err="1">
+                <a:latin typeface="Courier New" panose="02070309020205020404" pitchFamily="49" charset="0"/>
+                <a:cs typeface="Courier New" panose="02070309020205020404" pitchFamily="49" charset="0"/>
+              </a:rPr>
+              <a:t>timeit</a:t>
+            </a:r>
+            <a:r>
+              <a:rPr lang="en-US" dirty="0"/>
+              <a:t> calls the statement 1 million times and returns the total elapsed </a:t>
+            </a:r>
+            <a:r>
+              <a:rPr lang="en-US" dirty="0" smtClean="0"/>
+              <a:t>time, </a:t>
+            </a:r>
+            <a:r>
+              <a:rPr lang="en-US" b="1" dirty="0" smtClean="0">
+                <a:latin typeface="Courier New" panose="02070309020205020404" pitchFamily="49" charset="0"/>
+                <a:cs typeface="Courier New" panose="02070309020205020404" pitchFamily="49" charset="0"/>
+              </a:rPr>
+              <a:t>number</a:t>
+            </a:r>
+            <a:r>
+              <a:rPr lang="en-US" dirty="0"/>
+              <a:t> </a:t>
+            </a:r>
+            <a:r>
+              <a:rPr lang="en-US" dirty="0" smtClean="0"/>
+              <a:t>argument specifies number of times to run it.</a:t>
+            </a:r>
+            <a:endParaRPr lang="en-US" dirty="0"/>
           </a:p>
         </p:txBody>
       </p:sp>
@@ -30185,7 +30419,7 @@
     </p:spTree>
     <p:extLst>
       <p:ext uri="{BB962C8B-B14F-4D97-AF65-F5344CB8AC3E}">
-        <p14:creationId xmlns:p14="http://schemas.microsoft.com/office/powerpoint/2010/main" val="1232867899"/>
+        <p14:creationId xmlns:p14="http://schemas.microsoft.com/office/powerpoint/2010/main" val="1111631288"/>
       </p:ext>
     </p:extLst>
   </p:cSld>
@@ -30230,7 +30464,7 @@
           <a:p>
             <a:r>
               <a:rPr lang="en-US" dirty="0"/>
-              <a:t>Profiling, script level 2</a:t>
+              <a:t>Profiling, script level 1</a:t>
             </a:r>
           </a:p>
         </p:txBody>
@@ -30247,8 +30481,8 @@
         </p:nvSpPr>
         <p:spPr>
           <a:xfrm>
-            <a:off x="76200" y="1295400"/>
-            <a:ext cx="9067800" cy="4953000"/>
+            <a:off x="2628900" y="1391920"/>
+            <a:ext cx="3886200" cy="4572000"/>
           </a:xfrm>
         </p:spPr>
         <p:txBody>
@@ -30264,13 +30498,16 @@
                 <a:ea typeface="Courier New" charset="0"/>
                 <a:cs typeface="Courier New" charset="0"/>
               </a:rPr>
-              <a:t># python interactive interpreter (REPL)</a:t>
-            </a:r>
-          </a:p>
-          <a:p>
-            <a:pPr marL="0" indent="0">
-              <a:buNone/>
-            </a:pPr>
+              <a:t># </a:t>
+            </a:r>
+            <a:r>
+              <a:rPr lang="en-US" sz="1800" dirty="0" err="1">
+                <a:latin typeface="Courier New" charset="0"/>
+                <a:ea typeface="Courier New" charset="0"/>
+                <a:cs typeface="Courier New" charset="0"/>
+              </a:rPr>
+              <a:t>to_time.py</a:t>
+            </a:r>
             <a:endParaRPr lang="en-US" sz="1800" dirty="0">
               <a:latin typeface="Courier New" charset="0"/>
               <a:ea typeface="Courier New" charset="0"/>
@@ -30281,309 +30518,244 @@
             <a:pPr marL="0" indent="0">
               <a:buNone/>
             </a:pPr>
-            <a:r>
-              <a:rPr lang="en-US" sz="1700" dirty="0">
-                <a:latin typeface="Courier New" charset="0"/>
-                <a:ea typeface="Courier New" charset="0"/>
-                <a:cs typeface="Courier New" charset="0"/>
-              </a:rPr>
-              <a:t>$ </a:t>
-            </a:r>
-            <a:r>
-              <a:rPr lang="en-US" sz="1700" dirty="0">
-                <a:solidFill>
-                  <a:srgbClr val="CE3838"/>
-                </a:solidFill>
-                <a:latin typeface="Courier New" charset="0"/>
-                <a:ea typeface="Courier New" charset="0"/>
-                <a:cs typeface="Courier New" charset="0"/>
-              </a:rPr>
-              <a:t>python -m </a:t>
-            </a:r>
-            <a:r>
-              <a:rPr lang="en-US" sz="1700" dirty="0" err="1">
-                <a:solidFill>
-                  <a:srgbClr val="CE3838"/>
-                </a:solidFill>
-                <a:latin typeface="Courier New" charset="0"/>
-                <a:ea typeface="Courier New" charset="0"/>
-                <a:cs typeface="Courier New" charset="0"/>
-              </a:rPr>
-              <a:t>cProfile</a:t>
-            </a:r>
-            <a:r>
-              <a:rPr lang="en-US" sz="1700" dirty="0">
-                <a:solidFill>
-                  <a:srgbClr val="CE3838"/>
-                </a:solidFill>
-                <a:latin typeface="Courier New" charset="0"/>
-                <a:ea typeface="Courier New" charset="0"/>
-                <a:cs typeface="Courier New" charset="0"/>
-              </a:rPr>
-              <a:t> </a:t>
-            </a:r>
-            <a:r>
-              <a:rPr lang="en-US" sz="1700" dirty="0" err="1">
-                <a:solidFill>
-                  <a:srgbClr val="CE3838"/>
-                </a:solidFill>
-                <a:latin typeface="Courier New" charset="0"/>
-                <a:ea typeface="Courier New" charset="0"/>
-                <a:cs typeface="Courier New" charset="0"/>
-              </a:rPr>
-              <a:t>to_time.py</a:t>
-            </a:r>
-            <a:r>
-              <a:rPr lang="en-US" sz="1700" dirty="0">
-                <a:solidFill>
-                  <a:srgbClr val="CE3838"/>
-                </a:solidFill>
-                <a:latin typeface="Courier New" charset="0"/>
-                <a:ea typeface="Courier New" charset="0"/>
-                <a:cs typeface="Courier New" charset="0"/>
-              </a:rPr>
-              <a:t>         </a:t>
-            </a:r>
-          </a:p>
-          <a:p>
-            <a:pPr marL="0" indent="0">
-              <a:buNone/>
-            </a:pPr>
-            <a:r>
-              <a:rPr lang="en-US" sz="1700" dirty="0">
-                <a:latin typeface="Courier New" charset="0"/>
-                <a:ea typeface="Courier New" charset="0"/>
-                <a:cs typeface="Courier New" charset="0"/>
-              </a:rPr>
-              <a:t>500004 function calls in 0.203 seconds   </a:t>
-            </a:r>
-          </a:p>
-          <a:p>
-            <a:pPr marL="0" indent="0">
-              <a:buNone/>
-            </a:pPr>
-            <a:r>
-              <a:rPr lang="en-US" sz="1700" dirty="0">
-                <a:latin typeface="Courier New" charset="0"/>
-                <a:ea typeface="Courier New" charset="0"/>
-                <a:cs typeface="Courier New" charset="0"/>
-              </a:rPr>
-              <a:t>Ordered by: standard name   </a:t>
-            </a:r>
-          </a:p>
-          <a:p>
-            <a:pPr marL="0" indent="0">
-              <a:buNone/>
-            </a:pPr>
-            <a:r>
-              <a:rPr lang="en-US" sz="1700" dirty="0" err="1">
-                <a:latin typeface="Courier New" charset="0"/>
-                <a:ea typeface="Courier New" charset="0"/>
-                <a:cs typeface="Courier New" charset="0"/>
-              </a:rPr>
-              <a:t>ncalls</a:t>
-            </a:r>
-            <a:r>
-              <a:rPr lang="en-US" sz="1700" dirty="0">
-                <a:latin typeface="Courier New" charset="0"/>
-                <a:ea typeface="Courier New" charset="0"/>
-                <a:cs typeface="Courier New" charset="0"/>
-              </a:rPr>
-              <a:t> </a:t>
-            </a:r>
-            <a:r>
-              <a:rPr lang="en-US" sz="1700" dirty="0" err="1">
-                <a:latin typeface="Courier New" charset="0"/>
-                <a:ea typeface="Courier New" charset="0"/>
-                <a:cs typeface="Courier New" charset="0"/>
-              </a:rPr>
-              <a:t>tottime</a:t>
-            </a:r>
-            <a:r>
-              <a:rPr lang="en-US" sz="1700" dirty="0">
-                <a:latin typeface="Courier New" charset="0"/>
-                <a:ea typeface="Courier New" charset="0"/>
-                <a:cs typeface="Courier New" charset="0"/>
-              </a:rPr>
-              <a:t>  </a:t>
-            </a:r>
-            <a:r>
-              <a:rPr lang="en-US" sz="1700" dirty="0" err="1">
-                <a:latin typeface="Courier New" charset="0"/>
-                <a:ea typeface="Courier New" charset="0"/>
-                <a:cs typeface="Courier New" charset="0"/>
-              </a:rPr>
-              <a:t>percall</a:t>
-            </a:r>
-            <a:r>
-              <a:rPr lang="en-US" sz="1700" dirty="0">
-                <a:latin typeface="Courier New" charset="0"/>
-                <a:ea typeface="Courier New" charset="0"/>
-                <a:cs typeface="Courier New" charset="0"/>
-              </a:rPr>
-              <a:t>  </a:t>
-            </a:r>
-            <a:r>
-              <a:rPr lang="en-US" sz="1700" dirty="0" err="1">
-                <a:latin typeface="Courier New" charset="0"/>
-                <a:ea typeface="Courier New" charset="0"/>
-                <a:cs typeface="Courier New" charset="0"/>
-              </a:rPr>
-              <a:t>cumtime</a:t>
-            </a:r>
-            <a:r>
-              <a:rPr lang="en-US" sz="1700" dirty="0">
-                <a:latin typeface="Courier New" charset="0"/>
-                <a:ea typeface="Courier New" charset="0"/>
-                <a:cs typeface="Courier New" charset="0"/>
-              </a:rPr>
-              <a:t>  </a:t>
-            </a:r>
-            <a:r>
-              <a:rPr lang="en-US" sz="1700" dirty="0" err="1">
-                <a:latin typeface="Courier New" charset="0"/>
-                <a:ea typeface="Courier New" charset="0"/>
-                <a:cs typeface="Courier New" charset="0"/>
-              </a:rPr>
-              <a:t>percall</a:t>
-            </a:r>
-            <a:r>
-              <a:rPr lang="en-US" sz="1700" dirty="0">
-                <a:latin typeface="Courier New" charset="0"/>
-                <a:ea typeface="Courier New" charset="0"/>
-                <a:cs typeface="Courier New" charset="0"/>
-              </a:rPr>
-              <a:t> </a:t>
-            </a:r>
-            <a:r>
-              <a:rPr lang="en-US" sz="1700" dirty="0" err="1">
-                <a:latin typeface="Courier New" charset="0"/>
-                <a:ea typeface="Courier New" charset="0"/>
-                <a:cs typeface="Courier New" charset="0"/>
-              </a:rPr>
-              <a:t>filename:lineno</a:t>
-            </a:r>
-            <a:r>
-              <a:rPr lang="en-US" sz="1700" dirty="0">
-                <a:latin typeface="Courier New" charset="0"/>
-                <a:ea typeface="Courier New" charset="0"/>
-                <a:cs typeface="Courier New" charset="0"/>
-              </a:rPr>
-              <a:t>(function)        </a:t>
-            </a:r>
-          </a:p>
-          <a:p>
-            <a:pPr marL="0" indent="0">
-              <a:buNone/>
-            </a:pPr>
-            <a:r>
-              <a:rPr lang="en-US" sz="1700" dirty="0">
-                <a:latin typeface="Courier New" charset="0"/>
-                <a:ea typeface="Courier New" charset="0"/>
-                <a:cs typeface="Courier New" charset="0"/>
-              </a:rPr>
-              <a:t>1    	0.000    0.000    0.203    0.203 	to_time.py:1(&lt;module&gt;)   </a:t>
-            </a:r>
-          </a:p>
-          <a:p>
-            <a:pPr marL="0" indent="0">
-              <a:buNone/>
-            </a:pPr>
-            <a:r>
-              <a:rPr lang="en-US" sz="1700" dirty="0">
-                <a:latin typeface="Courier New" charset="0"/>
-                <a:ea typeface="Courier New" charset="0"/>
-                <a:cs typeface="Courier New" charset="0"/>
-              </a:rPr>
-              <a:t>500001	0.071    0.000    0.071    0.000 	to_time.py:1(</a:t>
-            </a:r>
-            <a:r>
-              <a:rPr lang="en-US" sz="1700" dirty="0" err="1">
-                <a:latin typeface="Courier New" charset="0"/>
-                <a:ea typeface="Courier New" charset="0"/>
-                <a:cs typeface="Courier New" charset="0"/>
-              </a:rPr>
-              <a:t>get_number</a:t>
-            </a:r>
-            <a:r>
-              <a:rPr lang="en-US" sz="1700" dirty="0">
-                <a:latin typeface="Courier New" charset="0"/>
-                <a:ea typeface="Courier New" charset="0"/>
-                <a:cs typeface="Courier New" charset="0"/>
-              </a:rPr>
-              <a:t>)        1    	0.133    0.133    0.203    0.203 	to_time.py:5(</a:t>
-            </a:r>
-            <a:r>
-              <a:rPr lang="en-US" sz="1700" dirty="0" err="1">
-                <a:latin typeface="Courier New" charset="0"/>
-                <a:ea typeface="Courier New" charset="0"/>
-                <a:cs typeface="Courier New" charset="0"/>
-              </a:rPr>
-              <a:t>exp_fn</a:t>
-            </a:r>
-            <a:r>
-              <a:rPr lang="en-US" sz="1700" dirty="0">
-                <a:latin typeface="Courier New" charset="0"/>
-                <a:ea typeface="Courier New" charset="0"/>
-                <a:cs typeface="Courier New" charset="0"/>
-              </a:rPr>
-              <a:t>)        1    	0.000    0.000    0.000    0.000 	{method 'disable' of '_</a:t>
-            </a:r>
-            <a:r>
-              <a:rPr lang="en-US" sz="1700" dirty="0" err="1">
-                <a:latin typeface="Courier New" charset="0"/>
-                <a:ea typeface="Courier New" charset="0"/>
-                <a:cs typeface="Courier New" charset="0"/>
-              </a:rPr>
-              <a:t>lsprof.Profiler</a:t>
-            </a:r>
-            <a:r>
-              <a:rPr lang="en-US" sz="1700" dirty="0">
-                <a:latin typeface="Courier New" charset="0"/>
-                <a:ea typeface="Courier New" charset="0"/>
-                <a:cs typeface="Courier New" charset="0"/>
-              </a:rPr>
-              <a:t>' objects}</a:t>
-            </a:r>
-          </a:p>
-          <a:p>
-            <a:pPr marL="0" indent="0">
-              <a:buNone/>
-            </a:pPr>
-            <a:endParaRPr lang="en-US" sz="1700" dirty="0">
+            <a:endParaRPr lang="en-US" sz="1800" dirty="0">
               <a:latin typeface="Courier New" charset="0"/>
               <a:ea typeface="Courier New" charset="0"/>
               <a:cs typeface="Courier New" charset="0"/>
             </a:endParaRPr>
           </a:p>
           <a:p>
-            <a:r>
-              <a:rPr lang="en-US" sz="2000" dirty="0">
+            <a:pPr marL="0" indent="0">
+              <a:buNone/>
+            </a:pPr>
+            <a:r>
+              <a:rPr lang="en-US" sz="1800" dirty="0" err="1">
+                <a:latin typeface="Courier New" charset="0"/>
                 <a:ea typeface="Courier New" charset="0"/>
                 <a:cs typeface="Courier New" charset="0"/>
               </a:rPr>
-              <a:t>For details see </a:t>
-            </a:r>
-            <a:r>
-              <a:rPr lang="en-US" sz="2000" dirty="0">
+              <a:t>def</a:t>
+            </a:r>
+            <a:r>
+              <a:rPr lang="en-US" sz="1800" dirty="0">
+                <a:latin typeface="Courier New" charset="0"/>
                 <a:ea typeface="Courier New" charset="0"/>
                 <a:cs typeface="Courier New" charset="0"/>
-                <a:hlinkClick r:id="rId2"/>
-              </a:rPr>
-              <a:t>https://</a:t>
-            </a:r>
-            <a:r>
-              <a:rPr lang="en-US" sz="2000" dirty="0" smtClean="0">
+              </a:rPr>
+              <a:t> </a:t>
+            </a:r>
+            <a:r>
+              <a:rPr lang="en-US" sz="1800" dirty="0" err="1">
+                <a:latin typeface="Courier New" charset="0"/>
                 <a:ea typeface="Courier New" charset="0"/>
                 <a:cs typeface="Courier New" charset="0"/>
-                <a:hlinkClick r:id="rId2"/>
-              </a:rPr>
-              <a:t>docs.python.org/3.7/library/profile.html</a:t>
-            </a:r>
-            <a:endParaRPr lang="en-US" sz="2000" dirty="0">
+              </a:rPr>
+              <a:t>get_number</a:t>
+            </a:r>
+            <a:r>
+              <a:rPr lang="en-US" sz="1800" dirty="0">
+                <a:latin typeface="Courier New" charset="0"/>
+                <a:ea typeface="Courier New" charset="0"/>
+                <a:cs typeface="Courier New" charset="0"/>
+              </a:rPr>
+              <a:t>():    </a:t>
+            </a:r>
+          </a:p>
+          <a:p>
+            <a:pPr marL="0" indent="0">
+              <a:buNone/>
+            </a:pPr>
+            <a:r>
+              <a:rPr lang="en-US" sz="1800" dirty="0">
+                <a:latin typeface="Courier New" charset="0"/>
+                <a:ea typeface="Courier New" charset="0"/>
+                <a:cs typeface="Courier New" charset="0"/>
+              </a:rPr>
+              <a:t>    for x in range(500000):        </a:t>
+            </a:r>
+          </a:p>
+          <a:p>
+            <a:pPr marL="0" indent="0">
+              <a:buNone/>
+            </a:pPr>
+            <a:r>
+              <a:rPr lang="en-US" sz="1800" dirty="0">
+                <a:latin typeface="Courier New" charset="0"/>
+                <a:ea typeface="Courier New" charset="0"/>
+                <a:cs typeface="Courier New" charset="0"/>
+              </a:rPr>
+              <a:t>        yield x</a:t>
+            </a:r>
+          </a:p>
+          <a:p>
+            <a:pPr marL="0" indent="0">
+              <a:buNone/>
+            </a:pPr>
+            <a:endParaRPr lang="en-US" sz="1800" dirty="0">
+              <a:latin typeface="Courier New" charset="0"/>
               <a:ea typeface="Courier New" charset="0"/>
               <a:cs typeface="Courier New" charset="0"/>
             </a:endParaRPr>
+          </a:p>
+          <a:p>
+            <a:pPr marL="0" indent="0">
+              <a:buNone/>
+            </a:pPr>
+            <a:r>
+              <a:rPr lang="en-US" sz="1800" dirty="0" err="1">
+                <a:latin typeface="Courier New" charset="0"/>
+                <a:ea typeface="Courier New" charset="0"/>
+                <a:cs typeface="Courier New" charset="0"/>
+              </a:rPr>
+              <a:t>def</a:t>
+            </a:r>
+            <a:r>
+              <a:rPr lang="en-US" sz="1800" dirty="0">
+                <a:latin typeface="Courier New" charset="0"/>
+                <a:ea typeface="Courier New" charset="0"/>
+                <a:cs typeface="Courier New" charset="0"/>
+              </a:rPr>
+              <a:t> </a:t>
+            </a:r>
+            <a:r>
+              <a:rPr lang="en-US" sz="1800" dirty="0" err="1">
+                <a:latin typeface="Courier New" charset="0"/>
+                <a:ea typeface="Courier New" charset="0"/>
+                <a:cs typeface="Courier New" charset="0"/>
+              </a:rPr>
+              <a:t>exp_fn</a:t>
+            </a:r>
+            <a:r>
+              <a:rPr lang="en-US" sz="1800" dirty="0">
+                <a:latin typeface="Courier New" charset="0"/>
+                <a:ea typeface="Courier New" charset="0"/>
+                <a:cs typeface="Courier New" charset="0"/>
+              </a:rPr>
+              <a:t>():    </a:t>
+            </a:r>
+          </a:p>
+          <a:p>
+            <a:pPr marL="0" indent="0">
+              <a:buNone/>
+            </a:pPr>
+            <a:r>
+              <a:rPr lang="en-US" sz="1800" dirty="0">
+                <a:latin typeface="Courier New" charset="0"/>
+                <a:ea typeface="Courier New" charset="0"/>
+                <a:cs typeface="Courier New" charset="0"/>
+              </a:rPr>
+              <a:t>    for x in </a:t>
+            </a:r>
+            <a:r>
+              <a:rPr lang="en-US" sz="1800" dirty="0" err="1">
+                <a:latin typeface="Courier New" charset="0"/>
+                <a:ea typeface="Courier New" charset="0"/>
+                <a:cs typeface="Courier New" charset="0"/>
+              </a:rPr>
+              <a:t>get_number</a:t>
+            </a:r>
+            <a:r>
+              <a:rPr lang="en-US" sz="1800" dirty="0">
+                <a:latin typeface="Courier New" charset="0"/>
+                <a:ea typeface="Courier New" charset="0"/>
+                <a:cs typeface="Courier New" charset="0"/>
+              </a:rPr>
+              <a:t>():        </a:t>
+            </a:r>
+          </a:p>
+          <a:p>
+            <a:pPr marL="0" indent="0">
+              <a:buNone/>
+            </a:pPr>
+            <a:r>
+              <a:rPr lang="en-US" sz="1800" dirty="0">
+                <a:latin typeface="Courier New" charset="0"/>
+                <a:ea typeface="Courier New" charset="0"/>
+                <a:cs typeface="Courier New" charset="0"/>
+              </a:rPr>
+              <a:t>        </a:t>
+            </a:r>
+            <a:r>
+              <a:rPr lang="en-US" sz="1800" dirty="0" err="1">
+                <a:latin typeface="Courier New" charset="0"/>
+                <a:ea typeface="Courier New" charset="0"/>
+                <a:cs typeface="Courier New" charset="0"/>
+              </a:rPr>
+              <a:t>i</a:t>
+            </a:r>
+            <a:r>
+              <a:rPr lang="en-US" sz="1800" dirty="0">
+                <a:latin typeface="Courier New" charset="0"/>
+                <a:ea typeface="Courier New" charset="0"/>
+                <a:cs typeface="Courier New" charset="0"/>
+              </a:rPr>
+              <a:t> = x ^ x ^ x    </a:t>
+            </a:r>
+          </a:p>
+          <a:p>
+            <a:pPr marL="0" indent="0">
+              <a:buNone/>
+            </a:pPr>
+            <a:r>
+              <a:rPr lang="en-US" sz="1800" dirty="0">
+                <a:latin typeface="Courier New" charset="0"/>
+                <a:ea typeface="Courier New" charset="0"/>
+                <a:cs typeface="Courier New" charset="0"/>
+              </a:rPr>
+              <a:t>    return 'some result!'</a:t>
+            </a:r>
+          </a:p>
+          <a:p>
+            <a:pPr marL="0" indent="0">
+              <a:buNone/>
+            </a:pPr>
+            <a:endParaRPr lang="en-US" sz="1800" dirty="0">
+              <a:latin typeface="Courier New" charset="0"/>
+              <a:ea typeface="Courier New" charset="0"/>
+              <a:cs typeface="Courier New" charset="0"/>
+            </a:endParaRPr>
+          </a:p>
+          <a:p>
+            <a:pPr marL="0" indent="0">
+              <a:buNone/>
+            </a:pPr>
+            <a:r>
+              <a:rPr lang="en-US" sz="1800" dirty="0">
+                <a:latin typeface="Courier New" charset="0"/>
+                <a:ea typeface="Courier New" charset="0"/>
+                <a:cs typeface="Courier New" charset="0"/>
+              </a:rPr>
+              <a:t>if __name__ == '__main__':    </a:t>
+            </a:r>
+          </a:p>
+          <a:p>
+            <a:pPr marL="0" indent="0">
+              <a:buNone/>
+            </a:pPr>
+            <a:r>
+              <a:rPr lang="en-US" sz="1800" dirty="0">
+                <a:latin typeface="Courier New" charset="0"/>
+                <a:ea typeface="Courier New" charset="0"/>
+                <a:cs typeface="Courier New" charset="0"/>
+              </a:rPr>
+              <a:t>    </a:t>
+            </a:r>
+            <a:r>
+              <a:rPr lang="en-US" sz="1800" dirty="0" err="1">
+                <a:latin typeface="Courier New" charset="0"/>
+                <a:ea typeface="Courier New" charset="0"/>
+                <a:cs typeface="Courier New" charset="0"/>
+              </a:rPr>
+              <a:t>exp_fn</a:t>
+            </a:r>
+            <a:r>
+              <a:rPr lang="en-US" sz="1800" dirty="0">
+                <a:latin typeface="Courier New" charset="0"/>
+                <a:ea typeface="Courier New" charset="0"/>
+                <a:cs typeface="Courier New" charset="0"/>
+              </a:rPr>
+              <a:t>()</a:t>
+            </a:r>
           </a:p>
         </p:txBody>
       </p:sp>
@@ -30648,7 +30820,7 @@
     </p:spTree>
     <p:extLst>
       <p:ext uri="{BB962C8B-B14F-4D97-AF65-F5344CB8AC3E}">
-        <p14:creationId xmlns:p14="http://schemas.microsoft.com/office/powerpoint/2010/main" val="155524700"/>
+        <p14:creationId xmlns:p14="http://schemas.microsoft.com/office/powerpoint/2010/main" val="1232867899"/>
       </p:ext>
     </p:extLst>
   </p:cSld>
@@ -30693,7 +30865,7 @@
           <a:p>
             <a:r>
               <a:rPr lang="en-US" dirty="0"/>
-              <a:t>Idioms</a:t>
+              <a:t>Profiling, script level 2</a:t>
             </a:r>
           </a:p>
         </p:txBody>
@@ -30708,53 +30880,345 @@
             <p:ph idx="1"/>
           </p:nvPr>
         </p:nvSpPr>
-        <p:spPr/>
+        <p:spPr>
+          <a:xfrm>
+            <a:off x="76200" y="1295400"/>
+            <a:ext cx="9067800" cy="4953000"/>
+          </a:xfrm>
+        </p:spPr>
         <p:txBody>
           <a:bodyPr/>
           <a:lstStyle/>
           <a:p>
-            <a:r>
-              <a:rPr lang="en-US" dirty="0"/>
-              <a:t>Many frequently-written tasks should be written Python-style even though you could write them Java-style in Python</a:t>
-            </a:r>
-          </a:p>
-          <a:p>
-            <a:r>
-              <a:rPr lang="en-US" dirty="0"/>
-              <a:t>Remember beauty and readability!</a:t>
-            </a:r>
-          </a:p>
-          <a:p>
-            <a:endParaRPr lang="en-US" dirty="0"/>
-          </a:p>
-          <a:p>
-            <a:r>
-              <a:rPr lang="en-US" dirty="0"/>
-              <a:t>See </a:t>
-            </a:r>
-            <a:r>
-              <a:rPr lang="en-US" dirty="0">
+            <a:pPr marL="0" indent="0">
+              <a:buNone/>
+            </a:pPr>
+            <a:r>
+              <a:rPr lang="en-US" sz="1800" dirty="0">
+                <a:latin typeface="Courier New" charset="0"/>
+                <a:ea typeface="Courier New" charset="0"/>
+                <a:cs typeface="Courier New" charset="0"/>
+              </a:rPr>
+              <a:t># python interactive interpreter (REPL)</a:t>
+            </a:r>
+          </a:p>
+          <a:p>
+            <a:pPr marL="0" indent="0">
+              <a:buNone/>
+            </a:pPr>
+            <a:endParaRPr lang="en-US" sz="1800" dirty="0">
+              <a:latin typeface="Courier New" charset="0"/>
+              <a:ea typeface="Courier New" charset="0"/>
+              <a:cs typeface="Courier New" charset="0"/>
+            </a:endParaRPr>
+          </a:p>
+          <a:p>
+            <a:pPr marL="0" indent="0">
+              <a:buNone/>
+            </a:pPr>
+            <a:r>
+              <a:rPr lang="en-US" sz="1700" dirty="0">
+                <a:latin typeface="Courier New" charset="0"/>
+                <a:ea typeface="Courier New" charset="0"/>
+                <a:cs typeface="Courier New" charset="0"/>
+              </a:rPr>
+              <a:t>$ </a:t>
+            </a:r>
+            <a:r>
+              <a:rPr lang="en-US" sz="1700" dirty="0">
+                <a:solidFill>
+                  <a:srgbClr val="CE3838"/>
+                </a:solidFill>
+                <a:latin typeface="Courier New" charset="0"/>
+                <a:ea typeface="Courier New" charset="0"/>
+                <a:cs typeface="Courier New" charset="0"/>
+              </a:rPr>
+              <a:t>python -m </a:t>
+            </a:r>
+            <a:r>
+              <a:rPr lang="en-US" sz="1700" dirty="0" err="1">
+                <a:solidFill>
+                  <a:srgbClr val="CE3838"/>
+                </a:solidFill>
+                <a:latin typeface="Courier New" charset="0"/>
+                <a:ea typeface="Courier New" charset="0"/>
+                <a:cs typeface="Courier New" charset="0"/>
+              </a:rPr>
+              <a:t>cProfile</a:t>
+            </a:r>
+            <a:r>
+              <a:rPr lang="en-US" sz="1700" dirty="0">
+                <a:solidFill>
+                  <a:srgbClr val="CE3838"/>
+                </a:solidFill>
+                <a:latin typeface="Courier New" charset="0"/>
+                <a:ea typeface="Courier New" charset="0"/>
+                <a:cs typeface="Courier New" charset="0"/>
+              </a:rPr>
+              <a:t> </a:t>
+            </a:r>
+            <a:r>
+              <a:rPr lang="en-US" sz="1700" dirty="0" err="1">
+                <a:solidFill>
+                  <a:srgbClr val="CE3838"/>
+                </a:solidFill>
+                <a:latin typeface="Courier New" charset="0"/>
+                <a:ea typeface="Courier New" charset="0"/>
+                <a:cs typeface="Courier New" charset="0"/>
+              </a:rPr>
+              <a:t>to_time.py</a:t>
+            </a:r>
+            <a:r>
+              <a:rPr lang="en-US" sz="1700" dirty="0">
+                <a:solidFill>
+                  <a:srgbClr val="CE3838"/>
+                </a:solidFill>
+                <a:latin typeface="Courier New" charset="0"/>
+                <a:ea typeface="Courier New" charset="0"/>
+                <a:cs typeface="Courier New" charset="0"/>
+              </a:rPr>
+              <a:t>         </a:t>
+            </a:r>
+          </a:p>
+          <a:p>
+            <a:pPr marL="0" indent="0">
+              <a:buNone/>
+            </a:pPr>
+            <a:r>
+              <a:rPr lang="en-US" sz="1700" dirty="0">
+                <a:latin typeface="Courier New" charset="0"/>
+                <a:ea typeface="Courier New" charset="0"/>
+                <a:cs typeface="Courier New" charset="0"/>
+              </a:rPr>
+              <a:t>500004 function calls in 0.203 seconds   </a:t>
+            </a:r>
+          </a:p>
+          <a:p>
+            <a:pPr marL="0" indent="0">
+              <a:buNone/>
+            </a:pPr>
+            <a:r>
+              <a:rPr lang="en-US" sz="1700" dirty="0">
+                <a:latin typeface="Courier New" charset="0"/>
+                <a:ea typeface="Courier New" charset="0"/>
+                <a:cs typeface="Courier New" charset="0"/>
+              </a:rPr>
+              <a:t>Ordered by: standard name   </a:t>
+            </a:r>
+          </a:p>
+          <a:p>
+            <a:pPr marL="0" indent="0">
+              <a:buNone/>
+            </a:pPr>
+            <a:r>
+              <a:rPr lang="en-US" sz="1700" dirty="0" err="1">
+                <a:latin typeface="Courier New" charset="0"/>
+                <a:ea typeface="Courier New" charset="0"/>
+                <a:cs typeface="Courier New" charset="0"/>
+              </a:rPr>
+              <a:t>ncalls</a:t>
+            </a:r>
+            <a:r>
+              <a:rPr lang="en-US" sz="1700" dirty="0">
+                <a:latin typeface="Courier New" charset="0"/>
+                <a:ea typeface="Courier New" charset="0"/>
+                <a:cs typeface="Courier New" charset="0"/>
+              </a:rPr>
+              <a:t> </a:t>
+            </a:r>
+            <a:r>
+              <a:rPr lang="en-US" sz="1700" dirty="0" err="1">
+                <a:latin typeface="Courier New" charset="0"/>
+                <a:ea typeface="Courier New" charset="0"/>
+                <a:cs typeface="Courier New" charset="0"/>
+              </a:rPr>
+              <a:t>tottime</a:t>
+            </a:r>
+            <a:r>
+              <a:rPr lang="en-US" sz="1700" dirty="0">
+                <a:latin typeface="Courier New" charset="0"/>
+                <a:ea typeface="Courier New" charset="0"/>
+                <a:cs typeface="Courier New" charset="0"/>
+              </a:rPr>
+              <a:t>  </a:t>
+            </a:r>
+            <a:r>
+              <a:rPr lang="en-US" sz="1700" dirty="0" err="1">
+                <a:latin typeface="Courier New" charset="0"/>
+                <a:ea typeface="Courier New" charset="0"/>
+                <a:cs typeface="Courier New" charset="0"/>
+              </a:rPr>
+              <a:t>percall</a:t>
+            </a:r>
+            <a:r>
+              <a:rPr lang="en-US" sz="1700" dirty="0">
+                <a:latin typeface="Courier New" charset="0"/>
+                <a:ea typeface="Courier New" charset="0"/>
+                <a:cs typeface="Courier New" charset="0"/>
+              </a:rPr>
+              <a:t>  </a:t>
+            </a:r>
+            <a:r>
+              <a:rPr lang="en-US" sz="1700" dirty="0" err="1">
+                <a:latin typeface="Courier New" charset="0"/>
+                <a:ea typeface="Courier New" charset="0"/>
+                <a:cs typeface="Courier New" charset="0"/>
+              </a:rPr>
+              <a:t>cumtime</a:t>
+            </a:r>
+            <a:r>
+              <a:rPr lang="en-US" sz="1700" dirty="0">
+                <a:latin typeface="Courier New" charset="0"/>
+                <a:ea typeface="Courier New" charset="0"/>
+                <a:cs typeface="Courier New" charset="0"/>
+              </a:rPr>
+              <a:t>  </a:t>
+            </a:r>
+            <a:r>
+              <a:rPr lang="en-US" sz="1700" dirty="0" err="1">
+                <a:latin typeface="Courier New" charset="0"/>
+                <a:ea typeface="Courier New" charset="0"/>
+                <a:cs typeface="Courier New" charset="0"/>
+              </a:rPr>
+              <a:t>percall</a:t>
+            </a:r>
+            <a:r>
+              <a:rPr lang="en-US" sz="1700" dirty="0">
+                <a:latin typeface="Courier New" charset="0"/>
+                <a:ea typeface="Courier New" charset="0"/>
+                <a:cs typeface="Courier New" charset="0"/>
+              </a:rPr>
+              <a:t> </a:t>
+            </a:r>
+            <a:r>
+              <a:rPr lang="en-US" sz="1700" dirty="0" err="1">
+                <a:latin typeface="Courier New" charset="0"/>
+                <a:ea typeface="Courier New" charset="0"/>
+                <a:cs typeface="Courier New" charset="0"/>
+              </a:rPr>
+              <a:t>filename:lineno</a:t>
+            </a:r>
+            <a:r>
+              <a:rPr lang="en-US" sz="1700" dirty="0">
+                <a:latin typeface="Courier New" charset="0"/>
+                <a:ea typeface="Courier New" charset="0"/>
+                <a:cs typeface="Courier New" charset="0"/>
+              </a:rPr>
+              <a:t>(function)        </a:t>
+            </a:r>
+          </a:p>
+          <a:p>
+            <a:pPr marL="0" indent="0">
+              <a:buNone/>
+            </a:pPr>
+            <a:r>
+              <a:rPr lang="en-US" sz="1700" dirty="0">
+                <a:latin typeface="Courier New" charset="0"/>
+                <a:ea typeface="Courier New" charset="0"/>
+                <a:cs typeface="Courier New" charset="0"/>
+              </a:rPr>
+              <a:t>1    	0.000    0.000    0.203    0.203 	to_time.py:1(&lt;module&gt;)   </a:t>
+            </a:r>
+          </a:p>
+          <a:p>
+            <a:pPr marL="0" indent="0">
+              <a:buNone/>
+            </a:pPr>
+            <a:r>
+              <a:rPr lang="en-US" sz="1700" dirty="0">
+                <a:latin typeface="Courier New" charset="0"/>
+                <a:ea typeface="Courier New" charset="0"/>
+                <a:cs typeface="Courier New" charset="0"/>
+              </a:rPr>
+              <a:t>500001	0.071    0.000    0.071    0.000 	to_time.py:1(</a:t>
+            </a:r>
+            <a:r>
+              <a:rPr lang="en-US" sz="1700" dirty="0" err="1">
+                <a:latin typeface="Courier New" charset="0"/>
+                <a:ea typeface="Courier New" charset="0"/>
+                <a:cs typeface="Courier New" charset="0"/>
+              </a:rPr>
+              <a:t>get_number</a:t>
+            </a:r>
+            <a:r>
+              <a:rPr lang="en-US" sz="1700" dirty="0">
+                <a:latin typeface="Courier New" charset="0"/>
+                <a:ea typeface="Courier New" charset="0"/>
+                <a:cs typeface="Courier New" charset="0"/>
+              </a:rPr>
+              <a:t>)        1    	0.133    0.133    0.203    0.203 	to_time.py:5(</a:t>
+            </a:r>
+            <a:r>
+              <a:rPr lang="en-US" sz="1700" dirty="0" err="1">
+                <a:latin typeface="Courier New" charset="0"/>
+                <a:ea typeface="Courier New" charset="0"/>
+                <a:cs typeface="Courier New" charset="0"/>
+              </a:rPr>
+              <a:t>exp_fn</a:t>
+            </a:r>
+            <a:r>
+              <a:rPr lang="en-US" sz="1700" dirty="0">
+                <a:latin typeface="Courier New" charset="0"/>
+                <a:ea typeface="Courier New" charset="0"/>
+                <a:cs typeface="Courier New" charset="0"/>
+              </a:rPr>
+              <a:t>)        1    	0.000    0.000    0.000    0.000 	{method 'disable' of '_</a:t>
+            </a:r>
+            <a:r>
+              <a:rPr lang="en-US" sz="1700" dirty="0" err="1">
+                <a:latin typeface="Courier New" charset="0"/>
+                <a:ea typeface="Courier New" charset="0"/>
+                <a:cs typeface="Courier New" charset="0"/>
+              </a:rPr>
+              <a:t>lsprof.Profiler</a:t>
+            </a:r>
+            <a:r>
+              <a:rPr lang="en-US" sz="1700" dirty="0">
+                <a:latin typeface="Courier New" charset="0"/>
+                <a:ea typeface="Courier New" charset="0"/>
+                <a:cs typeface="Courier New" charset="0"/>
+              </a:rPr>
+              <a:t>' objects}</a:t>
+            </a:r>
+          </a:p>
+          <a:p>
+            <a:pPr marL="0" indent="0">
+              <a:buNone/>
+            </a:pPr>
+            <a:endParaRPr lang="en-US" sz="1700" dirty="0">
+              <a:latin typeface="Courier New" charset="0"/>
+              <a:ea typeface="Courier New" charset="0"/>
+              <a:cs typeface="Courier New" charset="0"/>
+            </a:endParaRPr>
+          </a:p>
+          <a:p>
+            <a:r>
+              <a:rPr lang="en-US" sz="2000" dirty="0">
+                <a:ea typeface="Courier New" charset="0"/>
+                <a:cs typeface="Courier New" charset="0"/>
+              </a:rPr>
+              <a:t>For details see </a:t>
+            </a:r>
+            <a:r>
+              <a:rPr lang="en-US" sz="2000" dirty="0">
+                <a:ea typeface="Courier New" charset="0"/>
+                <a:cs typeface="Courier New" charset="0"/>
                 <a:hlinkClick r:id="rId2"/>
               </a:rPr>
-              <a:t>http://safehammad.com/downloads/python-idioms-2014-01-16.pdf</a:t>
-            </a:r>
-            <a:r>
-              <a:rPr lang="en-US" dirty="0"/>
-              <a:t> </a:t>
-            </a:r>
-          </a:p>
-          <a:p>
-            <a:r>
-              <a:rPr lang="en-US" dirty="0"/>
-              <a:t>A list of anti-patterns:  </a:t>
-            </a:r>
-            <a:r>
-              <a:rPr lang="en-US" dirty="0">
-                <a:hlinkClick r:id="rId3"/>
-              </a:rPr>
-              <a:t>http://lignos.org/py_antipatterns/</a:t>
-            </a:r>
-            <a:endParaRPr lang="en-US" dirty="0"/>
+              <a:t>https://</a:t>
+            </a:r>
+            <a:r>
+              <a:rPr lang="en-US" sz="2000" dirty="0" smtClean="0">
+                <a:ea typeface="Courier New" charset="0"/>
+                <a:cs typeface="Courier New" charset="0"/>
+                <a:hlinkClick r:id="rId2"/>
+              </a:rPr>
+              <a:t>docs.python.org/3.7/library/profile.html</a:t>
+            </a:r>
+            <a:endParaRPr lang="en-US" sz="2000" dirty="0">
+              <a:ea typeface="Courier New" charset="0"/>
+              <a:cs typeface="Courier New" charset="0"/>
+            </a:endParaRPr>
           </a:p>
         </p:txBody>
       </p:sp>
@@ -30811,6 +31275,177 @@
                 <a:defRPr/>
               </a:pPr>
               <a:t>43</a:t>
+            </a:fld>
+            <a:endParaRPr lang="en-US" altLang="en-US"/>
+          </a:p>
+        </p:txBody>
+      </p:sp>
+    </p:spTree>
+    <p:extLst>
+      <p:ext uri="{BB962C8B-B14F-4D97-AF65-F5344CB8AC3E}">
+        <p14:creationId xmlns:p14="http://schemas.microsoft.com/office/powerpoint/2010/main" val="155524700"/>
+      </p:ext>
+    </p:extLst>
+  </p:cSld>
+  <p:clrMapOvr>
+    <a:masterClrMapping/>
+  </p:clrMapOvr>
+  <p:transition/>
+</p:sld>
+</file>
+
+<file path=ppt/slides/slide44.xml><?xml version="1.0" encoding="utf-8"?>
+<p:sld xmlns:a="http://schemas.openxmlformats.org/drawingml/2006/main" xmlns:r="http://schemas.openxmlformats.org/officeDocument/2006/relationships" xmlns:p="http://schemas.openxmlformats.org/presentationml/2006/main">
+  <p:cSld>
+    <p:spTree>
+      <p:nvGrpSpPr>
+        <p:cNvPr id="1" name=""/>
+        <p:cNvGrpSpPr/>
+        <p:nvPr/>
+      </p:nvGrpSpPr>
+      <p:grpSpPr>
+        <a:xfrm>
+          <a:off x="0" y="0"/>
+          <a:ext cx="0" cy="0"/>
+          <a:chOff x="0" y="0"/>
+          <a:chExt cx="0" cy="0"/>
+        </a:xfrm>
+      </p:grpSpPr>
+      <p:sp>
+        <p:nvSpPr>
+          <p:cNvPr id="2" name="Title 1"/>
+          <p:cNvSpPr>
+            <a:spLocks noGrp="1"/>
+          </p:cNvSpPr>
+          <p:nvPr>
+            <p:ph type="title"/>
+          </p:nvPr>
+        </p:nvSpPr>
+        <p:spPr/>
+        <p:txBody>
+          <a:bodyPr/>
+          <a:lstStyle/>
+          <a:p>
+            <a:r>
+              <a:rPr lang="en-US" dirty="0"/>
+              <a:t>Idioms</a:t>
+            </a:r>
+          </a:p>
+        </p:txBody>
+      </p:sp>
+      <p:sp>
+        <p:nvSpPr>
+          <p:cNvPr id="3" name="Content Placeholder 2"/>
+          <p:cNvSpPr>
+            <a:spLocks noGrp="1"/>
+          </p:cNvSpPr>
+          <p:nvPr>
+            <p:ph idx="1"/>
+          </p:nvPr>
+        </p:nvSpPr>
+        <p:spPr/>
+        <p:txBody>
+          <a:bodyPr/>
+          <a:lstStyle/>
+          <a:p>
+            <a:r>
+              <a:rPr lang="en-US" dirty="0"/>
+              <a:t>Many frequently-written tasks should be written Python-style even though you could write them Java-style in Python</a:t>
+            </a:r>
+          </a:p>
+          <a:p>
+            <a:r>
+              <a:rPr lang="en-US" dirty="0"/>
+              <a:t>Remember beauty and readability!</a:t>
+            </a:r>
+          </a:p>
+          <a:p>
+            <a:endParaRPr lang="en-US" dirty="0"/>
+          </a:p>
+          <a:p>
+            <a:r>
+              <a:rPr lang="en-US" dirty="0"/>
+              <a:t>See </a:t>
+            </a:r>
+            <a:r>
+              <a:rPr lang="en-US" dirty="0">
+                <a:hlinkClick r:id="rId2"/>
+              </a:rPr>
+              <a:t>http://safehammad.com/downloads/python-idioms-2014-01-16.pdf</a:t>
+            </a:r>
+            <a:r>
+              <a:rPr lang="en-US" dirty="0"/>
+              <a:t> </a:t>
+            </a:r>
+          </a:p>
+          <a:p>
+            <a:r>
+              <a:rPr lang="en-US" dirty="0"/>
+              <a:t>A list of anti-patterns:  </a:t>
+            </a:r>
+            <a:r>
+              <a:rPr lang="en-US" dirty="0">
+                <a:hlinkClick r:id="rId3"/>
+              </a:rPr>
+              <a:t>http://lignos.org/py_antipatterns/</a:t>
+            </a:r>
+            <a:endParaRPr lang="en-US" dirty="0"/>
+          </a:p>
+        </p:txBody>
+      </p:sp>
+      <p:sp>
+        <p:nvSpPr>
+          <p:cNvPr id="4" name="Date Placeholder 3"/>
+          <p:cNvSpPr>
+            <a:spLocks noGrp="1"/>
+          </p:cNvSpPr>
+          <p:nvPr>
+            <p:ph type="dt" sz="half" idx="10"/>
+          </p:nvPr>
+        </p:nvSpPr>
+        <p:spPr/>
+        <p:txBody>
+          <a:bodyPr/>
+          <a:lstStyle/>
+          <a:p>
+            <a:pPr>
+              <a:defRPr/>
+            </a:pPr>
+            <a:r>
+              <a:rPr lang="en-US" altLang="en-US" dirty="0"/>
+              <a:t>CIS 521 - Fall 2018</a:t>
+            </a:r>
+          </a:p>
+        </p:txBody>
+      </p:sp>
+      <p:sp>
+        <p:nvSpPr>
+          <p:cNvPr id="6" name="Slide Number Placeholder 5"/>
+          <p:cNvSpPr>
+            <a:spLocks noGrp="1"/>
+          </p:cNvSpPr>
+          <p:nvPr>
+            <p:ph type="sldNum" sz="quarter" idx="12"/>
+          </p:nvPr>
+        </p:nvSpPr>
+        <p:spPr/>
+        <p:txBody>
+          <a:bodyPr/>
+          <a:lstStyle/>
+          <a:p>
+            <a:pPr>
+              <a:defRPr/>
+            </a:pPr>
+            <a:r>
+              <a:rPr lang="en-US" altLang="en-US"/>
+              <a:t>       </a:t>
+            </a:r>
+            <a:fld id="{FF218A79-847B-4EDE-B641-1522D2F7CD57}" type="slidenum">
+              <a:rPr lang="en-US" altLang="en-US" smtClean="0"/>
+              <a:pPr>
+                <a:defRPr/>
+              </a:pPr>
+              <a:t>44</a:t>
             </a:fld>
             <a:endParaRPr lang="en-US" altLang="en-US"/>
           </a:p>

--- a/assets/slides/02-Python3-review2.pptx
+++ b/assets/slides/02-Python3-review2.pptx
@@ -8567,8 +8567,17 @@
             </a:pPr>
             <a:r>
               <a:rPr lang="en-US" altLang="en-US" dirty="0"/>
-              <a:t>CIS 521 - Fall 2018</a:t>
-            </a:r>
+              <a:t>CIS 521 - </a:t>
+            </a:r>
+            <a:r>
+              <a:rPr lang="en-US" altLang="en-US"/>
+              <a:t>Fall </a:t>
+            </a:r>
+            <a:r>
+              <a:rPr lang="is-IS" altLang="en-US" smtClean="0"/>
+              <a:t>2019</a:t>
+            </a:r>
+            <a:endParaRPr lang="en-US" altLang="en-US" dirty="0"/>
           </a:p>
         </p:txBody>
       </p:sp>
@@ -8776,8 +8785,17 @@
             </a:pPr>
             <a:r>
               <a:rPr lang="en-US" altLang="en-US" dirty="0"/>
-              <a:t>CIS 521 - Fall 2018</a:t>
-            </a:r>
+              <a:t>CIS 521 - </a:t>
+            </a:r>
+            <a:r>
+              <a:rPr lang="en-US" altLang="en-US"/>
+              <a:t>Fall </a:t>
+            </a:r>
+            <a:r>
+              <a:rPr lang="is-IS" altLang="en-US" smtClean="0"/>
+              <a:t>2019</a:t>
+            </a:r>
+            <a:endParaRPr lang="en-US" altLang="en-US" dirty="0"/>
           </a:p>
         </p:txBody>
       </p:sp>
@@ -8987,8 +9005,17 @@
             </a:pPr>
             <a:r>
               <a:rPr lang="en-US" altLang="en-US" dirty="0"/>
-              <a:t>CIS 521 - Fall 2018</a:t>
-            </a:r>
+              <a:t>CIS 521 - </a:t>
+            </a:r>
+            <a:r>
+              <a:rPr lang="en-US" altLang="en-US"/>
+              <a:t>Fall </a:t>
+            </a:r>
+            <a:r>
+              <a:rPr lang="is-IS" altLang="en-US" smtClean="0"/>
+              <a:t>2019</a:t>
+            </a:r>
+            <a:endParaRPr lang="en-US" altLang="en-US" dirty="0"/>
           </a:p>
         </p:txBody>
       </p:sp>
@@ -9240,8 +9267,17 @@
             </a:pPr>
             <a:r>
               <a:rPr lang="en-US" altLang="en-US" dirty="0"/>
-              <a:t>CIS 521 - Fall 2018</a:t>
-            </a:r>
+              <a:t>CIS 521 - </a:t>
+            </a:r>
+            <a:r>
+              <a:rPr lang="en-US" altLang="en-US"/>
+              <a:t>Fall </a:t>
+            </a:r>
+            <a:r>
+              <a:rPr lang="is-IS" altLang="en-US" smtClean="0"/>
+              <a:t>2019</a:t>
+            </a:r>
+            <a:endParaRPr lang="en-US" altLang="en-US" dirty="0"/>
           </a:p>
         </p:txBody>
       </p:sp>
@@ -9464,8 +9500,17 @@
             </a:pPr>
             <a:r>
               <a:rPr lang="en-US" altLang="en-US" dirty="0"/>
-              <a:t>CIS 521 - Fall 2018</a:t>
-            </a:r>
+              <a:t>CIS 521 - </a:t>
+            </a:r>
+            <a:r>
+              <a:rPr lang="en-US" altLang="en-US"/>
+              <a:t>Fall </a:t>
+            </a:r>
+            <a:r>
+              <a:rPr lang="is-IS" altLang="en-US" smtClean="0"/>
+              <a:t>2019</a:t>
+            </a:r>
+            <a:endParaRPr lang="en-US" altLang="en-US" dirty="0"/>
           </a:p>
         </p:txBody>
       </p:sp>
@@ -9780,8 +9825,17 @@
             </a:pPr>
             <a:r>
               <a:rPr lang="en-US" altLang="en-US" dirty="0"/>
-              <a:t>CIS 521 - Fall 2018</a:t>
-            </a:r>
+              <a:t>CIS 521 - </a:t>
+            </a:r>
+            <a:r>
+              <a:rPr lang="en-US" altLang="en-US"/>
+              <a:t>Fall </a:t>
+            </a:r>
+            <a:r>
+              <a:rPr lang="is-IS" altLang="en-US" smtClean="0"/>
+              <a:t>2019</a:t>
+            </a:r>
+            <a:endParaRPr lang="en-US" altLang="en-US" dirty="0"/>
           </a:p>
         </p:txBody>
       </p:sp>
@@ -10235,8 +10289,17 @@
             </a:pPr>
             <a:r>
               <a:rPr lang="en-US" altLang="en-US" dirty="0"/>
-              <a:t>CIS 521 - Fall 2018</a:t>
-            </a:r>
+              <a:t>CIS 521 - </a:t>
+            </a:r>
+            <a:r>
+              <a:rPr lang="en-US" altLang="en-US"/>
+              <a:t>Fall </a:t>
+            </a:r>
+            <a:r>
+              <a:rPr lang="is-IS" altLang="en-US" smtClean="0"/>
+              <a:t>2019</a:t>
+            </a:r>
+            <a:endParaRPr lang="en-US" altLang="en-US" dirty="0"/>
           </a:p>
         </p:txBody>
       </p:sp>
@@ -10385,8 +10448,17 @@
             </a:pPr>
             <a:r>
               <a:rPr lang="en-US" altLang="en-US" dirty="0"/>
-              <a:t>CIS 521 - Fall 2018</a:t>
-            </a:r>
+              <a:t>CIS 521 - </a:t>
+            </a:r>
+            <a:r>
+              <a:rPr lang="en-US" altLang="en-US"/>
+              <a:t>Fall </a:t>
+            </a:r>
+            <a:r>
+              <a:rPr lang="is-IS" altLang="en-US" smtClean="0"/>
+              <a:t>2019</a:t>
+            </a:r>
+            <a:endParaRPr lang="en-US" altLang="en-US" dirty="0"/>
           </a:p>
         </p:txBody>
       </p:sp>
@@ -10513,8 +10585,17 @@
             </a:pPr>
             <a:r>
               <a:rPr lang="en-US" altLang="en-US" dirty="0"/>
-              <a:t>CIS 521 - Fall 2018</a:t>
-            </a:r>
+              <a:t>CIS 521 - </a:t>
+            </a:r>
+            <a:r>
+              <a:rPr lang="en-US" altLang="en-US"/>
+              <a:t>Fall </a:t>
+            </a:r>
+            <a:r>
+              <a:rPr lang="is-IS" altLang="en-US" smtClean="0"/>
+              <a:t>2019</a:t>
+            </a:r>
+            <a:endParaRPr lang="en-US" altLang="en-US" dirty="0"/>
           </a:p>
         </p:txBody>
       </p:sp>
@@ -10821,8 +10902,17 @@
             </a:pPr>
             <a:r>
               <a:rPr lang="en-US" altLang="en-US" dirty="0"/>
-              <a:t>CIS 521 - Fall 2018</a:t>
-            </a:r>
+              <a:t>CIS 521 - </a:t>
+            </a:r>
+            <a:r>
+              <a:rPr lang="en-US" altLang="en-US"/>
+              <a:t>Fall </a:t>
+            </a:r>
+            <a:r>
+              <a:rPr lang="is-IS" altLang="en-US" smtClean="0"/>
+              <a:t>2019</a:t>
+            </a:r>
+            <a:endParaRPr lang="en-US" altLang="en-US" dirty="0"/>
           </a:p>
         </p:txBody>
       </p:sp>
@@ -11105,8 +11195,17 @@
             </a:pPr>
             <a:r>
               <a:rPr lang="en-US" altLang="en-US" dirty="0"/>
-              <a:t>CIS 521 - Fall 2018</a:t>
-            </a:r>
+              <a:t>CIS 521 - </a:t>
+            </a:r>
+            <a:r>
+              <a:rPr lang="en-US" altLang="en-US"/>
+              <a:t>Fall </a:t>
+            </a:r>
+            <a:r>
+              <a:rPr lang="is-IS" altLang="en-US" smtClean="0"/>
+              <a:t>2019</a:t>
+            </a:r>
+            <a:endParaRPr lang="en-US" altLang="en-US" dirty="0"/>
           </a:p>
         </p:txBody>
       </p:sp>
@@ -11264,8 +11363,17 @@
             </a:pPr>
             <a:r>
               <a:rPr lang="en-US" altLang="en-US" dirty="0"/>
-              <a:t>CIS 521 - Fall 2018</a:t>
-            </a:r>
+              <a:t>CIS 521 - </a:t>
+            </a:r>
+            <a:r>
+              <a:rPr lang="en-US" altLang="en-US"/>
+              <a:t>Fall </a:t>
+            </a:r>
+            <a:r>
+              <a:rPr lang="is-IS" altLang="en-US" smtClean="0"/>
+              <a:t>2019</a:t>
+            </a:r>
+            <a:endParaRPr lang="en-US" altLang="en-US" dirty="0"/>
           </a:p>
         </p:txBody>
       </p:sp>
@@ -12152,8 +12260,17 @@
           <a:p>
             <a:r>
               <a:rPr lang="en-US" altLang="en-US" dirty="0"/>
-              <a:t>CIS 521 - Fall 2018</a:t>
-            </a:r>
+              <a:t>CIS 521 - </a:t>
+            </a:r>
+            <a:r>
+              <a:rPr lang="en-US" altLang="en-US"/>
+              <a:t>Fall </a:t>
+            </a:r>
+            <a:r>
+              <a:rPr lang="is-IS" altLang="en-US" smtClean="0"/>
+              <a:t>2019</a:t>
+            </a:r>
+            <a:endParaRPr lang="en-US" altLang="en-US" dirty="0"/>
           </a:p>
         </p:txBody>
       </p:sp>
@@ -12618,8 +12735,17 @@
             </a:pPr>
             <a:r>
               <a:rPr lang="en-US" dirty="0"/>
-              <a:t>CIS 521 - Fall 2018</a:t>
-            </a:r>
+              <a:t>CIS 521 - </a:t>
+            </a:r>
+            <a:r>
+              <a:rPr lang="en-US"/>
+              <a:t>Fall </a:t>
+            </a:r>
+            <a:r>
+              <a:rPr lang="is-IS" smtClean="0"/>
+              <a:t>2019</a:t>
+            </a:r>
+            <a:endParaRPr lang="en-US" dirty="0"/>
           </a:p>
         </p:txBody>
       </p:sp>
@@ -13345,8 +13471,17 @@
             </a:pPr>
             <a:r>
               <a:rPr lang="en-US" dirty="0"/>
-              <a:t>CIS 521 - Fall 2018</a:t>
-            </a:r>
+              <a:t>CIS 521 - </a:t>
+            </a:r>
+            <a:r>
+              <a:rPr lang="en-US"/>
+              <a:t>Fall </a:t>
+            </a:r>
+            <a:r>
+              <a:rPr lang="is-IS" smtClean="0"/>
+              <a:t>2019</a:t>
+            </a:r>
+            <a:endParaRPr lang="en-US" dirty="0"/>
           </a:p>
         </p:txBody>
       </p:sp>
@@ -15227,8 +15362,17 @@
             </a:pPr>
             <a:r>
               <a:rPr lang="en-US" altLang="en-US" dirty="0"/>
-              <a:t>CIS 521 - Fall 2018</a:t>
-            </a:r>
+              <a:t>CIS 521 - </a:t>
+            </a:r>
+            <a:r>
+              <a:rPr lang="en-US" altLang="en-US"/>
+              <a:t>Fall </a:t>
+            </a:r>
+            <a:r>
+              <a:rPr lang="is-IS" altLang="en-US" smtClean="0"/>
+              <a:t>2019</a:t>
+            </a:r>
+            <a:endParaRPr lang="en-US" altLang="en-US" dirty="0"/>
           </a:p>
         </p:txBody>
       </p:sp>
@@ -15446,8 +15590,13 @@
             </a:pPr>
             <a:r>
               <a:rPr lang="en-US" altLang="en-US" dirty="0"/>
-              <a:t>CIS 521 - Fall 2018</a:t>
-            </a:r>
+              <a:t>CIS 521 - Fall </a:t>
+            </a:r>
+            <a:r>
+              <a:rPr lang="is-IS" altLang="en-US" dirty="0" smtClean="0"/>
+              <a:t>2019</a:t>
+            </a:r>
+            <a:endParaRPr lang="en-US" altLang="en-US" dirty="0"/>
           </a:p>
         </p:txBody>
       </p:sp>
@@ -15953,8 +16102,13 @@
             </a:pPr>
             <a:r>
               <a:rPr lang="en-US" altLang="en-US" dirty="0"/>
-              <a:t>CIS 521 - Fall 2018</a:t>
-            </a:r>
+              <a:t>CIS 521 - Fall </a:t>
+            </a:r>
+            <a:r>
+              <a:rPr lang="is-IS" altLang="en-US" dirty="0" smtClean="0"/>
+              <a:t>2019</a:t>
+            </a:r>
+            <a:endParaRPr lang="en-US" altLang="en-US" dirty="0"/>
           </a:p>
         </p:txBody>
       </p:sp>
@@ -16467,8 +16621,13 @@
             </a:pPr>
             <a:r>
               <a:rPr lang="en-US" altLang="en-US" dirty="0"/>
-              <a:t>CIS 521 - Fall 2018</a:t>
-            </a:r>
+              <a:t>CIS 521 - Fall </a:t>
+            </a:r>
+            <a:r>
+              <a:rPr lang="is-IS" altLang="en-US" dirty="0" smtClean="0"/>
+              <a:t>2019</a:t>
+            </a:r>
+            <a:endParaRPr lang="en-US" altLang="en-US" dirty="0"/>
           </a:p>
         </p:txBody>
       </p:sp>
@@ -16979,8 +17138,13 @@
             </a:pPr>
             <a:r>
               <a:rPr lang="en-US" altLang="en-US" dirty="0"/>
-              <a:t>CIS 521 - Fall 2018</a:t>
-            </a:r>
+              <a:t>CIS 521 - Fall </a:t>
+            </a:r>
+            <a:r>
+              <a:rPr lang="is-IS" altLang="en-US" dirty="0" smtClean="0"/>
+              <a:t>2019</a:t>
+            </a:r>
+            <a:endParaRPr lang="en-US" altLang="en-US" dirty="0"/>
           </a:p>
         </p:txBody>
       </p:sp>
@@ -17704,8 +17868,13 @@
             </a:pPr>
             <a:r>
               <a:rPr lang="en-US" altLang="en-US" dirty="0"/>
-              <a:t>CIS 521 - Fall 2018</a:t>
-            </a:r>
+              <a:t>CIS 521 - Fall </a:t>
+            </a:r>
+            <a:r>
+              <a:rPr lang="is-IS" altLang="en-US" dirty="0" smtClean="0"/>
+              <a:t>2019</a:t>
+            </a:r>
+            <a:endParaRPr lang="en-US" altLang="en-US" dirty="0"/>
           </a:p>
         </p:txBody>
       </p:sp>
@@ -18154,8 +18323,13 @@
             </a:pPr>
             <a:r>
               <a:rPr lang="en-US" altLang="en-US" dirty="0"/>
-              <a:t>CIS 521 - Fall 2018</a:t>
-            </a:r>
+              <a:t>CIS 521 - Fall </a:t>
+            </a:r>
+            <a:r>
+              <a:rPr lang="is-IS" altLang="en-US" dirty="0" smtClean="0"/>
+              <a:t>2019</a:t>
+            </a:r>
+            <a:endParaRPr lang="en-US" altLang="en-US" dirty="0"/>
           </a:p>
         </p:txBody>
       </p:sp>
@@ -18475,8 +18649,13 @@
             </a:pPr>
             <a:r>
               <a:rPr lang="en-US" altLang="en-US" dirty="0"/>
-              <a:t>CIS 521 - Fall 2018</a:t>
-            </a:r>
+              <a:t>CIS 521 - Fall </a:t>
+            </a:r>
+            <a:r>
+              <a:rPr lang="is-IS" altLang="en-US" dirty="0" smtClean="0"/>
+              <a:t>2019</a:t>
+            </a:r>
+            <a:endParaRPr lang="en-US" altLang="en-US" dirty="0"/>
           </a:p>
         </p:txBody>
       </p:sp>
@@ -18828,8 +19007,13 @@
             </a:pPr>
             <a:r>
               <a:rPr lang="en-US" altLang="en-US" dirty="0"/>
-              <a:t>CIS 521 - Fall 2018</a:t>
-            </a:r>
+              <a:t>CIS 521 - Fall </a:t>
+            </a:r>
+            <a:r>
+              <a:rPr lang="is-IS" altLang="en-US" dirty="0" smtClean="0"/>
+              <a:t>2019</a:t>
+            </a:r>
+            <a:endParaRPr lang="en-US" altLang="en-US" dirty="0"/>
           </a:p>
         </p:txBody>
       </p:sp>
@@ -19425,8 +19609,13 @@
             </a:pPr>
             <a:r>
               <a:rPr lang="en-US" altLang="en-US" dirty="0"/>
-              <a:t>CIS 521 - Fall 2018</a:t>
-            </a:r>
+              <a:t>CIS 521 - Fall </a:t>
+            </a:r>
+            <a:r>
+              <a:rPr lang="is-IS" altLang="en-US" dirty="0" smtClean="0"/>
+              <a:t>2019</a:t>
+            </a:r>
+            <a:endParaRPr lang="en-US" altLang="en-US" dirty="0"/>
           </a:p>
         </p:txBody>
       </p:sp>
@@ -20113,8 +20302,13 @@
             </a:pPr>
             <a:r>
               <a:rPr lang="en-US" altLang="en-US" dirty="0"/>
-              <a:t>CIS 521 - Fall 2018</a:t>
-            </a:r>
+              <a:t>CIS 521 - Fall </a:t>
+            </a:r>
+            <a:r>
+              <a:rPr lang="is-IS" altLang="en-US" dirty="0" smtClean="0"/>
+              <a:t>2019</a:t>
+            </a:r>
+            <a:endParaRPr lang="en-US" altLang="en-US" dirty="0"/>
           </a:p>
         </p:txBody>
       </p:sp>
@@ -21218,8 +21412,13 @@
             </a:pPr>
             <a:r>
               <a:rPr lang="en-US" altLang="en-US" dirty="0"/>
-              <a:t>CIS 521 - Fall 2018</a:t>
-            </a:r>
+              <a:t>CIS 521 - Fall </a:t>
+            </a:r>
+            <a:r>
+              <a:rPr lang="is-IS" altLang="en-US" dirty="0" smtClean="0"/>
+              <a:t>2019</a:t>
+            </a:r>
+            <a:endParaRPr lang="en-US" altLang="en-US" dirty="0"/>
           </a:p>
         </p:txBody>
       </p:sp>
@@ -21666,8 +21865,13 @@
             </a:pPr>
             <a:r>
               <a:rPr lang="en-US" altLang="en-US" dirty="0"/>
-              <a:t>CIS 521 - Fall 2018</a:t>
-            </a:r>
+              <a:t>CIS 521 - Fall </a:t>
+            </a:r>
+            <a:r>
+              <a:rPr lang="is-IS" altLang="en-US" dirty="0" smtClean="0"/>
+              <a:t>2019</a:t>
+            </a:r>
+            <a:endParaRPr lang="en-US" altLang="en-US" dirty="0"/>
           </a:p>
         </p:txBody>
       </p:sp>
@@ -22021,8 +22225,13 @@
             </a:pPr>
             <a:r>
               <a:rPr lang="en-US" altLang="en-US" dirty="0"/>
-              <a:t>CIS 521 - Fall 2018</a:t>
-            </a:r>
+              <a:t>CIS 521 - Fall </a:t>
+            </a:r>
+            <a:r>
+              <a:rPr lang="is-IS" altLang="en-US" dirty="0" smtClean="0"/>
+              <a:t>2019</a:t>
+            </a:r>
+            <a:endParaRPr lang="en-US" altLang="en-US" dirty="0"/>
           </a:p>
         </p:txBody>
       </p:sp>
@@ -22305,8 +22514,13 @@
             </a:pPr>
             <a:r>
               <a:rPr lang="en-US" altLang="en-US" dirty="0"/>
-              <a:t>CIS 521 - Fall 2018</a:t>
-            </a:r>
+              <a:t>CIS 521 - Fall </a:t>
+            </a:r>
+            <a:r>
+              <a:rPr lang="is-IS" altLang="en-US" dirty="0" smtClean="0"/>
+              <a:t>2019</a:t>
+            </a:r>
+            <a:endParaRPr lang="en-US" altLang="en-US" dirty="0"/>
           </a:p>
         </p:txBody>
       </p:sp>
@@ -22787,7 +23001,11 @@
             </a:pPr>
             <a:r>
               <a:rPr lang="en-US"/>
-              <a:t>CIS 421/521 - Fall 2018</a:t>
+              <a:t>CIS 421/521 - Fall </a:t>
+            </a:r>
+            <a:r>
+              <a:rPr lang="is-IS" smtClean="0"/>
+              <a:t>2019</a:t>
             </a:r>
             <a:endParaRPr lang="en-US" dirty="0"/>
           </a:p>
@@ -23115,8 +23333,17 @@
             </a:pPr>
             <a:r>
               <a:rPr lang="en-US" altLang="en-US" dirty="0"/>
-              <a:t>CIS 521 - Fall 2018</a:t>
-            </a:r>
+              <a:t>CIS 521 - </a:t>
+            </a:r>
+            <a:r>
+              <a:rPr lang="en-US" altLang="en-US"/>
+              <a:t>Fall </a:t>
+            </a:r>
+            <a:r>
+              <a:rPr lang="is-IS" altLang="en-US" smtClean="0"/>
+              <a:t>2019</a:t>
+            </a:r>
+            <a:endParaRPr lang="en-US" altLang="en-US" dirty="0"/>
           </a:p>
         </p:txBody>
       </p:sp>
@@ -23483,8 +23710,17 @@
             </a:pPr>
             <a:r>
               <a:rPr lang="en-US" dirty="0"/>
-              <a:t>CIS 521 - Fall 2018</a:t>
-            </a:r>
+              <a:t>CIS 521 - </a:t>
+            </a:r>
+            <a:r>
+              <a:rPr lang="en-US"/>
+              <a:t>Fall </a:t>
+            </a:r>
+            <a:r>
+              <a:rPr lang="is-IS" smtClean="0"/>
+              <a:t>2019</a:t>
+            </a:r>
+            <a:endParaRPr lang="en-US" dirty="0"/>
           </a:p>
         </p:txBody>
       </p:sp>
@@ -23624,8 +23860,17 @@
             </a:pPr>
             <a:r>
               <a:rPr lang="en-US" dirty="0"/>
-              <a:t>CIS 521 - Fall 2018</a:t>
-            </a:r>
+              <a:t>CIS 521 - </a:t>
+            </a:r>
+            <a:r>
+              <a:rPr lang="en-US"/>
+              <a:t>Fall </a:t>
+            </a:r>
+            <a:r>
+              <a:rPr lang="is-IS" smtClean="0"/>
+              <a:t>2019</a:t>
+            </a:r>
+            <a:endParaRPr lang="en-US" dirty="0"/>
           </a:p>
         </p:txBody>
       </p:sp>
@@ -24342,8 +24587,17 @@
             </a:pPr>
             <a:r>
               <a:rPr lang="en-US" dirty="0"/>
-              <a:t>CIS 521 - Fall 2018</a:t>
-            </a:r>
+              <a:t>CIS 521 - </a:t>
+            </a:r>
+            <a:r>
+              <a:rPr lang="en-US"/>
+              <a:t>Fall </a:t>
+            </a:r>
+            <a:r>
+              <a:rPr lang="is-IS" smtClean="0"/>
+              <a:t>2019</a:t>
+            </a:r>
+            <a:endParaRPr lang="en-US" dirty="0"/>
           </a:p>
         </p:txBody>
       </p:sp>
@@ -24730,8 +24984,17 @@
             </a:pPr>
             <a:r>
               <a:rPr lang="en-US" dirty="0"/>
-              <a:t>CIS 521 - Fall 2018</a:t>
-            </a:r>
+              <a:t>CIS 521 - </a:t>
+            </a:r>
+            <a:r>
+              <a:rPr lang="en-US"/>
+              <a:t>Fall </a:t>
+            </a:r>
+            <a:r>
+              <a:rPr lang="is-IS" smtClean="0"/>
+              <a:t>2019</a:t>
+            </a:r>
+            <a:endParaRPr lang="en-US" dirty="0"/>
           </a:p>
         </p:txBody>
       </p:sp>
@@ -24986,8 +25249,17 @@
             </a:pPr>
             <a:r>
               <a:rPr lang="en-US" dirty="0"/>
-              <a:t>CIS 521 - Fall 2018</a:t>
-            </a:r>
+              <a:t>CIS 521 - </a:t>
+            </a:r>
+            <a:r>
+              <a:rPr lang="en-US"/>
+              <a:t>Fall </a:t>
+            </a:r>
+            <a:r>
+              <a:rPr lang="is-IS" smtClean="0"/>
+              <a:t>2019</a:t>
+            </a:r>
+            <a:endParaRPr lang="en-US" dirty="0"/>
           </a:p>
         </p:txBody>
       </p:sp>
@@ -26673,8 +26945,17 @@
             </a:pPr>
             <a:r>
               <a:rPr lang="en-US" dirty="0"/>
-              <a:t>CIS 521 - Fall 2018</a:t>
-            </a:r>
+              <a:t>CIS 521 - </a:t>
+            </a:r>
+            <a:r>
+              <a:rPr lang="en-US"/>
+              <a:t>Fall </a:t>
+            </a:r>
+            <a:r>
+              <a:rPr lang="is-IS" smtClean="0"/>
+              <a:t>2019</a:t>
+            </a:r>
+            <a:endParaRPr lang="en-US" dirty="0"/>
           </a:p>
         </p:txBody>
       </p:sp>
@@ -28357,8 +28638,17 @@
             </a:pPr>
             <a:r>
               <a:rPr lang="en-US" dirty="0"/>
-              <a:t>CIS 521 - Fall 2018</a:t>
-            </a:r>
+              <a:t>CIS 521 - </a:t>
+            </a:r>
+            <a:r>
+              <a:rPr lang="en-US"/>
+              <a:t>Fall </a:t>
+            </a:r>
+            <a:r>
+              <a:rPr lang="is-IS" smtClean="0"/>
+              <a:t>2019</a:t>
+            </a:r>
+            <a:endParaRPr lang="en-US" dirty="0"/>
           </a:p>
         </p:txBody>
       </p:sp>
@@ -29023,8 +29313,17 @@
             </a:pPr>
             <a:r>
               <a:rPr lang="en-US" dirty="0"/>
-              <a:t>CIS 521 - Fall 2018</a:t>
-            </a:r>
+              <a:t>CIS 521 - </a:t>
+            </a:r>
+            <a:r>
+              <a:rPr lang="en-US"/>
+              <a:t>Fall </a:t>
+            </a:r>
+            <a:r>
+              <a:rPr lang="is-IS" smtClean="0"/>
+              <a:t>2019</a:t>
+            </a:r>
+            <a:endParaRPr lang="en-US" dirty="0"/>
           </a:p>
         </p:txBody>
       </p:sp>
@@ -29929,8 +30228,17 @@
             </a:pPr>
             <a:r>
               <a:rPr lang="en-US" dirty="0"/>
-              <a:t>CIS 421/521 - Fall 2018</a:t>
-            </a:r>
+              <a:t>CIS 421/521 - </a:t>
+            </a:r>
+            <a:r>
+              <a:rPr lang="en-US"/>
+              <a:t>Fall </a:t>
+            </a:r>
+            <a:r>
+              <a:rPr lang="is-IS" smtClean="0"/>
+              <a:t>2019</a:t>
+            </a:r>
+            <a:endParaRPr lang="en-US" dirty="0"/>
           </a:p>
         </p:txBody>
       </p:sp>
@@ -30285,8 +30593,17 @@
             </a:pPr>
             <a:r>
               <a:rPr lang="en-US" altLang="en-US" dirty="0"/>
-              <a:t>CIS 521 - Fall 2018</a:t>
-            </a:r>
+              <a:t>CIS 521 - </a:t>
+            </a:r>
+            <a:r>
+              <a:rPr lang="en-US" altLang="en-US"/>
+              <a:t>Fall </a:t>
+            </a:r>
+            <a:r>
+              <a:rPr lang="is-IS" altLang="en-US" smtClean="0"/>
+              <a:t>2019</a:t>
+            </a:r>
+            <a:endParaRPr lang="en-US" altLang="en-US" dirty="0"/>
           </a:p>
         </p:txBody>
       </p:sp>
@@ -30686,8 +31003,17 @@
             </a:pPr>
             <a:r>
               <a:rPr lang="en-US" altLang="en-US" dirty="0"/>
-              <a:t>CIS 521 - Fall 2018</a:t>
-            </a:r>
+              <a:t>CIS 521 - </a:t>
+            </a:r>
+            <a:r>
+              <a:rPr lang="en-US" altLang="en-US"/>
+              <a:t>Fall </a:t>
+            </a:r>
+            <a:r>
+              <a:rPr lang="is-IS" altLang="en-US" smtClean="0"/>
+              <a:t>2019</a:t>
+            </a:r>
+            <a:endParaRPr lang="en-US" altLang="en-US" dirty="0"/>
           </a:p>
         </p:txBody>
       </p:sp>
@@ -31149,8 +31475,17 @@
             </a:pPr>
             <a:r>
               <a:rPr lang="en-US" altLang="en-US" dirty="0"/>
-              <a:t>CIS 521 - Fall 2018</a:t>
-            </a:r>
+              <a:t>CIS 521 - </a:t>
+            </a:r>
+            <a:r>
+              <a:rPr lang="en-US" altLang="en-US"/>
+              <a:t>Fall </a:t>
+            </a:r>
+            <a:r>
+              <a:rPr lang="is-IS" altLang="en-US" smtClean="0"/>
+              <a:t>2019</a:t>
+            </a:r>
+            <a:endParaRPr lang="en-US" altLang="en-US" dirty="0"/>
           </a:p>
         </p:txBody>
       </p:sp>
@@ -31320,8 +31655,17 @@
             </a:pPr>
             <a:r>
               <a:rPr lang="en-US" altLang="en-US" dirty="0"/>
-              <a:t>CIS 521 - Fall 2018</a:t>
-            </a:r>
+              <a:t>CIS 521 - </a:t>
+            </a:r>
+            <a:r>
+              <a:rPr lang="en-US" altLang="en-US"/>
+              <a:t>Fall </a:t>
+            </a:r>
+            <a:r>
+              <a:rPr lang="is-IS" altLang="en-US" smtClean="0"/>
+              <a:t>2019</a:t>
+            </a:r>
+            <a:endParaRPr lang="en-US" altLang="en-US" dirty="0"/>
           </a:p>
         </p:txBody>
       </p:sp>
@@ -31786,7 +32130,11 @@
             </a:pPr>
             <a:r>
               <a:rPr lang="en-US"/>
-              <a:t>CIS 421/521 - Fall 2018</a:t>
+              <a:t>CIS 421/521 - Fall </a:t>
+            </a:r>
+            <a:r>
+              <a:rPr lang="is-IS" smtClean="0"/>
+              <a:t>2019</a:t>
             </a:r>
             <a:endParaRPr lang="en-US" dirty="0"/>
           </a:p>
@@ -32054,7 +32402,11 @@
             </a:pPr>
             <a:r>
               <a:rPr lang="en-US"/>
-              <a:t>CIS 421/521 - Fall 2018</a:t>
+              <a:t>CIS 421/521 - Fall </a:t>
+            </a:r>
+            <a:r>
+              <a:rPr lang="is-IS" smtClean="0"/>
+              <a:t>2019</a:t>
             </a:r>
             <a:endParaRPr lang="en-US" dirty="0"/>
           </a:p>
@@ -32523,7 +32875,11 @@
             </a:pPr>
             <a:r>
               <a:rPr lang="en-US"/>
-              <a:t>CIS 421/521 - Fall 2018</a:t>
+              <a:t>CIS 421/521 - Fall </a:t>
+            </a:r>
+            <a:r>
+              <a:rPr lang="is-IS" smtClean="0"/>
+              <a:t>2019</a:t>
             </a:r>
             <a:endParaRPr lang="en-US" dirty="0"/>
           </a:p>
@@ -32971,7 +33327,11 @@
             </a:pPr>
             <a:r>
               <a:rPr lang="en-US"/>
-              <a:t>CIS 421/521 - Fall 2018</a:t>
+              <a:t>CIS 421/521 - Fall </a:t>
+            </a:r>
+            <a:r>
+              <a:rPr lang="is-IS" smtClean="0"/>
+              <a:t>2019</a:t>
             </a:r>
             <a:endParaRPr lang="en-US" dirty="0"/>
           </a:p>
@@ -33937,7 +34297,11 @@
             </a:pPr>
             <a:r>
               <a:rPr lang="en-US"/>
-              <a:t>CIS 421/521 - Fall 2018</a:t>
+              <a:t>CIS 421/521 - Fall </a:t>
+            </a:r>
+            <a:r>
+              <a:rPr lang="is-IS" smtClean="0"/>
+              <a:t>2019</a:t>
             </a:r>
             <a:endParaRPr lang="en-US" dirty="0"/>
           </a:p>
